--- a/floris_files/other/PowerPoint 8 juni_NR.pptx
+++ b/floris_files/other/PowerPoint 8 juni_NR.pptx
@@ -7,9 +7,8 @@
   </p:sldMasterIdLst>
   <p:sldIdLst>
     <p:sldId id="276" r:id="rId3"/>
-    <p:sldId id="278" r:id="rId4"/>
-    <p:sldId id="277" r:id="rId5"/>
-    <p:sldId id="260" r:id="rId6"/>
+    <p:sldId id="277" r:id="rId4"/>
+    <p:sldId id="260" r:id="rId5"/>
   </p:sldIdLst>
   <p:sldSz cx="12192000" cy="6858000"/>
   <p:notesSz cx="6858000" cy="9144000"/>
@@ -294,7 +293,7 @@
                 <a:tabLst/>
                 <a:defRPr/>
               </a:pPr>
-              <a:t>5/24/2022</a:t>
+              <a:t>5/30/2022</a:t>
             </a:fld>
             <a:endParaRPr kumimoji="0" lang="en-US" sz="1200" b="0" i="0" u="none" strike="noStrike" kern="1200" cap="none" spc="0" normalizeH="0" baseline="0" noProof="0">
               <a:ln>
@@ -622,7 +621,7 @@
                 <a:tabLst/>
                 <a:defRPr/>
               </a:pPr>
-              <a:t>5/24/2022</a:t>
+              <a:t>5/30/2022</a:t>
             </a:fld>
             <a:endParaRPr kumimoji="0" lang="en-US" sz="1200" b="0" i="0" u="none" strike="noStrike" kern="1200" cap="none" spc="0" normalizeH="0" baseline="0" noProof="0">
               <a:ln>
@@ -960,7 +959,7 @@
                 <a:tabLst/>
                 <a:defRPr/>
               </a:pPr>
-              <a:t>5/24/2022</a:t>
+              <a:t>5/30/2022</a:t>
             </a:fld>
             <a:endParaRPr kumimoji="0" lang="en-US" sz="1200" b="0" i="0" u="none" strike="noStrike" kern="1200" cap="none" spc="0" normalizeH="0" baseline="0" noProof="0">
               <a:ln>
@@ -1270,7 +1269,7 @@
                 </a:solidFill>
               </a:rPr>
               <a:pPr/>
-              <a:t>5/24/2022</a:t>
+              <a:t>5/30/2022</a:t>
             </a:fld>
             <a:endParaRPr lang="en-US" dirty="0">
               <a:solidFill>
@@ -1472,7 +1471,7 @@
                 </a:solidFill>
               </a:rPr>
               <a:pPr/>
-              <a:t>5/24/2022</a:t>
+              <a:t>5/30/2022</a:t>
             </a:fld>
             <a:endParaRPr lang="en-US" dirty="0">
               <a:solidFill>
@@ -1750,7 +1749,7 @@
                 </a:solidFill>
               </a:rPr>
               <a:pPr/>
-              <a:t>5/24/2022</a:t>
+              <a:t>5/30/2022</a:t>
             </a:fld>
             <a:endParaRPr lang="en-US" dirty="0">
               <a:solidFill>
@@ -2014,7 +2013,7 @@
                 </a:solidFill>
               </a:rPr>
               <a:pPr/>
-              <a:t>5/24/2022</a:t>
+              <a:t>5/30/2022</a:t>
             </a:fld>
             <a:endParaRPr lang="en-US" dirty="0">
               <a:solidFill>
@@ -2413,7 +2412,7 @@
                 </a:solidFill>
               </a:rPr>
               <a:pPr/>
-              <a:t>5/24/2022</a:t>
+              <a:t>5/30/2022</a:t>
             </a:fld>
             <a:endParaRPr lang="en-US" dirty="0">
               <a:solidFill>
@@ -2563,7 +2562,7 @@
                 </a:solidFill>
               </a:rPr>
               <a:pPr/>
-              <a:t>5/24/2022</a:t>
+              <a:t>5/30/2022</a:t>
             </a:fld>
             <a:endParaRPr lang="en-US" dirty="0">
               <a:solidFill>
@@ -2690,7 +2689,7 @@
                 </a:solidFill>
               </a:rPr>
               <a:pPr/>
-              <a:t>5/24/2022</a:t>
+              <a:t>5/30/2022</a:t>
             </a:fld>
             <a:endParaRPr lang="en-US" dirty="0">
               <a:solidFill>
@@ -2999,7 +2998,7 @@
                 </a:solidFill>
               </a:rPr>
               <a:pPr/>
-              <a:t>5/24/2022</a:t>
+              <a:t>5/30/2022</a:t>
             </a:fld>
             <a:endParaRPr lang="en-US" dirty="0">
               <a:solidFill>
@@ -3241,7 +3240,7 @@
                 <a:tabLst/>
                 <a:defRPr/>
               </a:pPr>
-              <a:t>5/24/2022</a:t>
+              <a:t>5/30/2022</a:t>
             </a:fld>
             <a:endParaRPr kumimoji="0" lang="en-US" sz="1200" b="0" i="0" u="none" strike="noStrike" kern="1200" cap="none" spc="0" normalizeH="0" baseline="0" noProof="0">
               <a:ln>
@@ -3615,7 +3614,7 @@
                 </a:solidFill>
               </a:rPr>
               <a:pPr/>
-              <a:t>5/24/2022</a:t>
+              <a:t>5/30/2022</a:t>
             </a:fld>
             <a:endParaRPr lang="en-US" dirty="0">
               <a:solidFill>
@@ -3817,7 +3816,7 @@
                 </a:solidFill>
               </a:rPr>
               <a:pPr/>
-              <a:t>5/24/2022</a:t>
+              <a:t>5/30/2022</a:t>
             </a:fld>
             <a:endParaRPr lang="en-US" dirty="0">
               <a:solidFill>
@@ -4029,7 +4028,7 @@
                 </a:solidFill>
               </a:rPr>
               <a:pPr/>
-              <a:t>5/24/2022</a:t>
+              <a:t>5/30/2022</a:t>
             </a:fld>
             <a:endParaRPr lang="en-US" dirty="0">
               <a:solidFill>
@@ -4348,7 +4347,7 @@
                 <a:tabLst/>
                 <a:defRPr/>
               </a:pPr>
-              <a:t>5/24/2022</a:t>
+              <a:t>5/30/2022</a:t>
             </a:fld>
             <a:endParaRPr kumimoji="0" lang="en-US" sz="1200" b="0" i="0" u="none" strike="noStrike" kern="1200" cap="none" spc="0" normalizeH="0" baseline="0" noProof="0">
               <a:ln>
@@ -4737,7 +4736,7 @@
                 <a:tabLst/>
                 <a:defRPr/>
               </a:pPr>
-              <a:t>5/24/2022</a:t>
+              <a:t>5/30/2022</a:t>
             </a:fld>
             <a:endParaRPr kumimoji="0" lang="en-US" sz="1200" b="0" i="0" u="none" strike="noStrike" kern="1200" cap="none" spc="0" normalizeH="0" baseline="0" noProof="0">
               <a:ln>
@@ -5261,7 +5260,7 @@
                 <a:tabLst/>
                 <a:defRPr/>
               </a:pPr>
-              <a:t>5/24/2022</a:t>
+              <a:t>5/30/2022</a:t>
             </a:fld>
             <a:endParaRPr kumimoji="0" lang="en-US" sz="1200" b="0" i="0" u="none" strike="noStrike" kern="1200" cap="none" spc="0" normalizeH="0" baseline="0" noProof="0">
               <a:ln>
@@ -5538,7 +5537,7 @@
                 <a:tabLst/>
                 <a:defRPr/>
               </a:pPr>
-              <a:t>5/24/2022</a:t>
+              <a:t>5/30/2022</a:t>
             </a:fld>
             <a:endParaRPr kumimoji="0" lang="en-US" sz="1200" b="0" i="0" u="none" strike="noStrike" kern="1200" cap="none" spc="0" normalizeH="0" baseline="0" noProof="0">
               <a:ln>
@@ -5793,7 +5792,7 @@
                 <a:tabLst/>
                 <a:defRPr/>
               </a:pPr>
-              <a:t>5/24/2022</a:t>
+              <a:t>5/30/2022</a:t>
             </a:fld>
             <a:endParaRPr kumimoji="0" lang="en-US" sz="1200" b="0" i="0" u="none" strike="noStrike" kern="1200" cap="none" spc="0" normalizeH="0" baseline="0" noProof="0">
               <a:ln>
@@ -6228,7 +6227,7 @@
                 <a:tabLst/>
                 <a:defRPr/>
               </a:pPr>
-              <a:t>5/24/2022</a:t>
+              <a:t>5/30/2022</a:t>
             </a:fld>
             <a:endParaRPr kumimoji="0" lang="en-US" sz="1200" b="0" i="0" u="none" strike="noStrike" kern="1200" cap="none" spc="0" normalizeH="0" baseline="0" noProof="0">
               <a:ln>
@@ -6640,7 +6639,7 @@
                 <a:tabLst/>
                 <a:defRPr/>
               </a:pPr>
-              <a:t>5/24/2022</a:t>
+              <a:t>5/30/2022</a:t>
             </a:fld>
             <a:endParaRPr kumimoji="0" lang="en-US" sz="1200" b="0" i="0" u="none" strike="noStrike" kern="1200" cap="none" spc="0" normalizeH="0" baseline="0" noProof="0">
               <a:ln>
@@ -7011,7 +7010,7 @@
                 <a:tabLst/>
                 <a:defRPr/>
               </a:pPr>
-              <a:t>5/24/2022</a:t>
+              <a:t>5/30/2022</a:t>
             </a:fld>
             <a:endParaRPr kumimoji="0" lang="en-US" sz="1200" b="0" i="0" u="none" strike="noStrike" kern="1200" cap="none" spc="0" normalizeH="0" baseline="0" noProof="0">
               <a:ln>
@@ -7669,7 +7668,7 @@
                 </a:solidFill>
               </a:rPr>
               <a:pPr/>
-              <a:t>5/24/2022</a:t>
+              <a:t>5/30/2022</a:t>
             </a:fld>
             <a:endParaRPr lang="en-US" dirty="0">
               <a:solidFill>
@@ -8109,9 +8108,16 @@
             <p:ph type="ctrTitle"/>
           </p:nvPr>
         </p:nvSpPr>
-        <p:spPr/>
-        <p:txBody>
-          <a:bodyPr/>
+        <p:spPr>
+          <a:xfrm>
+            <a:off x="1524000" y="1122363"/>
+            <a:ext cx="9144000" cy="621093"/>
+          </a:xfrm>
+        </p:spPr>
+        <p:txBody>
+          <a:bodyPr>
+            <a:normAutofit fontScale="90000"/>
+          </a:bodyPr>
           <a:lstStyle/>
           <a:p>
             <a:r>
@@ -8132,12 +8138,60 @@
             <p:ph type="subTitle" idx="1"/>
           </p:nvPr>
         </p:nvSpPr>
-        <p:spPr/>
+        <p:spPr>
+          <a:xfrm>
+            <a:off x="1524000" y="2731008"/>
+            <a:ext cx="9144000" cy="2526792"/>
+          </a:xfrm>
+        </p:spPr>
         <p:txBody>
           <a:bodyPr/>
           <a:lstStyle/>
           <a:p>
-            <a:endParaRPr lang="en-US"/>
+            <a:r>
+              <a:rPr lang="en-US" dirty="0" smtClean="0"/>
+              <a:t>Predict age and dyslexia from EEG data</a:t>
+            </a:r>
+          </a:p>
+          <a:p>
+            <a:r>
+              <a:rPr lang="en-US" dirty="0" smtClean="0"/>
+              <a:t>Compare </a:t>
+            </a:r>
+            <a:r>
+              <a:rPr lang="en-US" dirty="0" smtClean="0"/>
+              <a:t>deep </a:t>
+            </a:r>
+            <a:r>
+              <a:rPr lang="en-US" dirty="0" smtClean="0"/>
+              <a:t>learning </a:t>
+            </a:r>
+            <a:r>
+              <a:rPr lang="en-US" dirty="0" smtClean="0"/>
+              <a:t>models on EEG classification tasks</a:t>
+            </a:r>
+            <a:endParaRPr lang="en-US" dirty="0" smtClean="0"/>
+          </a:p>
+          <a:p>
+            <a:r>
+              <a:rPr lang="en-US" dirty="0" smtClean="0"/>
+              <a:t>Explain and visualise the reasoning behind the models</a:t>
+            </a:r>
+          </a:p>
+          <a:p>
+            <a:r>
+              <a:rPr lang="en-US" dirty="0" smtClean="0"/>
+              <a:t>Make the code reproducable </a:t>
+            </a:r>
+            <a:r>
+              <a:rPr lang="en-US" dirty="0" smtClean="0"/>
+              <a:t>for other </a:t>
+            </a:r>
+            <a:r>
+              <a:rPr lang="en-US" dirty="0" smtClean="0"/>
+              <a:t>projects and datasets</a:t>
+            </a:r>
+            <a:endParaRPr lang="en-US" dirty="0"/>
           </a:p>
         </p:txBody>
       </p:sp>
@@ -8181,14 +8235,19 @@
             <p:ph type="ctrTitle"/>
           </p:nvPr>
         </p:nvSpPr>
-        <p:spPr/>
+        <p:spPr>
+          <a:xfrm>
+            <a:off x="1524000" y="610299"/>
+            <a:ext cx="9144000" cy="1157541"/>
+          </a:xfrm>
+        </p:spPr>
         <p:txBody>
           <a:bodyPr/>
           <a:lstStyle/>
           <a:p>
             <a:r>
               <a:rPr lang="en-US" dirty="0" smtClean="0"/>
-              <a:t>How we work</a:t>
+              <a:t>Progress</a:t>
             </a:r>
             <a:endParaRPr lang="en-US" dirty="0"/>
           </a:p>
@@ -8204,14 +8263,67 @@
             <p:ph type="subTitle" idx="1"/>
           </p:nvPr>
         </p:nvSpPr>
-        <p:spPr/>
-        <p:txBody>
-          <a:bodyPr/>
+        <p:spPr>
+          <a:xfrm>
+            <a:off x="1524000" y="2560320"/>
+            <a:ext cx="9144000" cy="2697480"/>
+          </a:xfrm>
+        </p:spPr>
+        <p:txBody>
+          <a:bodyPr>
+            <a:normAutofit fontScale="92500" lnSpcReduction="20000"/>
+          </a:bodyPr>
           <a:lstStyle/>
           <a:p>
             <a:r>
               <a:rPr lang="en-US" dirty="0" smtClean="0"/>
-              <a:t>Working together in GitHub and a Surfdrive</a:t>
+              <a:t>Code for thesis:</a:t>
+            </a:r>
+          </a:p>
+          <a:p>
+            <a:r>
+              <a:rPr lang="en-US" dirty="0" smtClean="0"/>
+              <a:t>Load </a:t>
+            </a:r>
+            <a:r>
+              <a:rPr lang="en-US" dirty="0" smtClean="0"/>
+              <a:t>data/metadata/events ePOD dataset</a:t>
+            </a:r>
+            <a:endParaRPr lang="en-US" dirty="0" smtClean="0"/>
+          </a:p>
+          <a:p>
+            <a:r>
+              <a:rPr lang="en-US" dirty="0" smtClean="0"/>
+              <a:t>Created </a:t>
+            </a:r>
+            <a:r>
+              <a:rPr lang="en-US" dirty="0" smtClean="0"/>
+              <a:t>dummy data</a:t>
+            </a:r>
+          </a:p>
+          <a:p>
+            <a:r>
+              <a:rPr lang="en-US" dirty="0" smtClean="0"/>
+              <a:t>Trained simple deep learning model</a:t>
+            </a:r>
+          </a:p>
+          <a:p>
+            <a:endParaRPr lang="en-US" dirty="0" smtClean="0"/>
+          </a:p>
+          <a:p>
+            <a:r>
+              <a:rPr lang="en-US" dirty="0" smtClean="0"/>
+              <a:t>Learning to work in team</a:t>
+            </a:r>
+          </a:p>
+          <a:p>
+            <a:r>
+              <a:rPr lang="en-US" dirty="0"/>
+              <a:t>GitHub </a:t>
+            </a:r>
+            <a:r>
+              <a:rPr lang="en-US" dirty="0" smtClean="0"/>
+              <a:t>+ Kanban</a:t>
             </a:r>
             <a:endParaRPr lang="en-US" dirty="0"/>
           </a:p>
@@ -8220,7 +8332,7 @@
     </p:spTree>
     <p:extLst>
       <p:ext uri="{BB962C8B-B14F-4D97-AF65-F5344CB8AC3E}">
-        <p14:creationId xmlns:p14="http://schemas.microsoft.com/office/powerpoint/2010/main" val="2152284102"/>
+        <p14:creationId xmlns:p14="http://schemas.microsoft.com/office/powerpoint/2010/main" val="998201407"/>
       </p:ext>
     </p:extLst>
   </p:cSld>
@@ -8247,151 +8359,20 @@
           <a:chExt cx="0" cy="0"/>
         </a:xfrm>
       </p:grpSpPr>
-      <p:sp>
-        <p:nvSpPr>
-          <p:cNvPr id="2" name="Title 1"/>
-          <p:cNvSpPr>
-            <a:spLocks noGrp="1"/>
-          </p:cNvSpPr>
-          <p:nvPr>
-            <p:ph type="ctrTitle"/>
-          </p:nvPr>
-        </p:nvSpPr>
-        <p:spPr/>
-        <p:txBody>
-          <a:bodyPr/>
-          <a:lstStyle/>
-          <a:p>
-            <a:r>
-              <a:rPr lang="en-US" dirty="0" smtClean="0"/>
-              <a:t>What have I done</a:t>
-            </a:r>
-            <a:endParaRPr lang="en-US" dirty="0"/>
-          </a:p>
-        </p:txBody>
-      </p:sp>
-      <p:sp>
-        <p:nvSpPr>
-          <p:cNvPr id="3" name="Subtitle 2"/>
-          <p:cNvSpPr>
-            <a:spLocks noGrp="1"/>
-          </p:cNvSpPr>
-          <p:nvPr>
-            <p:ph type="subTitle" idx="1"/>
-          </p:nvPr>
-        </p:nvSpPr>
-        <p:spPr/>
-        <p:txBody>
-          <a:bodyPr/>
-          <a:lstStyle/>
-          <a:p>
-            <a:r>
-              <a:rPr lang="en-US" dirty="0" smtClean="0"/>
-              <a:t>Code for thesis</a:t>
-            </a:r>
-          </a:p>
-          <a:p>
-            <a:r>
-              <a:rPr lang="en-US" dirty="0" smtClean="0"/>
-              <a:t>+ Loading in Data</a:t>
-            </a:r>
-          </a:p>
-          <a:p>
-            <a:r>
-              <a:rPr lang="en-US" dirty="0" smtClean="0"/>
-              <a:t>()</a:t>
-            </a:r>
-            <a:endParaRPr lang="en-US" dirty="0"/>
-          </a:p>
-        </p:txBody>
-      </p:sp>
-    </p:spTree>
-    <p:extLst>
-      <p:ext uri="{BB962C8B-B14F-4D97-AF65-F5344CB8AC3E}">
-        <p14:creationId xmlns:p14="http://schemas.microsoft.com/office/powerpoint/2010/main" val="998201407"/>
-      </p:ext>
-    </p:extLst>
-  </p:cSld>
-  <p:clrMapOvr>
-    <a:masterClrMapping/>
-  </p:clrMapOvr>
-</p:sld>
-</file>
-
-<file path=ppt/slides/slide4.xml><?xml version="1.0" encoding="utf-8"?>
-<p:sld xmlns:a="http://schemas.openxmlformats.org/drawingml/2006/main" xmlns:r="http://schemas.openxmlformats.org/officeDocument/2006/relationships" xmlns:p="http://schemas.openxmlformats.org/presentationml/2006/main">
-  <p:cSld>
-    <p:spTree>
-      <p:nvGrpSpPr>
-        <p:cNvPr id="1" name=""/>
-        <p:cNvGrpSpPr/>
-        <p:nvPr/>
-      </p:nvGrpSpPr>
-      <p:grpSpPr>
-        <a:xfrm>
-          <a:off x="0" y="0"/>
-          <a:ext cx="0" cy="0"/>
-          <a:chOff x="0" y="0"/>
-          <a:chExt cx="0" cy="0"/>
-        </a:xfrm>
-      </p:grpSpPr>
-      <p:cxnSp>
-        <p:nvCxnSpPr>
-          <p:cNvPr id="7117" name="OTLSHAPE_M_a54bc827b05146d18b559f618723e2b4_Connector1"/>
-          <p:cNvCxnSpPr/>
-          <p:nvPr>
-            <p:custDataLst>
-              <p:tags r:id="rId2"/>
-            </p:custDataLst>
-          </p:nvPr>
-        </p:nvCxnSpPr>
-        <p:spPr>
-          <a:xfrm>
-            <a:off x="3993480" y="1580681"/>
-            <a:ext cx="0" cy="961761"/>
-          </a:xfrm>
-          <a:prstGeom prst="line">
-            <a:avLst/>
-          </a:prstGeom>
-          <a:ln w="9525" cap="flat" cmpd="sng" algn="ctr">
-            <a:solidFill>
-              <a:schemeClr val="accent3"/>
-            </a:solidFill>
-            <a:prstDash val="solid"/>
-            <a:miter lim="800000"/>
-            <a:headEnd type="none" w="med" len="med"/>
-            <a:tailEnd type="none" w="med" len="med"/>
-          </a:ln>
-        </p:spPr>
-        <p:style>
-          <a:lnRef idx="1">
-            <a:schemeClr val="accent1"/>
-          </a:lnRef>
-          <a:fillRef idx="0">
-            <a:schemeClr val="accent1"/>
-          </a:fillRef>
-          <a:effectRef idx="0">
-            <a:schemeClr val="accent1"/>
-          </a:effectRef>
-          <a:fontRef idx="minor">
-            <a:schemeClr val="tx1"/>
-          </a:fontRef>
-        </p:style>
-      </p:cxnSp>
       <p:cxnSp>
         <p:nvCxnSpPr>
           <p:cNvPr id="7116" name="OTLSHAPE_M_a58f29487c0343c08abcf41913e40cae_Connector1"/>
           <p:cNvCxnSpPr/>
           <p:nvPr>
             <p:custDataLst>
-              <p:tags r:id="rId3"/>
+              <p:tags r:id="rId2"/>
             </p:custDataLst>
           </p:nvPr>
         </p:nvCxnSpPr>
         <p:spPr>
           <a:xfrm>
-            <a:off x="1313793" y="2225230"/>
-            <a:ext cx="0" cy="918020"/>
+            <a:off x="616123" y="2692811"/>
+            <a:ext cx="0" cy="459010"/>
           </a:xfrm>
           <a:prstGeom prst="line">
             <a:avLst/>
@@ -8427,7 +8408,7 @@
           <p:cNvSpPr txBox="1"/>
           <p:nvPr>
             <p:custDataLst>
-              <p:tags r:id="rId4"/>
+              <p:tags r:id="rId3"/>
             </p:custDataLst>
           </p:nvPr>
         </p:nvSpPr>
@@ -8490,7 +8471,7 @@
           <p:cNvSpPr txBox="1"/>
           <p:nvPr>
             <p:custDataLst>
-              <p:tags r:id="rId5"/>
+              <p:tags r:id="rId4"/>
             </p:custDataLst>
           </p:nvPr>
         </p:nvSpPr>
@@ -8553,14 +8534,14 @@
           <p:cNvSpPr/>
           <p:nvPr>
             <p:custDataLst>
-              <p:tags r:id="rId6"/>
+              <p:tags r:id="rId5"/>
             </p:custDataLst>
           </p:nvPr>
         </p:nvSpPr>
         <p:spPr>
           <a:xfrm>
-            <a:off x="731521" y="3143250"/>
-            <a:ext cx="10718278" cy="615767"/>
+            <a:off x="597408" y="3143250"/>
+            <a:ext cx="11100041" cy="615767"/>
           </a:xfrm>
           <a:prstGeom prst="rect">
             <a:avLst/>
@@ -8668,7 +8649,7 @@
           <p:cNvSpPr/>
           <p:nvPr>
             <p:custDataLst>
-              <p:tags r:id="rId7"/>
+              <p:tags r:id="rId6"/>
             </p:custDataLst>
           </p:nvPr>
         </p:nvSpPr>
@@ -8741,7 +8722,7 @@
           <p:cNvSpPr/>
           <p:nvPr>
             <p:custDataLst>
-              <p:tags r:id="rId8"/>
+              <p:tags r:id="rId7"/>
             </p:custDataLst>
           </p:nvPr>
         </p:nvSpPr>
@@ -8814,7 +8795,7 @@
           <p:cNvSpPr txBox="1"/>
           <p:nvPr>
             <p:custDataLst>
-              <p:tags r:id="rId9"/>
+              <p:tags r:id="rId8"/>
             </p:custDataLst>
           </p:nvPr>
         </p:nvSpPr>
@@ -8877,13 +8858,13 @@
           <p:cNvCxnSpPr/>
           <p:nvPr>
             <p:custDataLst>
-              <p:tags r:id="rId10"/>
+              <p:tags r:id="rId9"/>
             </p:custDataLst>
           </p:nvPr>
         </p:nvCxnSpPr>
         <p:spPr>
           <a:xfrm>
-            <a:off x="1662169" y="3206750"/>
+            <a:off x="2104995" y="3237241"/>
             <a:ext cx="0" cy="410511"/>
           </a:xfrm>
           <a:prstGeom prst="line">
@@ -8922,13 +8903,13 @@
           <p:cNvSpPr txBox="1"/>
           <p:nvPr>
             <p:custDataLst>
-              <p:tags r:id="rId11"/>
+              <p:tags r:id="rId10"/>
             </p:custDataLst>
           </p:nvPr>
         </p:nvSpPr>
         <p:spPr>
           <a:xfrm>
-            <a:off x="1725670" y="3256239"/>
+            <a:off x="2168496" y="3286730"/>
             <a:ext cx="232186" cy="250550"/>
           </a:xfrm>
           <a:prstGeom prst="rect">
@@ -8942,40 +8923,32 @@
           </a:bodyPr>
           <a:lstStyle/>
           <a:p>
-            <a:pPr marL="0" marR="0" lvl="0" indent="0" algn="l" defTabSz="914400" rtl="0" eaLnBrk="1" fontAlgn="auto" latinLnBrk="0" hangingPunct="1">
-              <a:lnSpc>
-                <a:spcPct val="100000"/>
-              </a:lnSpc>
-              <a:spcBef>
-                <a:spcPts val="0"/>
-              </a:spcBef>
-              <a:spcAft>
-                <a:spcPts val="0"/>
-              </a:spcAft>
-              <a:buClrTx/>
-              <a:buSzTx/>
-              <a:buFontTx/>
-              <a:buNone/>
-              <a:tabLst/>
+            <a:pPr lvl="0">
               <a:defRPr/>
             </a:pPr>
             <a:r>
-              <a:rPr kumimoji="0" lang="en-US" sz="2000" b="0" i="0" u="none" strike="noStrike" kern="1200" cap="none" spc="-8" normalizeH="0" baseline="0" noProof="0" dirty="0">
-                <a:ln>
-                  <a:noFill/>
-                </a:ln>
+              <a:rPr lang="en-US" sz="2000" spc="-8" dirty="0">
                 <a:solidFill>
                   <a:prstClr val="white"/>
                 </a:solidFill>
-                <a:effectLst/>
-                <a:uLnTx/>
-                <a:uFillTx/>
                 <a:latin typeface="Calibri" panose="020F0502020204030204" pitchFamily="34" charset="0"/>
-                <a:ea typeface="+mn-ea"/>
-                <a:cs typeface="+mn-cs"/>
               </a:rPr>
               <a:t>Jun</a:t>
             </a:r>
+            <a:endParaRPr kumimoji="0" lang="en-US" sz="2000" b="0" i="0" u="none" strike="noStrike" kern="1200" cap="none" spc="-8" normalizeH="0" baseline="0" noProof="0" dirty="0">
+              <a:ln>
+                <a:noFill/>
+              </a:ln>
+              <a:solidFill>
+                <a:prstClr val="white"/>
+              </a:solidFill>
+              <a:effectLst/>
+              <a:uLnTx/>
+              <a:uFillTx/>
+              <a:latin typeface="Calibri" panose="020F0502020204030204" pitchFamily="34" charset="0"/>
+              <a:ea typeface="+mn-ea"/>
+              <a:cs typeface="+mn-cs"/>
+            </a:endParaRPr>
           </a:p>
         </p:txBody>
       </p:sp>
@@ -8985,13 +8958,13 @@
           <p:cNvCxnSpPr/>
           <p:nvPr>
             <p:custDataLst>
-              <p:tags r:id="rId12"/>
+              <p:tags r:id="rId11"/>
             </p:custDataLst>
           </p:nvPr>
         </p:nvCxnSpPr>
         <p:spPr>
           <a:xfrm>
-            <a:off x="3215399" y="3206750"/>
+            <a:off x="3658225" y="3237241"/>
             <a:ext cx="0" cy="410511"/>
           </a:xfrm>
           <a:prstGeom prst="line">
@@ -9030,13 +9003,13 @@
           <p:cNvSpPr txBox="1"/>
           <p:nvPr>
             <p:custDataLst>
-              <p:tags r:id="rId13"/>
+              <p:tags r:id="rId12"/>
             </p:custDataLst>
           </p:nvPr>
         </p:nvSpPr>
         <p:spPr>
           <a:xfrm>
-            <a:off x="3278898" y="3256239"/>
+            <a:off x="3721724" y="3286730"/>
             <a:ext cx="182433" cy="250550"/>
           </a:xfrm>
           <a:prstGeom prst="rect">
@@ -9093,13 +9066,13 @@
           <p:cNvCxnSpPr/>
           <p:nvPr>
             <p:custDataLst>
-              <p:tags r:id="rId14"/>
+              <p:tags r:id="rId13"/>
             </p:custDataLst>
           </p:nvPr>
         </p:nvCxnSpPr>
         <p:spPr>
           <a:xfrm>
-            <a:off x="4731501" y="3206750"/>
+            <a:off x="5174327" y="3237241"/>
             <a:ext cx="0" cy="410511"/>
           </a:xfrm>
           <a:prstGeom prst="line">
@@ -9138,13 +9111,13 @@
           <p:cNvSpPr txBox="1"/>
           <p:nvPr>
             <p:custDataLst>
-              <p:tags r:id="rId15"/>
+              <p:tags r:id="rId14"/>
             </p:custDataLst>
           </p:nvPr>
         </p:nvSpPr>
         <p:spPr>
           <a:xfrm>
-            <a:off x="4795001" y="3256239"/>
+            <a:off x="5237827" y="3286730"/>
             <a:ext cx="265355" cy="250550"/>
           </a:xfrm>
           <a:prstGeom prst="rect">
@@ -9201,13 +9174,13 @@
           <p:cNvCxnSpPr/>
           <p:nvPr>
             <p:custDataLst>
-              <p:tags r:id="rId16"/>
+              <p:tags r:id="rId15"/>
             </p:custDataLst>
           </p:nvPr>
         </p:nvCxnSpPr>
         <p:spPr>
           <a:xfrm>
-            <a:off x="6363654" y="3206750"/>
+            <a:off x="6730670" y="3237241"/>
             <a:ext cx="0" cy="410511"/>
           </a:xfrm>
           <a:prstGeom prst="line">
@@ -9246,13 +9219,13 @@
           <p:cNvSpPr txBox="1"/>
           <p:nvPr>
             <p:custDataLst>
-              <p:tags r:id="rId17"/>
+              <p:tags r:id="rId16"/>
             </p:custDataLst>
           </p:nvPr>
         </p:nvSpPr>
         <p:spPr>
           <a:xfrm>
-            <a:off x="6427153" y="3256239"/>
+            <a:off x="6794169" y="3286730"/>
             <a:ext cx="248771" cy="250550"/>
           </a:xfrm>
           <a:prstGeom prst="rect">
@@ -9309,13 +9282,13 @@
           <p:cNvCxnSpPr/>
           <p:nvPr>
             <p:custDataLst>
-              <p:tags r:id="rId18"/>
+              <p:tags r:id="rId17"/>
             </p:custDataLst>
           </p:nvPr>
         </p:nvCxnSpPr>
         <p:spPr>
           <a:xfrm>
-            <a:off x="7791073" y="3206750"/>
+            <a:off x="8299800" y="3237240"/>
             <a:ext cx="0" cy="410511"/>
           </a:xfrm>
           <a:prstGeom prst="line">
@@ -9354,13 +9327,13 @@
           <p:cNvSpPr txBox="1"/>
           <p:nvPr>
             <p:custDataLst>
-              <p:tags r:id="rId19"/>
+              <p:tags r:id="rId18"/>
             </p:custDataLst>
           </p:nvPr>
         </p:nvSpPr>
         <p:spPr>
           <a:xfrm>
-            <a:off x="7854572" y="3256239"/>
+            <a:off x="8363299" y="3286729"/>
             <a:ext cx="238640" cy="250550"/>
           </a:xfrm>
           <a:prstGeom prst="rect">
@@ -9417,13 +9390,13 @@
           <p:cNvCxnSpPr/>
           <p:nvPr>
             <p:custDataLst>
-              <p:tags r:id="rId20"/>
+              <p:tags r:id="rId19"/>
             </p:custDataLst>
           </p:nvPr>
         </p:nvCxnSpPr>
         <p:spPr>
           <a:xfrm>
-            <a:off x="9371619" y="3206750"/>
+            <a:off x="9814445" y="3237241"/>
             <a:ext cx="0" cy="410511"/>
           </a:xfrm>
           <a:prstGeom prst="line">
@@ -9462,13 +9435,13 @@
           <p:cNvSpPr txBox="1"/>
           <p:nvPr>
             <p:custDataLst>
-              <p:tags r:id="rId21"/>
+              <p:tags r:id="rId20"/>
             </p:custDataLst>
           </p:nvPr>
         </p:nvSpPr>
         <p:spPr>
           <a:xfrm>
-            <a:off x="9435120" y="3256239"/>
+            <a:off x="9877946" y="3286730"/>
             <a:ext cx="271130" cy="250550"/>
           </a:xfrm>
           <a:prstGeom prst="rect">
@@ -9525,14 +9498,14 @@
           <p:cNvSpPr txBox="1"/>
           <p:nvPr>
             <p:custDataLst>
-              <p:tags r:id="rId22"/>
+              <p:tags r:id="rId21"/>
             </p:custDataLst>
           </p:nvPr>
         </p:nvSpPr>
         <p:spPr>
           <a:xfrm>
-            <a:off x="1536043" y="2105491"/>
-            <a:ext cx="495300" cy="186055"/>
+            <a:off x="551048" y="2197532"/>
+            <a:ext cx="996679" cy="316423"/>
           </a:xfrm>
           <a:prstGeom prst="rect">
             <a:avLst/>
@@ -9563,7 +9536,7 @@
               <a:defRPr/>
             </a:pPr>
             <a:r>
-              <a:rPr kumimoji="0" lang="en-US" sz="1200" b="1" i="0" u="none" strike="noStrike" kern="1200" cap="none" spc="-14" normalizeH="0" baseline="0" noProof="0" dirty="0">
+              <a:rPr kumimoji="0" lang="en-US" sz="1200" b="1" i="0" u="none" strike="noStrike" kern="1200" cap="none" spc="-14" normalizeH="0" baseline="0" noProof="0" dirty="0" smtClean="0">
                 <a:ln>
                   <a:noFill/>
                 </a:ln>
@@ -9577,8 +9550,73 @@
                 <a:ea typeface="+mn-ea"/>
                 <a:cs typeface="+mn-cs"/>
               </a:rPr>
-              <a:t>Kick Off</a:t>
-            </a:r>
+              <a:t>Start </a:t>
+            </a:r>
+            <a:endParaRPr kumimoji="0" lang="en-US" sz="1200" b="1" i="0" u="none" strike="noStrike" kern="1200" cap="none" spc="-14" normalizeH="0" baseline="0" noProof="0" dirty="0" smtClean="0">
+              <a:ln>
+                <a:noFill/>
+              </a:ln>
+              <a:solidFill>
+                <a:srgbClr val="737373"/>
+              </a:solidFill>
+              <a:effectLst/>
+              <a:uLnTx/>
+              <a:uFillTx/>
+              <a:latin typeface="Calibri" panose="020F0502020204030204" pitchFamily="34" charset="0"/>
+              <a:ea typeface="+mn-ea"/>
+              <a:cs typeface="+mn-cs"/>
+            </a:endParaRPr>
+          </a:p>
+          <a:p>
+            <a:pPr marL="0" marR="0" lvl="0" indent="0" algn="l" defTabSz="914400" rtl="0" eaLnBrk="1" fontAlgn="auto" latinLnBrk="0" hangingPunct="1">
+              <a:lnSpc>
+                <a:spcPct val="100000"/>
+              </a:lnSpc>
+              <a:spcBef>
+                <a:spcPts val="0"/>
+              </a:spcBef>
+              <a:spcAft>
+                <a:spcPts val="0"/>
+              </a:spcAft>
+              <a:buClrTx/>
+              <a:buSzTx/>
+              <a:buFontTx/>
+              <a:buNone/>
+              <a:tabLst/>
+              <a:defRPr/>
+            </a:pPr>
+            <a:r>
+              <a:rPr lang="en-US" sz="1200" b="1" spc="-14" noProof="0" dirty="0" smtClean="0">
+                <a:solidFill>
+                  <a:srgbClr val="737373"/>
+                </a:solidFill>
+                <a:latin typeface="Calibri" panose="020F0502020204030204" pitchFamily="34" charset="0"/>
+              </a:rPr>
+              <a:t>Main </a:t>
+            </a:r>
+            <a:r>
+              <a:rPr lang="en-US" sz="1200" b="1" spc="-14" noProof="0" dirty="0" smtClean="0">
+                <a:solidFill>
+                  <a:srgbClr val="737373"/>
+                </a:solidFill>
+                <a:latin typeface="Calibri" panose="020F0502020204030204" pitchFamily="34" charset="0"/>
+              </a:rPr>
+              <a:t>Thesis</a:t>
+            </a:r>
+            <a:endParaRPr kumimoji="0" lang="en-US" sz="1200" b="1" i="0" u="none" strike="noStrike" kern="1200" cap="none" spc="-14" normalizeH="0" baseline="0" noProof="0" dirty="0">
+              <a:ln>
+                <a:noFill/>
+              </a:ln>
+              <a:solidFill>
+                <a:srgbClr val="737373"/>
+              </a:solidFill>
+              <a:effectLst/>
+              <a:uLnTx/>
+              <a:uFillTx/>
+              <a:latin typeface="Calibri" panose="020F0502020204030204" pitchFamily="34" charset="0"/>
+              <a:ea typeface="+mn-ea"/>
+              <a:cs typeface="+mn-cs"/>
+            </a:endParaRPr>
           </a:p>
         </p:txBody>
       </p:sp>
@@ -9588,13 +9626,13 @@
           <p:cNvSpPr txBox="1"/>
           <p:nvPr>
             <p:custDataLst>
-              <p:tags r:id="rId23"/>
+              <p:tags r:id="rId22"/>
             </p:custDataLst>
           </p:nvPr>
         </p:nvSpPr>
         <p:spPr>
           <a:xfrm>
-            <a:off x="1536043" y="2304246"/>
+            <a:off x="655688" y="2705706"/>
             <a:ext cx="393700" cy="155025"/>
           </a:xfrm>
           <a:prstGeom prst="rect">
@@ -9640,7 +9678,24 @@
                 <a:ea typeface="+mn-ea"/>
                 <a:cs typeface="+mn-cs"/>
               </a:rPr>
-              <a:t>May 10</a:t>
+              <a:t>May </a:t>
+            </a:r>
+            <a:r>
+              <a:rPr kumimoji="0" lang="en-US" sz="1000" b="0" i="0" u="none" strike="noStrike" kern="1200" cap="none" spc="-8" normalizeH="0" baseline="0" noProof="0" dirty="0" smtClean="0">
+                <a:ln>
+                  <a:noFill/>
+                </a:ln>
+                <a:solidFill>
+                  <a:srgbClr val="A6A6A6"/>
+                </a:solidFill>
+                <a:effectLst/>
+                <a:uLnTx/>
+                <a:uFillTx/>
+                <a:latin typeface="Calibri" panose="020F0502020204030204" pitchFamily="34" charset="0"/>
+                <a:ea typeface="+mn-ea"/>
+                <a:cs typeface="+mn-cs"/>
+              </a:rPr>
+              <a:t>1</a:t>
             </a:r>
           </a:p>
         </p:txBody>
@@ -9651,13 +9706,13 @@
           <p:cNvSpPr/>
           <p:nvPr>
             <p:custDataLst>
-              <p:tags r:id="rId24"/>
+              <p:tags r:id="rId23"/>
             </p:custDataLst>
           </p:nvPr>
         </p:nvSpPr>
         <p:spPr>
           <a:xfrm rot="16200000">
-            <a:off x="1339193" y="2225230"/>
+            <a:off x="617117" y="2561606"/>
             <a:ext cx="165100" cy="165100"/>
           </a:xfrm>
           <a:prstGeom prst="flowChartMerge">
@@ -9767,13 +9822,13 @@
           <p:cNvSpPr txBox="1"/>
           <p:nvPr>
             <p:custDataLst>
-              <p:tags r:id="rId25"/>
+              <p:tags r:id="rId24"/>
             </p:custDataLst>
           </p:nvPr>
         </p:nvSpPr>
         <p:spPr>
           <a:xfrm>
-            <a:off x="2315016" y="1555282"/>
+            <a:off x="3119219" y="2475025"/>
             <a:ext cx="1078009" cy="300700"/>
           </a:xfrm>
           <a:prstGeom prst="rect">
@@ -9805,7 +9860,7 @@
               <a:defRPr/>
             </a:pPr>
             <a:r>
-              <a:rPr kumimoji="0" lang="en-US" sz="1200" b="1" i="0" u="none" strike="noStrike" kern="1200" cap="none" spc="-8" normalizeH="0" baseline="0" noProof="0" dirty="0">
+              <a:rPr kumimoji="0" lang="en-US" sz="1200" b="1" i="0" u="none" strike="noStrike" kern="1200" cap="none" spc="-8" normalizeH="0" baseline="0" noProof="0" dirty="0" smtClean="0">
                 <a:ln>
                   <a:noFill/>
                 </a:ln>
@@ -9819,14 +9874,125 @@
                 <a:ea typeface="+mn-ea"/>
                 <a:cs typeface="+mn-cs"/>
               </a:rPr>
-              <a:t>Milestone #1</a:t>
-            </a:r>
-          </a:p>
-        </p:txBody>
-      </p:sp>
-      <p:sp>
-        <p:nvSpPr>
-          <p:cNvPr id="7124" name="OTLSHAPE_M_52743de8bb6d4044896f473898fe9da7_Date"/>
+              <a:t>Finish preprocessing pipeline</a:t>
+            </a:r>
+            <a:endParaRPr kumimoji="0" lang="en-US" sz="1200" b="1" i="0" u="none" strike="noStrike" kern="1200" cap="none" spc="-8" normalizeH="0" baseline="0" noProof="0" dirty="0">
+              <a:ln>
+                <a:noFill/>
+              </a:ln>
+              <a:solidFill>
+                <a:srgbClr val="737373"/>
+              </a:solidFill>
+              <a:effectLst/>
+              <a:uLnTx/>
+              <a:uFillTx/>
+              <a:latin typeface="Calibri" panose="020F0502020204030204" pitchFamily="34" charset="0"/>
+              <a:ea typeface="+mn-ea"/>
+              <a:cs typeface="+mn-cs"/>
+            </a:endParaRPr>
+          </a:p>
+        </p:txBody>
+      </p:sp>
+      <p:sp>
+        <p:nvSpPr>
+          <p:cNvPr id="7125" name="OTLSHAPE_M_52743de8bb6d4044896f473898fe9da7_Shape"/>
+          <p:cNvSpPr/>
+          <p:nvPr>
+            <p:custDataLst>
+              <p:tags r:id="rId25"/>
+            </p:custDataLst>
+          </p:nvPr>
+        </p:nvSpPr>
+        <p:spPr>
+          <a:xfrm>
+            <a:off x="3508962" y="2937994"/>
+            <a:ext cx="298526" cy="410511"/>
+          </a:xfrm>
+          <a:prstGeom prst="diamond">
+            <a:avLst/>
+          </a:prstGeom>
+          <a:solidFill>
+            <a:schemeClr val="accent5">
+              <a:lumMod val="40000"/>
+              <a:lumOff val="60000"/>
+            </a:schemeClr>
+          </a:solidFill>
+          <a:ln w="12700" cap="flat" cmpd="sng" algn="ctr">
+            <a:noFill/>
+            <a:prstDash val="solid"/>
+            <a:miter lim="800000"/>
+          </a:ln>
+          <a:effectLst/>
+          <a:scene3d>
+            <a:camera prst="orthographicFront"/>
+            <a:lightRig rig="threePt" dir="t"/>
+          </a:scene3d>
+          <a:sp3d>
+            <a:bevelT h="12700"/>
+          </a:sp3d>
+          <a:extLst>
+            <a:ext uri="{53640926-AAD7-44D8-BBD7-CCE9431645EC}">
+              <a14:shadowObscured xmlns:a14="http://schemas.microsoft.com/office/drawing/2010/main" val="1"/>
+            </a:ext>
+          </a:extLst>
+        </p:spPr>
+        <p:style>
+          <a:lnRef idx="2">
+            <a:schemeClr val="accent1">
+              <a:shade val="50000"/>
+            </a:schemeClr>
+          </a:lnRef>
+          <a:fillRef idx="1">
+            <a:schemeClr val="accent1"/>
+          </a:fillRef>
+          <a:effectRef idx="0">
+            <a:schemeClr val="accent1"/>
+          </a:effectRef>
+          <a:fontRef idx="minor">
+            <a:schemeClr val="lt1"/>
+          </a:fontRef>
+        </p:style>
+        <p:txBody>
+          <a:bodyPr rtlCol="0" anchor="ctr"/>
+          <a:lstStyle/>
+          <a:p>
+            <a:pPr marL="0" marR="0" lvl="0" indent="0" algn="ctr" defTabSz="914400" rtl="0" eaLnBrk="1" fontAlgn="auto" latinLnBrk="0" hangingPunct="1">
+              <a:lnSpc>
+                <a:spcPct val="100000"/>
+              </a:lnSpc>
+              <a:spcBef>
+                <a:spcPts val="0"/>
+              </a:spcBef>
+              <a:spcAft>
+                <a:spcPts val="0"/>
+              </a:spcAft>
+              <a:buClrTx/>
+              <a:buSzTx/>
+              <a:buFontTx/>
+              <a:buNone/>
+              <a:tabLst/>
+              <a:defRPr/>
+            </a:pPr>
+            <a:endParaRPr kumimoji="0" lang="en-US" sz="1800" b="0" i="0" u="none" strike="noStrike" kern="1200" cap="none" spc="0" normalizeH="0" baseline="0" noProof="0">
+              <a:ln>
+                <a:noFill/>
+              </a:ln>
+              <a:solidFill>
+                <a:prstClr val="white"/>
+              </a:solidFill>
+              <a:effectLst/>
+              <a:uLnTx/>
+              <a:uFillTx/>
+              <a:latin typeface="Calibri" panose="020F0502020204030204"/>
+              <a:ea typeface="+mn-ea"/>
+              <a:cs typeface="+mn-cs"/>
+            </a:endParaRPr>
+          </a:p>
+        </p:txBody>
+      </p:sp>
+      <p:sp>
+        <p:nvSpPr>
+          <p:cNvPr id="7127" name="OTLSHAPE_M_a54bc827b05146d18b559f618723e2b4_Date"/>
           <p:cNvSpPr txBox="1"/>
           <p:nvPr>
             <p:custDataLst>
@@ -9836,8 +10002,8 @@
         </p:nvSpPr>
         <p:spPr>
           <a:xfrm>
-            <a:off x="2624939" y="1839551"/>
-            <a:ext cx="364865" cy="250550"/>
+            <a:off x="5322412" y="2921009"/>
+            <a:ext cx="304800" cy="155025"/>
           </a:xfrm>
           <a:prstGeom prst="rect">
             <a:avLst/>
@@ -9868,7 +10034,7 @@
               <a:defRPr/>
             </a:pPr>
             <a:r>
-              <a:rPr kumimoji="0" lang="en-US" sz="1000" b="0" i="0" u="none" strike="noStrike" kern="1200" cap="none" spc="-6" normalizeH="0" baseline="0" noProof="0">
+              <a:rPr kumimoji="0" lang="en-US" sz="1000" b="0" i="0" u="none" strike="noStrike" kern="1200" cap="none" spc="-6" normalizeH="0" baseline="0" noProof="0" dirty="0" smtClean="0">
                 <a:ln>
                   <a:noFill/>
                 </a:ln>
@@ -9882,14 +10048,28 @@
                 <a:ea typeface="+mn-ea"/>
                 <a:cs typeface="+mn-cs"/>
               </a:rPr>
-              <a:t>Jun 7</a:t>
-            </a:r>
-          </a:p>
-        </p:txBody>
-      </p:sp>
-      <p:sp>
-        <p:nvSpPr>
-          <p:cNvPr id="7125" name="OTLSHAPE_M_52743de8bb6d4044896f473898fe9da7_Shape"/>
+              <a:t>Aug1</a:t>
+            </a:r>
+            <a:endParaRPr kumimoji="0" lang="en-US" sz="1000" b="0" i="0" u="none" strike="noStrike" kern="1200" cap="none" spc="-6" normalizeH="0" baseline="0" noProof="0" dirty="0">
+              <a:ln>
+                <a:noFill/>
+              </a:ln>
+              <a:solidFill>
+                <a:srgbClr val="A6A6A6"/>
+              </a:solidFill>
+              <a:effectLst/>
+              <a:uLnTx/>
+              <a:uFillTx/>
+              <a:latin typeface="Calibri" panose="020F0502020204030204" pitchFamily="34" charset="0"/>
+              <a:ea typeface="+mn-ea"/>
+              <a:cs typeface="+mn-cs"/>
+            </a:endParaRPr>
+          </a:p>
+        </p:txBody>
+      </p:sp>
+      <p:sp>
+        <p:nvSpPr>
+          <p:cNvPr id="7134" name="OTLSHAPE_M_95f339bb5c8846ebaef02014bccbd531_Shape"/>
           <p:cNvSpPr/>
           <p:nvPr>
             <p:custDataLst>
@@ -9899,14 +10079,14 @@
         </p:nvSpPr>
         <p:spPr>
           <a:xfrm>
-            <a:off x="2650510" y="2019974"/>
+            <a:off x="10463262" y="2944128"/>
             <a:ext cx="298526" cy="410511"/>
           </a:xfrm>
           <a:prstGeom prst="diamond">
             <a:avLst/>
           </a:prstGeom>
           <a:solidFill>
-            <a:schemeClr val="accent1"/>
+            <a:srgbClr val="FEBA0A"/>
           </a:solidFill>
           <a:ln w="12700" cap="flat" cmpd="sng" algn="ctr">
             <a:noFill/>
@@ -10005,981 +10185,11 @@
       </p:sp>
       <p:sp>
         <p:nvSpPr>
-          <p:cNvPr id="7126" name="OTLSHAPE_M_a54bc827b05146d18b559f618723e2b4_Title"/>
+          <p:cNvPr id="7146" name="OTLSHAPE_T_7c518fb37f2142bb8e0445920d0403b5_Duration" hidden="1"/>
           <p:cNvSpPr txBox="1"/>
           <p:nvPr>
             <p:custDataLst>
               <p:tags r:id="rId28"/>
-            </p:custDataLst>
-          </p:nvPr>
-        </p:nvSpPr>
-        <p:spPr>
-          <a:xfrm>
-            <a:off x="3575523" y="1201502"/>
-            <a:ext cx="825500" cy="186055"/>
-          </a:xfrm>
-          <a:prstGeom prst="rect">
-            <a:avLst/>
-          </a:prstGeom>
-          <a:noFill/>
-        </p:spPr>
-        <p:txBody>
-          <a:bodyPr vert="horz" wrap="square" lIns="0" tIns="0" rIns="0" bIns="0" rtlCol="0" anchor="ctr" anchorCtr="0">
-            <a:noAutofit/>
-          </a:bodyPr>
-          <a:lstStyle/>
-          <a:p>
-            <a:pPr marL="0" marR="0" lvl="0" indent="0" algn="ctr" defTabSz="914400" rtl="0" eaLnBrk="1" fontAlgn="auto" latinLnBrk="0" hangingPunct="1">
-              <a:lnSpc>
-                <a:spcPct val="100000"/>
-              </a:lnSpc>
-              <a:spcBef>
-                <a:spcPts val="0"/>
-              </a:spcBef>
-              <a:spcAft>
-                <a:spcPts val="0"/>
-              </a:spcAft>
-              <a:buClrTx/>
-              <a:buSzTx/>
-              <a:buFontTx/>
-              <a:buNone/>
-              <a:tabLst/>
-              <a:defRPr/>
-            </a:pPr>
-            <a:r>
-              <a:rPr kumimoji="0" lang="en-US" sz="1200" b="1" i="0" u="none" strike="noStrike" kern="1200" cap="none" spc="-8" normalizeH="0" baseline="0" noProof="0">
-                <a:ln>
-                  <a:noFill/>
-                </a:ln>
-                <a:solidFill>
-                  <a:srgbClr val="737373"/>
-                </a:solidFill>
-                <a:effectLst/>
-                <a:uLnTx/>
-                <a:uFillTx/>
-                <a:latin typeface="Calibri" panose="020F0502020204030204" pitchFamily="34" charset="0"/>
-                <a:ea typeface="+mn-ea"/>
-                <a:cs typeface="+mn-cs"/>
-              </a:rPr>
-              <a:t>Milestone #2</a:t>
-            </a:r>
-          </a:p>
-        </p:txBody>
-      </p:sp>
-      <p:sp>
-        <p:nvSpPr>
-          <p:cNvPr id="7127" name="OTLSHAPE_M_a54bc827b05146d18b559f618723e2b4_Date"/>
-          <p:cNvSpPr txBox="1"/>
-          <p:nvPr>
-            <p:custDataLst>
-              <p:tags r:id="rId29"/>
-            </p:custDataLst>
-          </p:nvPr>
-        </p:nvSpPr>
-        <p:spPr>
-          <a:xfrm>
-            <a:off x="3840212" y="1400257"/>
-            <a:ext cx="304800" cy="155025"/>
-          </a:xfrm>
-          <a:prstGeom prst="rect">
-            <a:avLst/>
-          </a:prstGeom>
-          <a:noFill/>
-        </p:spPr>
-        <p:txBody>
-          <a:bodyPr vert="horz" wrap="square" lIns="0" tIns="0" rIns="0" bIns="0" rtlCol="0" anchor="ctr" anchorCtr="0">
-            <a:noAutofit/>
-          </a:bodyPr>
-          <a:lstStyle/>
-          <a:p>
-            <a:pPr marL="0" marR="0" lvl="0" indent="0" algn="ctr" defTabSz="914400" rtl="0" eaLnBrk="1" fontAlgn="auto" latinLnBrk="0" hangingPunct="1">
-              <a:lnSpc>
-                <a:spcPct val="100000"/>
-              </a:lnSpc>
-              <a:spcBef>
-                <a:spcPts val="0"/>
-              </a:spcBef>
-              <a:spcAft>
-                <a:spcPts val="0"/>
-              </a:spcAft>
-              <a:buClrTx/>
-              <a:buSzTx/>
-              <a:buFontTx/>
-              <a:buNone/>
-              <a:tabLst/>
-              <a:defRPr/>
-            </a:pPr>
-            <a:r>
-              <a:rPr kumimoji="0" lang="en-US" sz="1000" b="0" i="0" u="none" strike="noStrike" kern="1200" cap="none" spc="-6" normalizeH="0" baseline="0" noProof="0">
-                <a:ln>
-                  <a:noFill/>
-                </a:ln>
-                <a:solidFill>
-                  <a:srgbClr val="A6A6A6"/>
-                </a:solidFill>
-                <a:effectLst/>
-                <a:uLnTx/>
-                <a:uFillTx/>
-                <a:latin typeface="Calibri" panose="020F0502020204030204" pitchFamily="34" charset="0"/>
-                <a:ea typeface="+mn-ea"/>
-                <a:cs typeface="+mn-cs"/>
-              </a:rPr>
-              <a:t>Jul 21</a:t>
-            </a:r>
-          </a:p>
-        </p:txBody>
-      </p:sp>
-      <p:sp>
-        <p:nvSpPr>
-          <p:cNvPr id="7128" name="OTLSHAPE_M_a54bc827b05146d18b559f618723e2b4_Shape"/>
-          <p:cNvSpPr/>
-          <p:nvPr>
-            <p:custDataLst>
-              <p:tags r:id="rId30"/>
-            </p:custDataLst>
-          </p:nvPr>
-        </p:nvSpPr>
-        <p:spPr>
-          <a:xfrm>
-            <a:off x="3879180" y="2048760"/>
-            <a:ext cx="298526" cy="410511"/>
-          </a:xfrm>
-          <a:prstGeom prst="diamond">
-            <a:avLst/>
-          </a:prstGeom>
-          <a:solidFill>
-            <a:schemeClr val="accent3"/>
-          </a:solidFill>
-          <a:ln w="12700" cap="flat" cmpd="sng" algn="ctr">
-            <a:noFill/>
-            <a:prstDash val="solid"/>
-            <a:miter lim="800000"/>
-          </a:ln>
-          <a:effectLst/>
-          <a:scene3d>
-            <a:camera prst="orthographicFront"/>
-            <a:lightRig rig="threePt" dir="t"/>
-          </a:scene3d>
-          <a:sp3d>
-            <a:bevelT h="12700"/>
-          </a:sp3d>
-          <a:extLst>
-            <a:ext uri="{91240B29-F687-4F45-9708-019B960494DF}">
-              <a14:hiddenLine xmlns:a14="http://schemas.microsoft.com/office/drawing/2010/main" w="12700" cap="flat" cmpd="sng" algn="ctr">
-                <a:solidFill>
-                  <a:schemeClr val="accent1">
-                    <a:shade val="50000"/>
-                  </a:schemeClr>
-                </a:solidFill>
-                <a:prstDash val="solid"/>
-                <a:miter lim="800000"/>
-              </a14:hiddenLine>
-            </a:ext>
-            <a:ext uri="{AF507438-7753-43E0-B8FC-AC1667EBCBE1}">
-              <a14:hiddenEffects xmlns:a14="http://schemas.microsoft.com/office/drawing/2010/main">
-                <a:effectLst>
-                  <a:outerShdw>
-                    <a:scrgbClr r="0" g="0" b="0">
-                      <a:alpha val="50000"/>
-                    </a:scrgbClr>
-                  </a:outerShdw>
-                </a:effectLst>
-              </a14:hiddenEffects>
-            </a:ext>
-            <a:ext uri="{53640926-AAD7-44D8-BBD7-CCE9431645EC}">
-              <a14:shadowObscured xmlns:a14="http://schemas.microsoft.com/office/drawing/2010/main" val="1"/>
-            </a:ext>
-          </a:extLst>
-        </p:spPr>
-        <p:style>
-          <a:lnRef idx="2">
-            <a:schemeClr val="accent1">
-              <a:shade val="50000"/>
-            </a:schemeClr>
-          </a:lnRef>
-          <a:fillRef idx="1">
-            <a:schemeClr val="accent1"/>
-          </a:fillRef>
-          <a:effectRef idx="0">
-            <a:schemeClr val="accent1"/>
-          </a:effectRef>
-          <a:fontRef idx="minor">
-            <a:schemeClr val="lt1"/>
-          </a:fontRef>
-        </p:style>
-        <p:txBody>
-          <a:bodyPr rtlCol="0" anchor="ctr"/>
-          <a:lstStyle/>
-          <a:p>
-            <a:pPr marL="0" marR="0" lvl="0" indent="0" algn="ctr" defTabSz="914400" rtl="0" eaLnBrk="1" fontAlgn="auto" latinLnBrk="0" hangingPunct="1">
-              <a:lnSpc>
-                <a:spcPct val="100000"/>
-              </a:lnSpc>
-              <a:spcBef>
-                <a:spcPts val="0"/>
-              </a:spcBef>
-              <a:spcAft>
-                <a:spcPts val="0"/>
-              </a:spcAft>
-              <a:buClrTx/>
-              <a:buSzTx/>
-              <a:buFontTx/>
-              <a:buNone/>
-              <a:tabLst/>
-              <a:defRPr/>
-            </a:pPr>
-            <a:endParaRPr kumimoji="0" lang="en-US" sz="1800" b="0" i="0" u="none" strike="noStrike" kern="1200" cap="none" spc="0" normalizeH="0" baseline="0" noProof="0">
-              <a:ln>
-                <a:noFill/>
-              </a:ln>
-              <a:solidFill>
-                <a:prstClr val="white"/>
-              </a:solidFill>
-              <a:effectLst/>
-              <a:uLnTx/>
-              <a:uFillTx/>
-              <a:latin typeface="Calibri" panose="020F0502020204030204"/>
-              <a:ea typeface="+mn-ea"/>
-              <a:cs typeface="+mn-cs"/>
-            </a:endParaRPr>
-          </a:p>
-        </p:txBody>
-      </p:sp>
-      <p:sp>
-        <p:nvSpPr>
-          <p:cNvPr id="7129" name="OTLSHAPE_M_93afb554552a4221a5380f7919409aa7_Title"/>
-          <p:cNvSpPr txBox="1"/>
-          <p:nvPr>
-            <p:custDataLst>
-              <p:tags r:id="rId31"/>
-            </p:custDataLst>
-          </p:nvPr>
-        </p:nvSpPr>
-        <p:spPr>
-          <a:xfrm>
-            <a:off x="4682755" y="1167625"/>
-            <a:ext cx="1094594" cy="300700"/>
-          </a:xfrm>
-          <a:prstGeom prst="rect">
-            <a:avLst/>
-          </a:prstGeom>
-          <a:noFill/>
-        </p:spPr>
-        <p:txBody>
-          <a:bodyPr vert="horz" wrap="square" lIns="0" tIns="0" rIns="0" bIns="0" rtlCol="0" anchor="ctr" anchorCtr="0">
-            <a:noAutofit/>
-          </a:bodyPr>
-          <a:lstStyle/>
-          <a:p>
-            <a:pPr marL="0" marR="0" lvl="0" indent="0" algn="ctr" defTabSz="914400" rtl="0" eaLnBrk="1" fontAlgn="auto" latinLnBrk="0" hangingPunct="1">
-              <a:lnSpc>
-                <a:spcPct val="100000"/>
-              </a:lnSpc>
-              <a:spcBef>
-                <a:spcPts val="0"/>
-              </a:spcBef>
-              <a:spcAft>
-                <a:spcPts val="0"/>
-              </a:spcAft>
-              <a:buClrTx/>
-              <a:buSzTx/>
-              <a:buFontTx/>
-              <a:buNone/>
-              <a:tabLst/>
-              <a:defRPr/>
-            </a:pPr>
-            <a:r>
-              <a:rPr kumimoji="0" lang="en-US" sz="1200" b="1" i="0" u="none" strike="noStrike" kern="1200" cap="none" spc="-8" normalizeH="0" baseline="0" noProof="0" dirty="0">
-                <a:ln>
-                  <a:noFill/>
-                </a:ln>
-                <a:solidFill>
-                  <a:srgbClr val="737373"/>
-                </a:solidFill>
-                <a:effectLst/>
-                <a:uLnTx/>
-                <a:uFillTx/>
-                <a:latin typeface="Calibri" panose="020F0502020204030204" pitchFamily="34" charset="0"/>
-                <a:ea typeface="+mn-ea"/>
-                <a:cs typeface="+mn-cs"/>
-              </a:rPr>
-              <a:t>Checkpoint A</a:t>
-            </a:r>
-          </a:p>
-        </p:txBody>
-      </p:sp>
-      <p:sp>
-        <p:nvSpPr>
-          <p:cNvPr id="7130" name="OTLSHAPE_M_93afb554552a4221a5380f7919409aa7_Date"/>
-          <p:cNvSpPr txBox="1"/>
-          <p:nvPr>
-            <p:custDataLst>
-              <p:tags r:id="rId32"/>
-            </p:custDataLst>
-          </p:nvPr>
-        </p:nvSpPr>
-        <p:spPr>
-          <a:xfrm>
-            <a:off x="4989573" y="1413431"/>
-            <a:ext cx="480958" cy="250550"/>
-          </a:xfrm>
-          <a:prstGeom prst="rect">
-            <a:avLst/>
-          </a:prstGeom>
-          <a:noFill/>
-        </p:spPr>
-        <p:txBody>
-          <a:bodyPr vert="horz" wrap="square" lIns="0" tIns="0" rIns="0" bIns="0" rtlCol="0" anchor="ctr" anchorCtr="0">
-            <a:noAutofit/>
-          </a:bodyPr>
-          <a:lstStyle/>
-          <a:p>
-            <a:pPr marL="0" marR="0" lvl="0" indent="0" algn="ctr" defTabSz="914400" rtl="0" eaLnBrk="1" fontAlgn="auto" latinLnBrk="0" hangingPunct="1">
-              <a:lnSpc>
-                <a:spcPct val="100000"/>
-              </a:lnSpc>
-              <a:spcBef>
-                <a:spcPts val="0"/>
-              </a:spcBef>
-              <a:spcAft>
-                <a:spcPts val="0"/>
-              </a:spcAft>
-              <a:buClrTx/>
-              <a:buSzTx/>
-              <a:buFontTx/>
-              <a:buNone/>
-              <a:tabLst/>
-              <a:defRPr/>
-            </a:pPr>
-            <a:r>
-              <a:rPr kumimoji="0" lang="en-US" sz="1000" b="0" i="0" u="none" strike="noStrike" kern="1200" cap="none" spc="-6" normalizeH="0" baseline="0" noProof="0">
-                <a:ln>
-                  <a:noFill/>
-                </a:ln>
-                <a:solidFill>
-                  <a:srgbClr val="A6A6A6"/>
-                </a:solidFill>
-                <a:effectLst/>
-                <a:uLnTx/>
-                <a:uFillTx/>
-                <a:latin typeface="Calibri" panose="020F0502020204030204" pitchFamily="34" charset="0"/>
-                <a:ea typeface="+mn-ea"/>
-                <a:cs typeface="+mn-cs"/>
-              </a:rPr>
-              <a:t>Aug 12</a:t>
-            </a:r>
-          </a:p>
-        </p:txBody>
-      </p:sp>
-      <p:sp>
-        <p:nvSpPr>
-          <p:cNvPr id="7131" name="OTLSHAPE_M_93afb554552a4221a5380f7919409aa7_Shape"/>
-          <p:cNvSpPr/>
-          <p:nvPr>
-            <p:custDataLst>
-              <p:tags r:id="rId33"/>
-            </p:custDataLst>
-          </p:nvPr>
-        </p:nvSpPr>
-        <p:spPr>
-          <a:xfrm>
-            <a:off x="5060356" y="1593854"/>
-            <a:ext cx="298526" cy="410511"/>
-          </a:xfrm>
-          <a:prstGeom prst="diamond">
-            <a:avLst/>
-          </a:prstGeom>
-          <a:solidFill>
-            <a:schemeClr val="accent4"/>
-          </a:solidFill>
-          <a:ln w="12700" cap="flat" cmpd="sng" algn="ctr">
-            <a:noFill/>
-            <a:prstDash val="solid"/>
-            <a:miter lim="800000"/>
-          </a:ln>
-          <a:effectLst/>
-          <a:scene3d>
-            <a:camera prst="orthographicFront"/>
-            <a:lightRig rig="threePt" dir="t"/>
-          </a:scene3d>
-          <a:sp3d>
-            <a:bevelT h="12700"/>
-          </a:sp3d>
-          <a:extLst>
-            <a:ext uri="{91240B29-F687-4F45-9708-019B960494DF}">
-              <a14:hiddenLine xmlns:a14="http://schemas.microsoft.com/office/drawing/2010/main" w="12700" cap="flat" cmpd="sng" algn="ctr">
-                <a:solidFill>
-                  <a:schemeClr val="accent1">
-                    <a:shade val="50000"/>
-                  </a:schemeClr>
-                </a:solidFill>
-                <a:prstDash val="solid"/>
-                <a:miter lim="800000"/>
-              </a14:hiddenLine>
-            </a:ext>
-            <a:ext uri="{AF507438-7753-43E0-B8FC-AC1667EBCBE1}">
-              <a14:hiddenEffects xmlns:a14="http://schemas.microsoft.com/office/drawing/2010/main">
-                <a:effectLst>
-                  <a:outerShdw>
-                    <a:scrgbClr r="0" g="0" b="0">
-                      <a:alpha val="50000"/>
-                    </a:scrgbClr>
-                  </a:outerShdw>
-                </a:effectLst>
-              </a14:hiddenEffects>
-            </a:ext>
-            <a:ext uri="{53640926-AAD7-44D8-BBD7-CCE9431645EC}">
-              <a14:shadowObscured xmlns:a14="http://schemas.microsoft.com/office/drawing/2010/main" val="1"/>
-            </a:ext>
-          </a:extLst>
-        </p:spPr>
-        <p:style>
-          <a:lnRef idx="2">
-            <a:schemeClr val="accent1">
-              <a:shade val="50000"/>
-            </a:schemeClr>
-          </a:lnRef>
-          <a:fillRef idx="1">
-            <a:schemeClr val="accent1"/>
-          </a:fillRef>
-          <a:effectRef idx="0">
-            <a:schemeClr val="accent1"/>
-          </a:effectRef>
-          <a:fontRef idx="minor">
-            <a:schemeClr val="lt1"/>
-          </a:fontRef>
-        </p:style>
-        <p:txBody>
-          <a:bodyPr rtlCol="0" anchor="ctr"/>
-          <a:lstStyle/>
-          <a:p>
-            <a:pPr marL="0" marR="0" lvl="0" indent="0" algn="ctr" defTabSz="914400" rtl="0" eaLnBrk="1" fontAlgn="auto" latinLnBrk="0" hangingPunct="1">
-              <a:lnSpc>
-                <a:spcPct val="100000"/>
-              </a:lnSpc>
-              <a:spcBef>
-                <a:spcPts val="0"/>
-              </a:spcBef>
-              <a:spcAft>
-                <a:spcPts val="0"/>
-              </a:spcAft>
-              <a:buClrTx/>
-              <a:buSzTx/>
-              <a:buFontTx/>
-              <a:buNone/>
-              <a:tabLst/>
-              <a:defRPr/>
-            </a:pPr>
-            <a:endParaRPr kumimoji="0" lang="en-US" sz="1800" b="0" i="0" u="none" strike="noStrike" kern="1200" cap="none" spc="0" normalizeH="0" baseline="0" noProof="0">
-              <a:ln>
-                <a:noFill/>
-              </a:ln>
-              <a:solidFill>
-                <a:prstClr val="white"/>
-              </a:solidFill>
-              <a:effectLst/>
-              <a:uLnTx/>
-              <a:uFillTx/>
-              <a:latin typeface="Calibri" panose="020F0502020204030204"/>
-              <a:ea typeface="+mn-ea"/>
-              <a:cs typeface="+mn-cs"/>
-            </a:endParaRPr>
-          </a:p>
-        </p:txBody>
-      </p:sp>
-      <p:sp>
-        <p:nvSpPr>
-          <p:cNvPr id="7132" name="OTLSHAPE_M_95f339bb5c8846ebaef02014bccbd531_Title"/>
-          <p:cNvSpPr txBox="1"/>
-          <p:nvPr>
-            <p:custDataLst>
-              <p:tags r:id="rId34"/>
-            </p:custDataLst>
-          </p:nvPr>
-        </p:nvSpPr>
-        <p:spPr>
-          <a:xfrm>
-            <a:off x="5974232" y="1089146"/>
-            <a:ext cx="1078009" cy="300700"/>
-          </a:xfrm>
-          <a:prstGeom prst="rect">
-            <a:avLst/>
-          </a:prstGeom>
-          <a:noFill/>
-        </p:spPr>
-        <p:txBody>
-          <a:bodyPr vert="horz" wrap="square" lIns="0" tIns="0" rIns="0" bIns="0" rtlCol="0" anchor="ctr" anchorCtr="0">
-            <a:noAutofit/>
-          </a:bodyPr>
-          <a:lstStyle/>
-          <a:p>
-            <a:pPr marL="0" marR="0" lvl="0" indent="0" algn="ctr" defTabSz="914400" rtl="0" eaLnBrk="1" fontAlgn="auto" latinLnBrk="0" hangingPunct="1">
-              <a:lnSpc>
-                <a:spcPct val="100000"/>
-              </a:lnSpc>
-              <a:spcBef>
-                <a:spcPts val="0"/>
-              </a:spcBef>
-              <a:spcAft>
-                <a:spcPts val="0"/>
-              </a:spcAft>
-              <a:buClrTx/>
-              <a:buSzTx/>
-              <a:buFontTx/>
-              <a:buNone/>
-              <a:tabLst/>
-              <a:defRPr/>
-            </a:pPr>
-            <a:r>
-              <a:rPr kumimoji="0" lang="en-US" sz="1200" b="1" i="0" u="none" strike="noStrike" kern="1200" cap="none" spc="-8" normalizeH="0" baseline="0" noProof="0" dirty="0">
-                <a:ln>
-                  <a:noFill/>
-                </a:ln>
-                <a:solidFill>
-                  <a:srgbClr val="737373"/>
-                </a:solidFill>
-                <a:effectLst/>
-                <a:uLnTx/>
-                <a:uFillTx/>
-                <a:latin typeface="Calibri" panose="020F0502020204030204" pitchFamily="34" charset="0"/>
-                <a:ea typeface="+mn-ea"/>
-                <a:cs typeface="+mn-cs"/>
-              </a:rPr>
-              <a:t>Milestone #3</a:t>
-            </a:r>
-          </a:p>
-        </p:txBody>
-      </p:sp>
-      <p:sp>
-        <p:nvSpPr>
-          <p:cNvPr id="7133" name="OTLSHAPE_M_95f339bb5c8846ebaef02014bccbd531_Date"/>
-          <p:cNvSpPr txBox="1"/>
-          <p:nvPr>
-            <p:custDataLst>
-              <p:tags r:id="rId35"/>
-            </p:custDataLst>
-          </p:nvPr>
-        </p:nvSpPr>
-        <p:spPr>
-          <a:xfrm>
-            <a:off x="6212971" y="1287902"/>
-            <a:ext cx="464373" cy="250550"/>
-          </a:xfrm>
-          <a:prstGeom prst="rect">
-            <a:avLst/>
-          </a:prstGeom>
-          <a:noFill/>
-        </p:spPr>
-        <p:txBody>
-          <a:bodyPr vert="horz" wrap="square" lIns="0" tIns="0" rIns="0" bIns="0" rtlCol="0" anchor="ctr" anchorCtr="0">
-            <a:noAutofit/>
-          </a:bodyPr>
-          <a:lstStyle/>
-          <a:p>
-            <a:pPr marL="0" marR="0" lvl="0" indent="0" algn="ctr" defTabSz="914400" rtl="0" eaLnBrk="1" fontAlgn="auto" latinLnBrk="0" hangingPunct="1">
-              <a:lnSpc>
-                <a:spcPct val="100000"/>
-              </a:lnSpc>
-              <a:spcBef>
-                <a:spcPts val="0"/>
-              </a:spcBef>
-              <a:spcAft>
-                <a:spcPts val="0"/>
-              </a:spcAft>
-              <a:buClrTx/>
-              <a:buSzTx/>
-              <a:buFontTx/>
-              <a:buNone/>
-              <a:tabLst/>
-              <a:defRPr/>
-            </a:pPr>
-            <a:r>
-              <a:rPr kumimoji="0" lang="en-US" sz="1000" b="0" i="0" u="none" strike="noStrike" kern="1200" cap="none" spc="-6" normalizeH="0" baseline="0" noProof="0">
-                <a:ln>
-                  <a:noFill/>
-                </a:ln>
-                <a:solidFill>
-                  <a:srgbClr val="A6A6A6"/>
-                </a:solidFill>
-                <a:effectLst/>
-                <a:uLnTx/>
-                <a:uFillTx/>
-                <a:latin typeface="Calibri" panose="020F0502020204030204" pitchFamily="34" charset="0"/>
-                <a:ea typeface="+mn-ea"/>
-                <a:cs typeface="+mn-cs"/>
-              </a:rPr>
-              <a:t>Sep 20</a:t>
-            </a:r>
-          </a:p>
-        </p:txBody>
-      </p:sp>
-      <p:sp>
-        <p:nvSpPr>
-          <p:cNvPr id="7134" name="OTLSHAPE_M_95f339bb5c8846ebaef02014bccbd531_Shape"/>
-          <p:cNvSpPr/>
-          <p:nvPr>
-            <p:custDataLst>
-              <p:tags r:id="rId36"/>
-            </p:custDataLst>
-          </p:nvPr>
-        </p:nvSpPr>
-        <p:spPr>
-          <a:xfrm>
-            <a:off x="10292574" y="2952748"/>
-            <a:ext cx="298526" cy="410511"/>
-          </a:xfrm>
-          <a:prstGeom prst="diamond">
-            <a:avLst/>
-          </a:prstGeom>
-          <a:solidFill>
-            <a:srgbClr val="FEBA0A"/>
-          </a:solidFill>
-          <a:ln w="12700" cap="flat" cmpd="sng" algn="ctr">
-            <a:noFill/>
-            <a:prstDash val="solid"/>
-            <a:miter lim="800000"/>
-          </a:ln>
-          <a:effectLst/>
-          <a:scene3d>
-            <a:camera prst="orthographicFront"/>
-            <a:lightRig rig="threePt" dir="t"/>
-          </a:scene3d>
-          <a:sp3d>
-            <a:bevelT h="12700"/>
-          </a:sp3d>
-          <a:extLst>
-            <a:ext uri="{91240B29-F687-4F45-9708-019B960494DF}">
-              <a14:hiddenLine xmlns:a14="http://schemas.microsoft.com/office/drawing/2010/main" w="12700" cap="flat" cmpd="sng" algn="ctr">
-                <a:solidFill>
-                  <a:schemeClr val="accent1">
-                    <a:shade val="50000"/>
-                  </a:schemeClr>
-                </a:solidFill>
-                <a:prstDash val="solid"/>
-                <a:miter lim="800000"/>
-              </a14:hiddenLine>
-            </a:ext>
-            <a:ext uri="{AF507438-7753-43E0-B8FC-AC1667EBCBE1}">
-              <a14:hiddenEffects xmlns:a14="http://schemas.microsoft.com/office/drawing/2010/main">
-                <a:effectLst>
-                  <a:outerShdw>
-                    <a:scrgbClr r="0" g="0" b="0">
-                      <a:alpha val="50000"/>
-                    </a:scrgbClr>
-                  </a:outerShdw>
-                </a:effectLst>
-              </a14:hiddenEffects>
-            </a:ext>
-            <a:ext uri="{53640926-AAD7-44D8-BBD7-CCE9431645EC}">
-              <a14:shadowObscured xmlns:a14="http://schemas.microsoft.com/office/drawing/2010/main" val="1"/>
-            </a:ext>
-          </a:extLst>
-        </p:spPr>
-        <p:style>
-          <a:lnRef idx="2">
-            <a:schemeClr val="accent1">
-              <a:shade val="50000"/>
-            </a:schemeClr>
-          </a:lnRef>
-          <a:fillRef idx="1">
-            <a:schemeClr val="accent1"/>
-          </a:fillRef>
-          <a:effectRef idx="0">
-            <a:schemeClr val="accent1"/>
-          </a:effectRef>
-          <a:fontRef idx="minor">
-            <a:schemeClr val="lt1"/>
-          </a:fontRef>
-        </p:style>
-        <p:txBody>
-          <a:bodyPr rtlCol="0" anchor="ctr"/>
-          <a:lstStyle/>
-          <a:p>
-            <a:pPr marL="0" marR="0" lvl="0" indent="0" algn="ctr" defTabSz="914400" rtl="0" eaLnBrk="1" fontAlgn="auto" latinLnBrk="0" hangingPunct="1">
-              <a:lnSpc>
-                <a:spcPct val="100000"/>
-              </a:lnSpc>
-              <a:spcBef>
-                <a:spcPts val="0"/>
-              </a:spcBef>
-              <a:spcAft>
-                <a:spcPts val="0"/>
-              </a:spcAft>
-              <a:buClrTx/>
-              <a:buSzTx/>
-              <a:buFontTx/>
-              <a:buNone/>
-              <a:tabLst/>
-              <a:defRPr/>
-            </a:pPr>
-            <a:endParaRPr kumimoji="0" lang="en-US" sz="1800" b="0" i="0" u="none" strike="noStrike" kern="1200" cap="none" spc="0" normalizeH="0" baseline="0" noProof="0">
-              <a:ln>
-                <a:noFill/>
-              </a:ln>
-              <a:solidFill>
-                <a:prstClr val="white"/>
-              </a:solidFill>
-              <a:effectLst/>
-              <a:uLnTx/>
-              <a:uFillTx/>
-              <a:latin typeface="Calibri" panose="020F0502020204030204"/>
-              <a:ea typeface="+mn-ea"/>
-              <a:cs typeface="+mn-cs"/>
-            </a:endParaRPr>
-          </a:p>
-        </p:txBody>
-      </p:sp>
-      <p:sp>
-        <p:nvSpPr>
-          <p:cNvPr id="7141" name="OTLSHAPE_M_7f583de0854a4cacb89837f3a379bb4a_Title"/>
-          <p:cNvSpPr txBox="1"/>
-          <p:nvPr>
-            <p:custDataLst>
-              <p:tags r:id="rId37"/>
-            </p:custDataLst>
-          </p:nvPr>
-        </p:nvSpPr>
-        <p:spPr>
-          <a:xfrm>
-            <a:off x="11449799" y="2102675"/>
-            <a:ext cx="495300" cy="186055"/>
-          </a:xfrm>
-          <a:prstGeom prst="rect">
-            <a:avLst/>
-          </a:prstGeom>
-          <a:noFill/>
-        </p:spPr>
-        <p:txBody>
-          <a:bodyPr vert="horz" wrap="square" lIns="0" tIns="0" rIns="0" bIns="0" rtlCol="0" anchor="ctr" anchorCtr="0">
-            <a:noAutofit/>
-          </a:bodyPr>
-          <a:lstStyle/>
-          <a:p>
-            <a:pPr marL="0" marR="0" lvl="0" indent="0" algn="l" defTabSz="914400" rtl="0" eaLnBrk="1" fontAlgn="auto" latinLnBrk="0" hangingPunct="1">
-              <a:lnSpc>
-                <a:spcPct val="100000"/>
-              </a:lnSpc>
-              <a:spcBef>
-                <a:spcPts val="0"/>
-              </a:spcBef>
-              <a:spcAft>
-                <a:spcPts val="0"/>
-              </a:spcAft>
-              <a:buClrTx/>
-              <a:buSzTx/>
-              <a:buFontTx/>
-              <a:buNone/>
-              <a:tabLst/>
-              <a:defRPr/>
-            </a:pPr>
-            <a:r>
-              <a:rPr kumimoji="0" lang="en-US" sz="1200" b="1" i="0" u="none" strike="noStrike" kern="1200" cap="none" spc="-14" normalizeH="0" baseline="0" noProof="0">
-                <a:ln>
-                  <a:noFill/>
-                </a:ln>
-                <a:solidFill>
-                  <a:srgbClr val="737373"/>
-                </a:solidFill>
-                <a:effectLst/>
-                <a:uLnTx/>
-                <a:uFillTx/>
-                <a:latin typeface="Calibri" panose="020F0502020204030204" pitchFamily="34" charset="0"/>
-                <a:ea typeface="+mn-ea"/>
-                <a:cs typeface="+mn-cs"/>
-              </a:rPr>
-              <a:t>Sign Off</a:t>
-            </a:r>
-          </a:p>
-        </p:txBody>
-      </p:sp>
-      <p:sp>
-        <p:nvSpPr>
-          <p:cNvPr id="7142" name="OTLSHAPE_M_7f583de0854a4cacb89837f3a379bb4a_Date"/>
-          <p:cNvSpPr txBox="1"/>
-          <p:nvPr>
-            <p:custDataLst>
-              <p:tags r:id="rId38"/>
-            </p:custDataLst>
-          </p:nvPr>
-        </p:nvSpPr>
-        <p:spPr>
-          <a:xfrm>
-            <a:off x="11449799" y="2301430"/>
-            <a:ext cx="330200" cy="155025"/>
-          </a:xfrm>
-          <a:prstGeom prst="rect">
-            <a:avLst/>
-          </a:prstGeom>
-          <a:noFill/>
-        </p:spPr>
-        <p:txBody>
-          <a:bodyPr vert="horz" wrap="square" lIns="0" tIns="0" rIns="0" bIns="0" rtlCol="0" anchor="ctr" anchorCtr="0">
-            <a:noAutofit/>
-          </a:bodyPr>
-          <a:lstStyle/>
-          <a:p>
-            <a:pPr marL="0" marR="0" lvl="0" indent="0" algn="l" defTabSz="914400" rtl="0" eaLnBrk="1" fontAlgn="auto" latinLnBrk="0" hangingPunct="1">
-              <a:lnSpc>
-                <a:spcPct val="100000"/>
-              </a:lnSpc>
-              <a:spcBef>
-                <a:spcPts val="0"/>
-              </a:spcBef>
-              <a:spcAft>
-                <a:spcPts val="0"/>
-              </a:spcAft>
-              <a:buClrTx/>
-              <a:buSzTx/>
-              <a:buFontTx/>
-              <a:buNone/>
-              <a:tabLst/>
-              <a:defRPr/>
-            </a:pPr>
-            <a:r>
-              <a:rPr kumimoji="0" lang="en-US" sz="1000" b="0" i="0" u="none" strike="noStrike" kern="1200" cap="none" spc="-6" normalizeH="0" baseline="0" noProof="0">
-                <a:ln>
-                  <a:noFill/>
-                </a:ln>
-                <a:solidFill>
-                  <a:srgbClr val="A6A6A6"/>
-                </a:solidFill>
-                <a:effectLst/>
-                <a:uLnTx/>
-                <a:uFillTx/>
-                <a:latin typeface="Calibri" panose="020F0502020204030204" pitchFamily="34" charset="0"/>
-                <a:ea typeface="+mn-ea"/>
-                <a:cs typeface="+mn-cs"/>
-              </a:rPr>
-              <a:t>Jan 30</a:t>
-            </a:r>
-          </a:p>
-        </p:txBody>
-      </p:sp>
-      <p:sp>
-        <p:nvSpPr>
-          <p:cNvPr id="7144" name="OTLSHAPE_T_7c518fb37f2142bb8e0445920d0403b5_Shape"/>
-          <p:cNvSpPr/>
-          <p:nvPr>
-            <p:custDataLst>
-              <p:tags r:id="rId39"/>
-            </p:custDataLst>
-          </p:nvPr>
-        </p:nvSpPr>
-        <p:spPr>
-          <a:xfrm>
-            <a:off x="4483738" y="6147435"/>
-            <a:ext cx="670232" cy="200862"/>
-          </a:xfrm>
-          <a:prstGeom prst="roundRect">
-            <a:avLst/>
-          </a:prstGeom>
-          <a:solidFill>
-            <a:schemeClr val="dk2"/>
-          </a:solidFill>
-          <a:ln w="12700" cap="flat" cmpd="sng" algn="ctr">
-            <a:noFill/>
-            <a:prstDash val="solid"/>
-            <a:miter lim="800000"/>
-          </a:ln>
-          <a:effectLst/>
-          <a:scene3d>
-            <a:camera prst="orthographicFront"/>
-            <a:lightRig rig="balanced" dir="t">
-              <a:rot lat="0" lon="0" rev="8700000"/>
-            </a:lightRig>
-          </a:scene3d>
-          <a:sp3d>
-            <a:bevelT w="165100" h="12700"/>
-          </a:sp3d>
-          <a:extLst>
-            <a:ext uri="{91240B29-F687-4F45-9708-019B960494DF}">
-              <a14:hiddenLine xmlns:a14="http://schemas.microsoft.com/office/drawing/2010/main" w="12700" cap="flat" cmpd="sng" algn="ctr">
-                <a:solidFill>
-                  <a:schemeClr val="accent1">
-                    <a:shade val="50000"/>
-                  </a:schemeClr>
-                </a:solidFill>
-                <a:prstDash val="solid"/>
-                <a:miter lim="800000"/>
-              </a14:hiddenLine>
-            </a:ext>
-            <a:ext uri="{AF507438-7753-43E0-B8FC-AC1667EBCBE1}">
-              <a14:hiddenEffects xmlns:a14="http://schemas.microsoft.com/office/drawing/2010/main">
-                <a:effectLst>
-                  <a:outerShdw>
-                    <a:scrgbClr r="0" g="0" b="0">
-                      <a:alpha val="50000"/>
-                    </a:scrgbClr>
-                  </a:outerShdw>
-                </a:effectLst>
-              </a14:hiddenEffects>
-            </a:ext>
-            <a:ext uri="{53640926-AAD7-44D8-BBD7-CCE9431645EC}">
-              <a14:shadowObscured xmlns:a14="http://schemas.microsoft.com/office/drawing/2010/main" val="1"/>
-            </a:ext>
-          </a:extLst>
-        </p:spPr>
-        <p:style>
-          <a:lnRef idx="2">
-            <a:schemeClr val="accent1">
-              <a:shade val="50000"/>
-            </a:schemeClr>
-          </a:lnRef>
-          <a:fillRef idx="1">
-            <a:schemeClr val="accent1"/>
-          </a:fillRef>
-          <a:effectRef idx="0">
-            <a:schemeClr val="accent1"/>
-          </a:effectRef>
-          <a:fontRef idx="minor">
-            <a:schemeClr val="lt1"/>
-          </a:fontRef>
-        </p:style>
-        <p:txBody>
-          <a:bodyPr rtlCol="0" anchor="ctr"/>
-          <a:lstStyle/>
-          <a:p>
-            <a:pPr marL="0" marR="0" lvl="0" indent="0" algn="ctr" defTabSz="914400" rtl="0" eaLnBrk="1" fontAlgn="auto" latinLnBrk="0" hangingPunct="1">
-              <a:lnSpc>
-                <a:spcPct val="100000"/>
-              </a:lnSpc>
-              <a:spcBef>
-                <a:spcPts val="0"/>
-              </a:spcBef>
-              <a:spcAft>
-                <a:spcPts val="0"/>
-              </a:spcAft>
-              <a:buClrTx/>
-              <a:buSzTx/>
-              <a:buFontTx/>
-              <a:buNone/>
-              <a:tabLst/>
-              <a:defRPr/>
-            </a:pPr>
-            <a:endParaRPr kumimoji="0" lang="en-US" sz="1800" b="0" i="0" u="none" strike="noStrike" kern="1200" cap="none" spc="0" normalizeH="0" baseline="0" noProof="0">
-              <a:ln>
-                <a:noFill/>
-              </a:ln>
-              <a:solidFill>
-                <a:prstClr val="white"/>
-              </a:solidFill>
-              <a:effectLst/>
-              <a:uLnTx/>
-              <a:uFillTx/>
-              <a:latin typeface="Calibri" panose="020F0502020204030204"/>
-              <a:ea typeface="+mn-ea"/>
-              <a:cs typeface="+mn-cs"/>
-            </a:endParaRPr>
-          </a:p>
-        </p:txBody>
-      </p:sp>
-      <p:sp>
-        <p:nvSpPr>
-          <p:cNvPr id="7146" name="OTLSHAPE_T_7c518fb37f2142bb8e0445920d0403b5_Duration" hidden="1"/>
-          <p:cNvSpPr txBox="1"/>
-          <p:nvPr>
-            <p:custDataLst>
-              <p:tags r:id="rId40"/>
             </p:custDataLst>
           </p:nvPr>
         </p:nvSpPr>
@@ -11042,7 +10252,7 @@
           <p:cNvSpPr txBox="1"/>
           <p:nvPr>
             <p:custDataLst>
-              <p:tags r:id="rId41"/>
+              <p:tags r:id="rId29"/>
             </p:custDataLst>
           </p:nvPr>
         </p:nvSpPr>
@@ -11102,7 +10312,7 @@
           <p:cNvSpPr txBox="1"/>
           <p:nvPr>
             <p:custDataLst>
-              <p:tags r:id="rId42"/>
+              <p:tags r:id="rId30"/>
             </p:custDataLst>
           </p:nvPr>
         </p:nvSpPr>
@@ -11158,298 +10368,11 @@
       </p:sp>
       <p:sp>
         <p:nvSpPr>
-          <p:cNvPr id="7150" name="OTLSHAPE_T_7c518fb37f2142bb8e0445920d0403b5_JoinedDate"/>
-          <p:cNvSpPr txBox="1"/>
-          <p:nvPr>
-            <p:custDataLst>
-              <p:tags r:id="rId43"/>
-            </p:custDataLst>
-          </p:nvPr>
-        </p:nvSpPr>
-        <p:spPr>
-          <a:xfrm>
-            <a:off x="7171907" y="3983104"/>
-            <a:ext cx="895576" cy="250550"/>
-          </a:xfrm>
-          <a:prstGeom prst="rect">
-            <a:avLst/>
-          </a:prstGeom>
-          <a:noFill/>
-        </p:spPr>
-        <p:txBody>
-          <a:bodyPr vert="horz" wrap="square" lIns="0" tIns="0" rIns="0" bIns="0" rtlCol="0" anchor="ctr" anchorCtr="0">
-            <a:noAutofit/>
-          </a:bodyPr>
-          <a:lstStyle/>
-          <a:p>
-            <a:pPr marL="0" marR="0" lvl="0" indent="0" algn="l" defTabSz="914400" rtl="0" eaLnBrk="1" fontAlgn="auto" latinLnBrk="0" hangingPunct="1">
-              <a:lnSpc>
-                <a:spcPct val="100000"/>
-              </a:lnSpc>
-              <a:spcBef>
-                <a:spcPts val="0"/>
-              </a:spcBef>
-              <a:spcAft>
-                <a:spcPts val="0"/>
-              </a:spcAft>
-              <a:buClrTx/>
-              <a:buSzTx/>
-              <a:buFontTx/>
-              <a:buNone/>
-              <a:tabLst/>
-              <a:defRPr/>
-            </a:pPr>
-            <a:r>
-              <a:rPr kumimoji="0" lang="en-US" sz="1000" b="0" i="0" u="none" strike="noStrike" kern="1200" cap="none" spc="-4" normalizeH="0" baseline="0" noProof="0" dirty="0">
-                <a:ln>
-                  <a:noFill/>
-                </a:ln>
-                <a:solidFill>
-                  <a:srgbClr val="737373"/>
-                </a:solidFill>
-                <a:effectLst/>
-                <a:uLnTx/>
-                <a:uFillTx/>
-                <a:latin typeface="Calibri" panose="020F0502020204030204" pitchFamily="34" charset="0"/>
-                <a:ea typeface="+mn-ea"/>
-                <a:cs typeface="+mn-cs"/>
-              </a:rPr>
-              <a:t>Jul 25 - Aug 1</a:t>
-            </a:r>
-          </a:p>
-        </p:txBody>
-      </p:sp>
-      <p:sp>
-        <p:nvSpPr>
-          <p:cNvPr id="7152" name="OTLSHAPE_T_be3ae38f60b3402d8a13f1e91eec41f5_Shape"/>
-          <p:cNvSpPr/>
-          <p:nvPr>
-            <p:custDataLst>
-              <p:tags r:id="rId44"/>
-            </p:custDataLst>
-          </p:nvPr>
-        </p:nvSpPr>
-        <p:spPr>
-          <a:xfrm>
-            <a:off x="1642237" y="4283667"/>
-            <a:ext cx="901700" cy="155025"/>
-          </a:xfrm>
-          <a:prstGeom prst="roundRect">
-            <a:avLst/>
-          </a:prstGeom>
-          <a:solidFill>
-            <a:schemeClr val="accent1"/>
-          </a:solidFill>
-          <a:ln w="12700" cap="flat" cmpd="sng" algn="ctr">
-            <a:noFill/>
-            <a:prstDash val="solid"/>
-            <a:miter lim="800000"/>
-          </a:ln>
-          <a:effectLst/>
-          <a:scene3d>
-            <a:camera prst="orthographicFront"/>
-            <a:lightRig rig="balanced" dir="t">
-              <a:rot lat="0" lon="0" rev="8700000"/>
-            </a:lightRig>
-          </a:scene3d>
-          <a:sp3d>
-            <a:bevelT w="165100" h="12700"/>
-          </a:sp3d>
-          <a:extLst>
-            <a:ext uri="{91240B29-F687-4F45-9708-019B960494DF}">
-              <a14:hiddenLine xmlns:a14="http://schemas.microsoft.com/office/drawing/2010/main" w="12700" cap="flat" cmpd="sng" algn="ctr">
-                <a:solidFill>
-                  <a:schemeClr val="accent1">
-                    <a:shade val="50000"/>
-                  </a:schemeClr>
-                </a:solidFill>
-                <a:prstDash val="solid"/>
-                <a:miter lim="800000"/>
-              </a14:hiddenLine>
-            </a:ext>
-            <a:ext uri="{AF507438-7753-43E0-B8FC-AC1667EBCBE1}">
-              <a14:hiddenEffects xmlns:a14="http://schemas.microsoft.com/office/drawing/2010/main">
-                <a:effectLst>
-                  <a:outerShdw>
-                    <a:scrgbClr r="0" g="0" b="0">
-                      <a:alpha val="50000"/>
-                    </a:scrgbClr>
-                  </a:outerShdw>
-                </a:effectLst>
-              </a14:hiddenEffects>
-            </a:ext>
-            <a:ext uri="{53640926-AAD7-44D8-BBD7-CCE9431645EC}">
-              <a14:shadowObscured xmlns:a14="http://schemas.microsoft.com/office/drawing/2010/main" val="1"/>
-            </a:ext>
-          </a:extLst>
-        </p:spPr>
-        <p:style>
-          <a:lnRef idx="2">
-            <a:schemeClr val="accent1">
-              <a:shade val="50000"/>
-            </a:schemeClr>
-          </a:lnRef>
-          <a:fillRef idx="1">
-            <a:schemeClr val="accent1"/>
-          </a:fillRef>
-          <a:effectRef idx="0">
-            <a:schemeClr val="accent1"/>
-          </a:effectRef>
-          <a:fontRef idx="minor">
-            <a:schemeClr val="lt1"/>
-          </a:fontRef>
-        </p:style>
-        <p:txBody>
-          <a:bodyPr rtlCol="0" anchor="ctr"/>
-          <a:lstStyle/>
-          <a:p>
-            <a:pPr marL="0" marR="0" lvl="0" indent="0" algn="ctr" defTabSz="914400" rtl="0" eaLnBrk="1" fontAlgn="auto" latinLnBrk="0" hangingPunct="1">
-              <a:lnSpc>
-                <a:spcPct val="100000"/>
-              </a:lnSpc>
-              <a:spcBef>
-                <a:spcPts val="0"/>
-              </a:spcBef>
-              <a:spcAft>
-                <a:spcPts val="0"/>
-              </a:spcAft>
-              <a:buClrTx/>
-              <a:buSzTx/>
-              <a:buFontTx/>
-              <a:buNone/>
-              <a:tabLst/>
-              <a:defRPr/>
-            </a:pPr>
-            <a:endParaRPr kumimoji="0" lang="en-US" sz="1800" b="0" i="0" u="none" strike="noStrike" kern="1200" cap="none" spc="0" normalizeH="0" baseline="0" noProof="0">
-              <a:ln>
-                <a:noFill/>
-              </a:ln>
-              <a:solidFill>
-                <a:prstClr val="white"/>
-              </a:solidFill>
-              <a:effectLst/>
-              <a:uLnTx/>
-              <a:uFillTx/>
-              <a:latin typeface="Calibri" panose="020F0502020204030204"/>
-              <a:ea typeface="+mn-ea"/>
-              <a:cs typeface="+mn-cs"/>
-            </a:endParaRPr>
-          </a:p>
-        </p:txBody>
-      </p:sp>
-      <p:sp>
-        <p:nvSpPr>
-          <p:cNvPr id="7153" name="OTLSHAPE_T_be3ae38f60b3402d8a13f1e91eec41f5_ShapePercentage"/>
-          <p:cNvSpPr/>
-          <p:nvPr>
-            <p:custDataLst>
-              <p:tags r:id="rId45"/>
-            </p:custDataLst>
-          </p:nvPr>
-        </p:nvSpPr>
-        <p:spPr>
-          <a:xfrm>
-            <a:off x="3859062" y="5344498"/>
-            <a:ext cx="901700" cy="155025"/>
-          </a:xfrm>
-          <a:prstGeom prst="roundRect">
-            <a:avLst/>
-          </a:prstGeom>
-          <a:solidFill>
-            <a:schemeClr val="dk2">
-              <a:alpha val="34902"/>
-            </a:schemeClr>
-          </a:solidFill>
-          <a:ln w="12700" cap="flat" cmpd="sng" algn="ctr">
-            <a:noFill/>
-            <a:prstDash val="solid"/>
-            <a:miter lim="800000"/>
-          </a:ln>
-          <a:effectLst>
-            <a:outerShdw>
-              <a:scrgbClr r="0" g="0" b="0">
-                <a:alpha val="50000"/>
-              </a:scrgbClr>
-            </a:outerShdw>
-          </a:effectLst>
-          <a:extLst>
-            <a:ext uri="{91240B29-F687-4F45-9708-019B960494DF}">
-              <a14:hiddenLine xmlns:a14="http://schemas.microsoft.com/office/drawing/2010/main" w="12700" cap="flat" cmpd="sng" algn="ctr">
-                <a:solidFill>
-                  <a:schemeClr val="accent1">
-                    <a:shade val="50000"/>
-                  </a:schemeClr>
-                </a:solidFill>
-                <a:prstDash val="solid"/>
-                <a:miter lim="800000"/>
-              </a14:hiddenLine>
-            </a:ext>
-            <a:ext uri="{53640926-AAD7-44D8-BBD7-CCE9431645EC}">
-              <a14:shadowObscured xmlns:a14="http://schemas.microsoft.com/office/drawing/2010/main" val="1"/>
-            </a:ext>
-          </a:extLst>
-        </p:spPr>
-        <p:style>
-          <a:lnRef idx="2">
-            <a:schemeClr val="accent1">
-              <a:shade val="50000"/>
-            </a:schemeClr>
-          </a:lnRef>
-          <a:fillRef idx="1">
-            <a:schemeClr val="accent1"/>
-          </a:fillRef>
-          <a:effectRef idx="0">
-            <a:schemeClr val="accent1"/>
-          </a:effectRef>
-          <a:fontRef idx="minor">
-            <a:schemeClr val="lt1"/>
-          </a:fontRef>
-        </p:style>
-        <p:txBody>
-          <a:bodyPr rtlCol="0" anchor="ctr"/>
-          <a:lstStyle/>
-          <a:p>
-            <a:pPr marL="0" marR="0" lvl="0" indent="0" algn="ctr" defTabSz="914400" rtl="0" eaLnBrk="1" fontAlgn="auto" latinLnBrk="0" hangingPunct="1">
-              <a:lnSpc>
-                <a:spcPct val="100000"/>
-              </a:lnSpc>
-              <a:spcBef>
-                <a:spcPts val="0"/>
-              </a:spcBef>
-              <a:spcAft>
-                <a:spcPts val="0"/>
-              </a:spcAft>
-              <a:buClrTx/>
-              <a:buSzTx/>
-              <a:buFontTx/>
-              <a:buNone/>
-              <a:tabLst/>
-              <a:defRPr/>
-            </a:pPr>
-            <a:endParaRPr kumimoji="0" lang="en-US" sz="1800" b="0" i="0" u="none" strike="noStrike" kern="1200" cap="none" spc="0" normalizeH="0" baseline="0" noProof="0">
-              <a:ln>
-                <a:noFill/>
-              </a:ln>
-              <a:solidFill>
-                <a:prstClr val="white"/>
-              </a:solidFill>
-              <a:effectLst/>
-              <a:uLnTx/>
-              <a:uFillTx/>
-              <a:latin typeface="Calibri" panose="020F0502020204030204"/>
-              <a:ea typeface="+mn-ea"/>
-              <a:cs typeface="+mn-cs"/>
-            </a:endParaRPr>
-          </a:p>
-        </p:txBody>
-      </p:sp>
-      <p:sp>
-        <p:nvSpPr>
           <p:cNvPr id="7154" name="OTLSHAPE_T_be3ae38f60b3402d8a13f1e91eec41f5_Duration" hidden="1"/>
           <p:cNvSpPr txBox="1"/>
           <p:nvPr>
             <p:custDataLst>
-              <p:tags r:id="rId46"/>
+              <p:tags r:id="rId31"/>
             </p:custDataLst>
           </p:nvPr>
         </p:nvSpPr>
@@ -11512,7 +10435,7 @@
           <p:cNvSpPr txBox="1"/>
           <p:nvPr>
             <p:custDataLst>
-              <p:tags r:id="rId47"/>
+              <p:tags r:id="rId32"/>
             </p:custDataLst>
           </p:nvPr>
         </p:nvSpPr>
@@ -11572,7 +10495,7 @@
           <p:cNvSpPr txBox="1"/>
           <p:nvPr>
             <p:custDataLst>
-              <p:tags r:id="rId48"/>
+              <p:tags r:id="rId33"/>
             </p:custDataLst>
           </p:nvPr>
         </p:nvSpPr>
@@ -11632,14 +10555,14 @@
           <p:cNvSpPr txBox="1"/>
           <p:nvPr>
             <p:custDataLst>
-              <p:tags r:id="rId49"/>
+              <p:tags r:id="rId34"/>
             </p:custDataLst>
           </p:nvPr>
         </p:nvSpPr>
         <p:spPr>
           <a:xfrm>
-            <a:off x="9092744" y="307833"/>
-            <a:ext cx="1370518" cy="274329"/>
+            <a:off x="8601940" y="387358"/>
+            <a:ext cx="2733140" cy="1508776"/>
           </a:xfrm>
           <a:prstGeom prst="rect">
             <a:avLst/>
@@ -11684,10 +10607,29 @@
                 <a:ea typeface="+mn-ea"/>
                 <a:cs typeface="+mn-cs"/>
               </a:rPr>
-              <a:t>1: Reproduce</a:t>
-            </a:r>
-            <a:r>
-              <a:rPr kumimoji="0" lang="en-US" sz="1000" b="1" i="0" u="none" strike="noStrike" kern="1200" cap="none" spc="-4" normalizeH="0" noProof="0" dirty="0" smtClean="0">
+              <a:t>MAIN GOALS:</a:t>
+            </a:r>
+          </a:p>
+          <a:p>
+            <a:pPr marL="0" marR="0" lvl="0" indent="0" defTabSz="914400" rtl="0" eaLnBrk="1" fontAlgn="auto" latinLnBrk="0" hangingPunct="1">
+              <a:lnSpc>
+                <a:spcPct val="100000"/>
+              </a:lnSpc>
+              <a:spcBef>
+                <a:spcPts val="0"/>
+              </a:spcBef>
+              <a:spcAft>
+                <a:spcPts val="0"/>
+              </a:spcAft>
+              <a:buClrTx/>
+              <a:buSzTx/>
+              <a:buFontTx/>
+              <a:buNone/>
+              <a:tabLst/>
+              <a:defRPr/>
+            </a:pPr>
+            <a:r>
+              <a:rPr kumimoji="0" lang="en-US" sz="1000" b="1" i="0" u="none" strike="noStrike" kern="1200" cap="none" spc="-4" normalizeH="0" baseline="0" noProof="0" dirty="0" smtClean="0">
                 <a:ln>
                   <a:noFill/>
                 </a:ln>
@@ -11701,9 +10643,74 @@
                 <a:ea typeface="+mn-ea"/>
                 <a:cs typeface="+mn-cs"/>
               </a:rPr>
-              <a:t> Results</a:t>
-            </a:r>
-            <a:endParaRPr kumimoji="0" lang="en-US" sz="1000" b="1" i="0" u="none" strike="noStrike" kern="1200" cap="none" spc="-4" normalizeH="0" baseline="0" noProof="0" dirty="0">
+              <a:t>1</a:t>
+            </a:r>
+            <a:r>
+              <a:rPr kumimoji="0" lang="en-US" sz="1000" b="1" i="0" u="none" strike="noStrike" kern="1200" cap="none" spc="-4" normalizeH="0" baseline="0" noProof="0" dirty="0" smtClean="0">
+                <a:ln>
+                  <a:noFill/>
+                </a:ln>
+                <a:solidFill>
+                  <a:srgbClr val="737373"/>
+                </a:solidFill>
+                <a:effectLst/>
+                <a:uLnTx/>
+                <a:uFillTx/>
+                <a:latin typeface="Segoe UI" panose="020B0502040204020203" pitchFamily="34" charset="0"/>
+                <a:ea typeface="+mn-ea"/>
+                <a:cs typeface="+mn-cs"/>
+              </a:rPr>
+              <a:t>: Reproduce</a:t>
+            </a:r>
+            <a:r>
+              <a:rPr kumimoji="0" lang="en-US" sz="1000" b="1" i="0" u="none" strike="noStrike" kern="1200" cap="none" spc="-4" normalizeH="0" noProof="0" dirty="0" smtClean="0">
+                <a:ln>
+                  <a:noFill/>
+                </a:ln>
+                <a:solidFill>
+                  <a:srgbClr val="737373"/>
+                </a:solidFill>
+                <a:effectLst/>
+                <a:uLnTx/>
+                <a:uFillTx/>
+                <a:latin typeface="Segoe UI" panose="020B0502040204020203" pitchFamily="34" charset="0"/>
+                <a:ea typeface="+mn-ea"/>
+                <a:cs typeface="+mn-cs"/>
+              </a:rPr>
+              <a:t> </a:t>
+            </a:r>
+            <a:r>
+              <a:rPr kumimoji="0" lang="en-US" sz="1000" b="1" i="0" u="none" strike="noStrike" kern="1200" cap="none" spc="-4" normalizeH="0" noProof="0" dirty="0" smtClean="0">
+                <a:ln>
+                  <a:noFill/>
+                </a:ln>
+                <a:solidFill>
+                  <a:srgbClr val="737373"/>
+                </a:solidFill>
+                <a:effectLst/>
+                <a:uLnTx/>
+                <a:uFillTx/>
+                <a:latin typeface="Segoe UI" panose="020B0502040204020203" pitchFamily="34" charset="0"/>
+                <a:ea typeface="+mn-ea"/>
+                <a:cs typeface="+mn-cs"/>
+              </a:rPr>
+              <a:t>age prediction results</a:t>
+            </a:r>
+          </a:p>
+          <a:p>
+            <a:pPr>
+              <a:defRPr/>
+            </a:pPr>
+            <a:r>
+              <a:rPr lang="en-US" sz="1000" b="1" spc="-4" dirty="0" smtClean="0">
+                <a:solidFill>
+                  <a:srgbClr val="737373"/>
+                </a:solidFill>
+                <a:latin typeface="Segoe UI" panose="020B0502040204020203" pitchFamily="34" charset="0"/>
+              </a:rPr>
+              <a:t>2. Predict familial dyslexia</a:t>
+            </a:r>
+            <a:endParaRPr kumimoji="0" lang="en-US" sz="1000" b="1" i="0" u="none" strike="noStrike" kern="1200" cap="none" spc="-4" normalizeH="0" noProof="0" dirty="0" smtClean="0">
               <a:ln>
                 <a:noFill/>
               </a:ln>
@@ -11718,248 +10725,93 @@
               <a:cs typeface="+mn-cs"/>
             </a:endParaRPr>
           </a:p>
-        </p:txBody>
-      </p:sp>
-      <p:sp>
-        <p:nvSpPr>
-          <p:cNvPr id="7158" name="OTLSHAPE_T_be3ae38f60b3402d8a13f1e91eec41f5_JoinedDate"/>
-          <p:cNvSpPr txBox="1"/>
-          <p:nvPr>
-            <p:custDataLst>
-              <p:tags r:id="rId50"/>
-            </p:custDataLst>
-          </p:nvPr>
-        </p:nvSpPr>
-        <p:spPr>
-          <a:xfrm>
-            <a:off x="5847491" y="3966804"/>
-            <a:ext cx="961916" cy="250550"/>
-          </a:xfrm>
-          <a:prstGeom prst="rect">
-            <a:avLst/>
-          </a:prstGeom>
-          <a:noFill/>
-        </p:spPr>
-        <p:txBody>
-          <a:bodyPr vert="horz" wrap="square" lIns="0" tIns="0" rIns="0" bIns="0" rtlCol="0" anchor="ctr" anchorCtr="0">
-            <a:noAutofit/>
-          </a:bodyPr>
-          <a:lstStyle/>
-          <a:p>
-            <a:pPr marL="0" marR="0" lvl="0" indent="0" algn="l" defTabSz="914400" rtl="0" eaLnBrk="1" fontAlgn="auto" latinLnBrk="0" hangingPunct="1">
-              <a:lnSpc>
-                <a:spcPct val="100000"/>
-              </a:lnSpc>
-              <a:spcBef>
-                <a:spcPts val="0"/>
-              </a:spcBef>
-              <a:spcAft>
-                <a:spcPts val="0"/>
-              </a:spcAft>
-              <a:buClrTx/>
-              <a:buSzTx/>
-              <a:buFontTx/>
-              <a:buNone/>
-              <a:tabLst/>
+          <a:p>
+            <a:pPr>
               <a:defRPr/>
             </a:pPr>
             <a:r>
-              <a:rPr kumimoji="0" lang="en-US" sz="1000" b="0" i="0" u="none" strike="noStrike" kern="1200" cap="none" spc="-4" normalizeH="0" baseline="0" noProof="0">
-                <a:ln>
-                  <a:noFill/>
-                </a:ln>
+              <a:rPr lang="en-US" sz="1000" b="1" spc="-4" dirty="0" smtClean="0">
                 <a:solidFill>
                   <a:srgbClr val="737373"/>
                 </a:solidFill>
-                <a:effectLst/>
-                <a:uLnTx/>
-                <a:uFillTx/>
-                <a:latin typeface="Calibri" panose="020F0502020204030204" pitchFamily="34" charset="0"/>
-                <a:ea typeface="+mn-ea"/>
-                <a:cs typeface="+mn-cs"/>
+                <a:latin typeface="Segoe UI" panose="020B0502040204020203" pitchFamily="34" charset="0"/>
               </a:rPr>
-              <a:t>Aug 15 - Sep 7</a:t>
-            </a:r>
-          </a:p>
-        </p:txBody>
-      </p:sp>
-      <p:sp>
-        <p:nvSpPr>
-          <p:cNvPr id="7159" name="OTLSHAPE_T_be3ae38f60b3402d8a13f1e91eec41f5_TextPercentage"/>
-          <p:cNvSpPr txBox="1"/>
-          <p:nvPr>
-            <p:custDataLst>
-              <p:tags r:id="rId51"/>
-            </p:custDataLst>
-          </p:nvPr>
-        </p:nvSpPr>
-        <p:spPr>
-          <a:xfrm>
-            <a:off x="5512718" y="4019080"/>
-            <a:ext cx="381449" cy="153888"/>
-          </a:xfrm>
-          <a:prstGeom prst="rect">
-            <a:avLst/>
-          </a:prstGeom>
-          <a:noFill/>
-        </p:spPr>
-        <p:txBody>
-          <a:bodyPr vert="horz" wrap="square" lIns="0" tIns="0" rIns="0" bIns="0" rtlCol="0" anchor="ctr" anchorCtr="0">
-            <a:spAutoFit/>
-          </a:bodyPr>
-          <a:lstStyle/>
-          <a:p>
-            <a:pPr marL="0" marR="0" lvl="0" indent="0" algn="ctr" defTabSz="914400" rtl="0" eaLnBrk="1" fontAlgn="auto" latinLnBrk="0" hangingPunct="1">
-              <a:lnSpc>
-                <a:spcPct val="100000"/>
-              </a:lnSpc>
-              <a:spcBef>
-                <a:spcPts val="0"/>
-              </a:spcBef>
-              <a:spcAft>
-                <a:spcPts val="0"/>
-              </a:spcAft>
-              <a:buClrTx/>
-              <a:buSzTx/>
-              <a:buFontTx/>
-              <a:buNone/>
-              <a:tabLst/>
+              <a:t>3: </a:t>
+            </a:r>
+            <a:r>
+              <a:rPr lang="en-US" sz="1000" b="1" spc="-4" dirty="0">
+                <a:solidFill>
+                  <a:srgbClr val="737373"/>
+                </a:solidFill>
+                <a:latin typeface="Segoe UI" panose="020B0502040204020203" pitchFamily="34" charset="0"/>
+              </a:rPr>
+              <a:t>Use </a:t>
+            </a:r>
+            <a:r>
+              <a:rPr lang="en-US" sz="1000" b="1" spc="-4" dirty="0" smtClean="0">
+                <a:solidFill>
+                  <a:srgbClr val="737373"/>
+                </a:solidFill>
+                <a:latin typeface="Segoe UI" panose="020B0502040204020203" pitchFamily="34" charset="0"/>
+              </a:rPr>
+              <a:t>state-of-the-art models</a:t>
+            </a:r>
+          </a:p>
+          <a:p>
+            <a:pPr>
               <a:defRPr/>
             </a:pPr>
             <a:r>
-              <a:rPr kumimoji="0" lang="en-US" sz="1000" b="0" i="0" u="none" strike="noStrike" kern="1200" cap="none" spc="-8" normalizeH="0" baseline="0" noProof="0">
-                <a:ln>
-                  <a:noFill/>
-                </a:ln>
-                <a:solidFill>
-                  <a:prstClr val="white"/>
-                </a:solidFill>
-                <a:effectLst/>
-                <a:uLnTx/>
-                <a:uFillTx/>
-                <a:latin typeface="Calibri" panose="020F0502020204030204" pitchFamily="34" charset="0"/>
-                <a:ea typeface="+mn-ea"/>
-                <a:cs typeface="+mn-cs"/>
+              <a:rPr lang="en-US" sz="1000" b="1" spc="-4" dirty="0">
+                <a:solidFill>
+                  <a:srgbClr val="737373"/>
+                </a:solidFill>
+                <a:latin typeface="Segoe UI" panose="020B0502040204020203" pitchFamily="34" charset="0"/>
               </a:rPr>
-              <a:t>100%</a:t>
-            </a:r>
-          </a:p>
-        </p:txBody>
-      </p:sp>
-      <p:sp>
-        <p:nvSpPr>
-          <p:cNvPr id="7160" name="OTLSHAPE_T_9aa183d65df24b0c8fecd0a002471583_Shape"/>
-          <p:cNvSpPr/>
-          <p:nvPr>
-            <p:custDataLst>
-              <p:tags r:id="rId52"/>
-            </p:custDataLst>
-          </p:nvPr>
-        </p:nvSpPr>
-        <p:spPr>
-          <a:xfrm>
-            <a:off x="4177706" y="4586648"/>
-            <a:ext cx="1675060" cy="250550"/>
-          </a:xfrm>
-          <a:prstGeom prst="roundRect">
-            <a:avLst/>
-          </a:prstGeom>
-          <a:solidFill>
-            <a:schemeClr val="accent3"/>
-          </a:solidFill>
-          <a:ln w="12700" cap="flat" cmpd="sng" algn="ctr">
-            <a:noFill/>
-            <a:prstDash val="solid"/>
-            <a:miter lim="800000"/>
-          </a:ln>
-          <a:effectLst/>
-          <a:scene3d>
-            <a:camera prst="orthographicFront"/>
-            <a:lightRig rig="balanced" dir="t">
-              <a:rot lat="0" lon="0" rev="8700000"/>
-            </a:lightRig>
-          </a:scene3d>
-          <a:sp3d>
-            <a:bevelT w="165100" h="12700"/>
-          </a:sp3d>
-          <a:extLst>
-            <a:ext uri="{91240B29-F687-4F45-9708-019B960494DF}">
-              <a14:hiddenLine xmlns:a14="http://schemas.microsoft.com/office/drawing/2010/main" w="12700" cap="flat" cmpd="sng" algn="ctr">
-                <a:solidFill>
-                  <a:schemeClr val="accent1">
-                    <a:shade val="50000"/>
-                  </a:schemeClr>
-                </a:solidFill>
-                <a:prstDash val="solid"/>
-                <a:miter lim="800000"/>
-              </a14:hiddenLine>
-            </a:ext>
-            <a:ext uri="{AF507438-7753-43E0-B8FC-AC1667EBCBE1}">
-              <a14:hiddenEffects xmlns:a14="http://schemas.microsoft.com/office/drawing/2010/main">
-                <a:effectLst>
-                  <a:outerShdw>
-                    <a:scrgbClr r="0" g="0" b="0">
-                      <a:alpha val="50000"/>
-                    </a:scrgbClr>
-                  </a:outerShdw>
-                </a:effectLst>
-              </a14:hiddenEffects>
-            </a:ext>
-            <a:ext uri="{53640926-AAD7-44D8-BBD7-CCE9431645EC}">
-              <a14:shadowObscured xmlns:a14="http://schemas.microsoft.com/office/drawing/2010/main" val="1"/>
-            </a:ext>
-          </a:extLst>
-        </p:spPr>
-        <p:style>
-          <a:lnRef idx="2">
-            <a:schemeClr val="accent1">
-              <a:shade val="50000"/>
-            </a:schemeClr>
-          </a:lnRef>
-          <a:fillRef idx="1">
-            <a:schemeClr val="accent1"/>
-          </a:fillRef>
-          <a:effectRef idx="0">
-            <a:schemeClr val="accent1"/>
-          </a:effectRef>
-          <a:fontRef idx="minor">
-            <a:schemeClr val="lt1"/>
-          </a:fontRef>
-        </p:style>
-        <p:txBody>
-          <a:bodyPr rtlCol="0" anchor="ctr"/>
-          <a:lstStyle/>
-          <a:p>
-            <a:pPr marL="0" marR="0" lvl="0" indent="0" algn="ctr" defTabSz="914400" rtl="0" eaLnBrk="1" fontAlgn="auto" latinLnBrk="0" hangingPunct="1">
-              <a:lnSpc>
-                <a:spcPct val="100000"/>
-              </a:lnSpc>
-              <a:spcBef>
-                <a:spcPts val="0"/>
-              </a:spcBef>
-              <a:spcAft>
-                <a:spcPts val="0"/>
-              </a:spcAft>
-              <a:buClrTx/>
-              <a:buSzTx/>
-              <a:buFontTx/>
-              <a:buNone/>
-              <a:tabLst/>
+              <a:t>4</a:t>
+            </a:r>
+            <a:r>
+              <a:rPr lang="en-US" sz="1000" b="1" spc="-4" dirty="0" smtClean="0">
+                <a:solidFill>
+                  <a:srgbClr val="737373"/>
+                </a:solidFill>
+                <a:latin typeface="Segoe UI" panose="020B0502040204020203" pitchFamily="34" charset="0"/>
+              </a:rPr>
+              <a:t>. Make DL models explainable</a:t>
+            </a:r>
+          </a:p>
+          <a:p>
+            <a:pPr>
               <a:defRPr/>
             </a:pPr>
-            <a:endParaRPr kumimoji="0" lang="en-US" sz="1800" b="0" i="0" u="none" strike="noStrike" kern="1200" cap="none" spc="0" normalizeH="0" baseline="0" noProof="0">
-              <a:ln>
-                <a:noFill/>
-              </a:ln>
+            <a:r>
+              <a:rPr lang="en-US" sz="1000" b="1" spc="-4" dirty="0" smtClean="0">
+                <a:solidFill>
+                  <a:srgbClr val="737373"/>
+                </a:solidFill>
+                <a:latin typeface="Segoe UI" panose="020B0502040204020203" pitchFamily="34" charset="0"/>
+              </a:rPr>
+              <a:t>5. </a:t>
+            </a:r>
+            <a:r>
+              <a:rPr lang="en-US" sz="1000" b="1" spc="-4" dirty="0">
+                <a:solidFill>
+                  <a:srgbClr val="737373"/>
+                </a:solidFill>
+                <a:latin typeface="Segoe UI" panose="020B0502040204020203" pitchFamily="34" charset="0"/>
+              </a:rPr>
+              <a:t>Make code reusable</a:t>
+            </a:r>
+          </a:p>
+          <a:p>
+            <a:pPr>
+              <a:defRPr/>
+            </a:pPr>
+            <a:endParaRPr lang="en-US" sz="1000" b="1" spc="-4" dirty="0">
               <a:solidFill>
-                <a:prstClr val="white"/>
+                <a:srgbClr val="737373"/>
               </a:solidFill>
-              <a:effectLst/>
-              <a:uLnTx/>
-              <a:uFillTx/>
-              <a:latin typeface="Calibri" panose="020F0502020204030204"/>
-              <a:ea typeface="+mn-ea"/>
-              <a:cs typeface="+mn-cs"/>
+              <a:latin typeface="Segoe UI" panose="020B0502040204020203" pitchFamily="34" charset="0"/>
             </a:endParaRPr>
           </a:p>
         </p:txBody>
@@ -11970,7 +10822,7 @@
           <p:cNvSpPr txBox="1"/>
           <p:nvPr>
             <p:custDataLst>
-              <p:tags r:id="rId53"/>
+              <p:tags r:id="rId35"/>
             </p:custDataLst>
           </p:nvPr>
         </p:nvSpPr>
@@ -12033,7 +10885,7 @@
           <p:cNvSpPr txBox="1"/>
           <p:nvPr>
             <p:custDataLst>
-              <p:tags r:id="rId54"/>
+              <p:tags r:id="rId36"/>
             </p:custDataLst>
           </p:nvPr>
         </p:nvSpPr>
@@ -12093,7 +10945,7 @@
           <p:cNvSpPr txBox="1"/>
           <p:nvPr>
             <p:custDataLst>
-              <p:tags r:id="rId55"/>
+              <p:tags r:id="rId37"/>
             </p:custDataLst>
           </p:nvPr>
         </p:nvSpPr>
@@ -12149,318 +11001,11 @@
       </p:sp>
       <p:sp>
         <p:nvSpPr>
-          <p:cNvPr id="7165" name="OTLSHAPE_T_9aa183d65df24b0c8fecd0a002471583_Title"/>
-          <p:cNvSpPr txBox="1"/>
-          <p:nvPr>
-            <p:custDataLst>
-              <p:tags r:id="rId56"/>
-            </p:custDataLst>
-          </p:nvPr>
-        </p:nvSpPr>
-        <p:spPr>
-          <a:xfrm>
-            <a:off x="1449028" y="4664033"/>
-            <a:ext cx="1575550" cy="272990"/>
-          </a:xfrm>
-          <a:prstGeom prst="rect">
-            <a:avLst/>
-          </a:prstGeom>
-          <a:noFill/>
-        </p:spPr>
-        <p:txBody>
-          <a:bodyPr vert="horz" wrap="square" lIns="0" tIns="0" rIns="0" bIns="0" rtlCol="0" anchor="ctr" anchorCtr="0">
-            <a:noAutofit/>
-          </a:bodyPr>
-          <a:lstStyle/>
-          <a:p>
-            <a:pPr marL="0" marR="0" lvl="0" indent="0" algn="r" defTabSz="914400" rtl="0" eaLnBrk="1" fontAlgn="auto" latinLnBrk="0" hangingPunct="1">
-              <a:lnSpc>
-                <a:spcPct val="100000"/>
-              </a:lnSpc>
-              <a:spcBef>
-                <a:spcPts val="0"/>
-              </a:spcBef>
-              <a:spcAft>
-                <a:spcPts val="0"/>
-              </a:spcAft>
-              <a:buClrTx/>
-              <a:buSzTx/>
-              <a:buFontTx/>
-              <a:buNone/>
-              <a:tabLst/>
-              <a:defRPr/>
-            </a:pPr>
-            <a:r>
-              <a:rPr kumimoji="0" lang="en-US" sz="1000" b="1" i="0" u="none" strike="noStrike" kern="1200" cap="none" spc="-4" normalizeH="0" baseline="0" noProof="0" dirty="0">
-                <a:ln>
-                  <a:noFill/>
-                </a:ln>
-                <a:solidFill>
-                  <a:srgbClr val="737373"/>
-                </a:solidFill>
-                <a:effectLst/>
-                <a:uLnTx/>
-                <a:uFillTx/>
-                <a:latin typeface="Segoe UI" panose="020B0502040204020203" pitchFamily="34" charset="0"/>
-                <a:ea typeface="+mn-ea"/>
-                <a:cs typeface="+mn-cs"/>
-              </a:rPr>
-              <a:t>Phase 2 Work Effort</a:t>
-            </a:r>
-          </a:p>
-        </p:txBody>
-      </p:sp>
-      <p:sp>
-        <p:nvSpPr>
-          <p:cNvPr id="7166" name="OTLSHAPE_T_9aa183d65df24b0c8fecd0a002471583_JoinedDate"/>
-          <p:cNvSpPr txBox="1"/>
-          <p:nvPr>
-            <p:custDataLst>
-              <p:tags r:id="rId57"/>
-            </p:custDataLst>
-          </p:nvPr>
-        </p:nvSpPr>
-        <p:spPr>
-          <a:xfrm>
-            <a:off x="6221594" y="4199214"/>
-            <a:ext cx="1044839" cy="250550"/>
-          </a:xfrm>
-          <a:prstGeom prst="rect">
-            <a:avLst/>
-          </a:prstGeom>
-          <a:noFill/>
-        </p:spPr>
-        <p:txBody>
-          <a:bodyPr vert="horz" wrap="square" lIns="0" tIns="0" rIns="0" bIns="0" rtlCol="0" anchor="ctr" anchorCtr="0">
-            <a:noAutofit/>
-          </a:bodyPr>
-          <a:lstStyle/>
-          <a:p>
-            <a:pPr marL="0" marR="0" lvl="0" indent="0" algn="l" defTabSz="914400" rtl="0" eaLnBrk="1" fontAlgn="auto" latinLnBrk="0" hangingPunct="1">
-              <a:lnSpc>
-                <a:spcPct val="100000"/>
-              </a:lnSpc>
-              <a:spcBef>
-                <a:spcPts val="0"/>
-              </a:spcBef>
-              <a:spcAft>
-                <a:spcPts val="0"/>
-              </a:spcAft>
-              <a:buClrTx/>
-              <a:buSzTx/>
-              <a:buFontTx/>
-              <a:buNone/>
-              <a:tabLst/>
-              <a:defRPr/>
-            </a:pPr>
-            <a:r>
-              <a:rPr kumimoji="0" lang="en-US" sz="1000" b="0" i="0" u="none" strike="noStrike" kern="1200" cap="none" spc="-4" normalizeH="0" baseline="0" noProof="0">
-                <a:ln>
-                  <a:noFill/>
-                </a:ln>
-                <a:solidFill>
-                  <a:srgbClr val="737373"/>
-                </a:solidFill>
-                <a:effectLst/>
-                <a:uLnTx/>
-                <a:uFillTx/>
-                <a:latin typeface="Calibri" panose="020F0502020204030204" pitchFamily="34" charset="0"/>
-                <a:ea typeface="+mn-ea"/>
-                <a:cs typeface="+mn-cs"/>
-              </a:rPr>
-              <a:t>Aug 15 - Sep 17</a:t>
-            </a:r>
-          </a:p>
-        </p:txBody>
-      </p:sp>
-      <p:sp>
-        <p:nvSpPr>
-          <p:cNvPr id="7167" name="OTLSHAPE_T_9aa183d65df24b0c8fecd0a002471583_TextPercentage"/>
-          <p:cNvSpPr txBox="1"/>
-          <p:nvPr>
-            <p:custDataLst>
-              <p:tags r:id="rId58"/>
-            </p:custDataLst>
-          </p:nvPr>
-        </p:nvSpPr>
-        <p:spPr>
-          <a:xfrm>
-            <a:off x="5696827" y="4251490"/>
-            <a:ext cx="298526" cy="153888"/>
-          </a:xfrm>
-          <a:prstGeom prst="rect">
-            <a:avLst/>
-          </a:prstGeom>
-          <a:noFill/>
-        </p:spPr>
-        <p:txBody>
-          <a:bodyPr vert="horz" wrap="square" lIns="0" tIns="0" rIns="0" bIns="0" rtlCol="0" anchor="ctr" anchorCtr="0">
-            <a:spAutoFit/>
-          </a:bodyPr>
-          <a:lstStyle/>
-          <a:p>
-            <a:pPr marL="0" marR="0" lvl="0" indent="0" algn="ctr" defTabSz="914400" rtl="0" eaLnBrk="1" fontAlgn="auto" latinLnBrk="0" hangingPunct="1">
-              <a:lnSpc>
-                <a:spcPct val="100000"/>
-              </a:lnSpc>
-              <a:spcBef>
-                <a:spcPts val="0"/>
-              </a:spcBef>
-              <a:spcAft>
-                <a:spcPts val="0"/>
-              </a:spcAft>
-              <a:buClrTx/>
-              <a:buSzTx/>
-              <a:buFontTx/>
-              <a:buNone/>
-              <a:tabLst/>
-              <a:defRPr/>
-            </a:pPr>
-            <a:r>
-              <a:rPr kumimoji="0" lang="en-US" sz="1000" b="0" i="0" u="none" strike="noStrike" kern="1200" cap="none" spc="-10" normalizeH="0" baseline="0" noProof="0">
-                <a:ln>
-                  <a:noFill/>
-                </a:ln>
-                <a:solidFill>
-                  <a:prstClr val="white"/>
-                </a:solidFill>
-                <a:effectLst/>
-                <a:uLnTx/>
-                <a:uFillTx/>
-                <a:latin typeface="Calibri" panose="020F0502020204030204" pitchFamily="34" charset="0"/>
-                <a:ea typeface="+mn-ea"/>
-                <a:cs typeface="+mn-cs"/>
-              </a:rPr>
-              <a:t>80%</a:t>
-            </a:r>
-          </a:p>
-        </p:txBody>
-      </p:sp>
-      <p:sp>
-        <p:nvSpPr>
-          <p:cNvPr id="7168" name="OTLSHAPE_T_06a6a20021ea4acdac20b41f7b37b0dd_Shape"/>
-          <p:cNvSpPr/>
-          <p:nvPr>
-            <p:custDataLst>
-              <p:tags r:id="rId59"/>
-            </p:custDataLst>
-          </p:nvPr>
-        </p:nvSpPr>
-        <p:spPr>
-          <a:xfrm>
-            <a:off x="5846090" y="5499523"/>
-            <a:ext cx="863600" cy="155025"/>
-          </a:xfrm>
-          <a:prstGeom prst="roundRect">
-            <a:avLst/>
-          </a:prstGeom>
-          <a:solidFill>
-            <a:schemeClr val="accent4"/>
-          </a:solidFill>
-          <a:ln w="12700" cap="flat" cmpd="sng" algn="ctr">
-            <a:noFill/>
-            <a:prstDash val="solid"/>
-            <a:miter lim="800000"/>
-          </a:ln>
-          <a:effectLst/>
-          <a:scene3d>
-            <a:camera prst="orthographicFront"/>
-            <a:lightRig rig="balanced" dir="t">
-              <a:rot lat="0" lon="0" rev="8700000"/>
-            </a:lightRig>
-          </a:scene3d>
-          <a:sp3d>
-            <a:bevelT w="165100" h="12700"/>
-          </a:sp3d>
-          <a:extLst>
-            <a:ext uri="{91240B29-F687-4F45-9708-019B960494DF}">
-              <a14:hiddenLine xmlns:a14="http://schemas.microsoft.com/office/drawing/2010/main" w="12700" cap="flat" cmpd="sng" algn="ctr">
-                <a:solidFill>
-                  <a:schemeClr val="accent1">
-                    <a:shade val="50000"/>
-                  </a:schemeClr>
-                </a:solidFill>
-                <a:prstDash val="solid"/>
-                <a:miter lim="800000"/>
-              </a14:hiddenLine>
-            </a:ext>
-            <a:ext uri="{AF507438-7753-43E0-B8FC-AC1667EBCBE1}">
-              <a14:hiddenEffects xmlns:a14="http://schemas.microsoft.com/office/drawing/2010/main">
-                <a:effectLst>
-                  <a:outerShdw>
-                    <a:scrgbClr r="0" g="0" b="0">
-                      <a:alpha val="50000"/>
-                    </a:scrgbClr>
-                  </a:outerShdw>
-                </a:effectLst>
-              </a14:hiddenEffects>
-            </a:ext>
-            <a:ext uri="{53640926-AAD7-44D8-BBD7-CCE9431645EC}">
-              <a14:shadowObscured xmlns:a14="http://schemas.microsoft.com/office/drawing/2010/main" val="1"/>
-            </a:ext>
-          </a:extLst>
-        </p:spPr>
-        <p:style>
-          <a:lnRef idx="2">
-            <a:schemeClr val="accent1">
-              <a:shade val="50000"/>
-            </a:schemeClr>
-          </a:lnRef>
-          <a:fillRef idx="1">
-            <a:schemeClr val="accent1"/>
-          </a:fillRef>
-          <a:effectRef idx="0">
-            <a:schemeClr val="accent1"/>
-          </a:effectRef>
-          <a:fontRef idx="minor">
-            <a:schemeClr val="lt1"/>
-          </a:fontRef>
-        </p:style>
-        <p:txBody>
-          <a:bodyPr rtlCol="0" anchor="ctr"/>
-          <a:lstStyle/>
-          <a:p>
-            <a:pPr marL="0" marR="0" lvl="0" indent="0" algn="ctr" defTabSz="914400" rtl="0" eaLnBrk="1" fontAlgn="auto" latinLnBrk="0" hangingPunct="1">
-              <a:lnSpc>
-                <a:spcPct val="100000"/>
-              </a:lnSpc>
-              <a:spcBef>
-                <a:spcPts val="0"/>
-              </a:spcBef>
-              <a:spcAft>
-                <a:spcPts val="0"/>
-              </a:spcAft>
-              <a:buClrTx/>
-              <a:buSzTx/>
-              <a:buFontTx/>
-              <a:buNone/>
-              <a:tabLst/>
-              <a:defRPr/>
-            </a:pPr>
-            <a:endParaRPr kumimoji="0" lang="en-US" sz="1800" b="0" i="0" u="none" strike="noStrike" kern="1200" cap="none" spc="0" normalizeH="0" baseline="0" noProof="0">
-              <a:ln>
-                <a:noFill/>
-              </a:ln>
-              <a:solidFill>
-                <a:prstClr val="white"/>
-              </a:solidFill>
-              <a:effectLst/>
-              <a:uLnTx/>
-              <a:uFillTx/>
-              <a:latin typeface="Calibri" panose="020F0502020204030204"/>
-              <a:ea typeface="+mn-ea"/>
-              <a:cs typeface="+mn-cs"/>
-            </a:endParaRPr>
-          </a:p>
-        </p:txBody>
-      </p:sp>
-      <p:sp>
-        <p:nvSpPr>
           <p:cNvPr id="7170" name="OTLSHAPE_T_06a6a20021ea4acdac20b41f7b37b0dd_Duration" hidden="1"/>
           <p:cNvSpPr txBox="1"/>
           <p:nvPr>
             <p:custDataLst>
-              <p:tags r:id="rId60"/>
+              <p:tags r:id="rId38"/>
             </p:custDataLst>
           </p:nvPr>
         </p:nvSpPr>
@@ -12523,7 +11068,7 @@
           <p:cNvSpPr txBox="1"/>
           <p:nvPr>
             <p:custDataLst>
-              <p:tags r:id="rId61"/>
+              <p:tags r:id="rId39"/>
             </p:custDataLst>
           </p:nvPr>
         </p:nvSpPr>
@@ -12583,7 +11128,7 @@
           <p:cNvSpPr txBox="1"/>
           <p:nvPr>
             <p:custDataLst>
-              <p:tags r:id="rId62"/>
+              <p:tags r:id="rId40"/>
             </p:custDataLst>
           </p:nvPr>
         </p:nvSpPr>
@@ -12643,14 +11188,14 @@
           <p:cNvSpPr txBox="1"/>
           <p:nvPr>
             <p:custDataLst>
-              <p:tags r:id="rId63"/>
+              <p:tags r:id="rId41"/>
             </p:custDataLst>
           </p:nvPr>
         </p:nvSpPr>
         <p:spPr>
           <a:xfrm>
-            <a:off x="4550720" y="4424680"/>
-            <a:ext cx="1206500" cy="168910"/>
+            <a:off x="2168496" y="4273739"/>
+            <a:ext cx="1489729" cy="1590613"/>
           </a:xfrm>
           <a:prstGeom prst="rect">
             <a:avLst/>
@@ -12663,7 +11208,7 @@
           </a:bodyPr>
           <a:lstStyle/>
           <a:p>
-            <a:pPr marL="0" marR="0" lvl="0" indent="0" algn="r" defTabSz="914400" rtl="0" eaLnBrk="1" fontAlgn="auto" latinLnBrk="0" hangingPunct="1">
+            <a:pPr marL="0" marR="0" lvl="0" indent="0" defTabSz="914400" rtl="0" eaLnBrk="1" fontAlgn="auto" latinLnBrk="0" hangingPunct="1">
               <a:lnSpc>
                 <a:spcPct val="100000"/>
               </a:lnSpc>
@@ -12681,7 +11226,16 @@
               <a:defRPr/>
             </a:pPr>
             <a:r>
-              <a:rPr kumimoji="0" lang="en-US" sz="1000" b="1" i="0" u="none" strike="noStrike" kern="1200" cap="none" spc="-4" normalizeH="0" baseline="0" noProof="0">
+              <a:rPr lang="en-US" sz="1000" b="1" spc="-4" dirty="0" smtClean="0">
+                <a:solidFill>
+                  <a:srgbClr val="737373"/>
+                </a:solidFill>
+                <a:latin typeface="Segoe UI" panose="020B0502040204020203" pitchFamily="34" charset="0"/>
+              </a:rPr>
+              <a:t>Create p</a:t>
+            </a:r>
+            <a:r>
+              <a:rPr kumimoji="0" lang="en-US" sz="1000" b="1" i="0" u="none" strike="noStrike" kern="1200" cap="none" spc="-4" normalizeH="0" baseline="0" noProof="0" dirty="0" smtClean="0">
                 <a:ln>
                   <a:noFill/>
                 </a:ln>
@@ -12695,38 +11249,25 @@
                 <a:ea typeface="+mn-ea"/>
                 <a:cs typeface="+mn-cs"/>
               </a:rPr>
-              <a:t>Phase 3 Work Effort</a:t>
-            </a:r>
-          </a:p>
-        </p:txBody>
-      </p:sp>
-      <p:sp>
-        <p:nvSpPr>
-          <p:cNvPr id="7174" name="OTLSHAPE_T_06a6a20021ea4acdac20b41f7b37b0dd_JoinedDate"/>
-          <p:cNvSpPr txBox="1"/>
-          <p:nvPr>
-            <p:custDataLst>
-              <p:tags r:id="rId64"/>
-            </p:custDataLst>
-          </p:nvPr>
-        </p:nvSpPr>
-        <p:spPr>
-          <a:xfrm>
-            <a:off x="6707930" y="4431623"/>
-            <a:ext cx="723900" cy="155025"/>
-          </a:xfrm>
-          <a:prstGeom prst="rect">
-            <a:avLst/>
-          </a:prstGeom>
-          <a:noFill/>
-        </p:spPr>
-        <p:txBody>
-          <a:bodyPr vert="horz" wrap="square" lIns="0" tIns="0" rIns="0" bIns="0" rtlCol="0" anchor="ctr" anchorCtr="0">
-            <a:noAutofit/>
-          </a:bodyPr>
-          <a:lstStyle/>
-          <a:p>
-            <a:pPr marL="0" marR="0" lvl="0" indent="0" algn="l" defTabSz="914400" rtl="0" eaLnBrk="1" fontAlgn="auto" latinLnBrk="0" hangingPunct="1">
+              <a:t>reprocessing data pipeline</a:t>
+            </a:r>
+            <a:endParaRPr kumimoji="0" lang="en-US" sz="1000" b="1" i="0" u="none" strike="noStrike" kern="1200" cap="none" spc="-4" normalizeH="0" baseline="0" noProof="0" dirty="0" smtClean="0">
+              <a:ln>
+                <a:noFill/>
+              </a:ln>
+              <a:solidFill>
+                <a:srgbClr val="737373"/>
+              </a:solidFill>
+              <a:effectLst/>
+              <a:uLnTx/>
+              <a:uFillTx/>
+              <a:latin typeface="Segoe UI" panose="020B0502040204020203" pitchFamily="34" charset="0"/>
+              <a:ea typeface="+mn-ea"/>
+              <a:cs typeface="+mn-cs"/>
+            </a:endParaRPr>
+          </a:p>
+          <a:p>
+            <a:pPr marL="0" marR="0" lvl="0" indent="0" defTabSz="914400" rtl="0" eaLnBrk="1" fontAlgn="auto" latinLnBrk="0" hangingPunct="1">
               <a:lnSpc>
                 <a:spcPct val="100000"/>
               </a:lnSpc>
@@ -12743,53 +11284,23 @@
               <a:tabLst/>
               <a:defRPr/>
             </a:pPr>
-            <a:r>
-              <a:rPr kumimoji="0" lang="en-US" sz="1000" b="0" i="0" u="none" strike="noStrike" kern="1200" cap="none" spc="-4" normalizeH="0" baseline="0" noProof="0" dirty="0">
-                <a:ln>
-                  <a:noFill/>
-                </a:ln>
-                <a:solidFill>
-                  <a:srgbClr val="737373"/>
-                </a:solidFill>
-                <a:effectLst/>
-                <a:uLnTx/>
-                <a:uFillTx/>
-                <a:latin typeface="Calibri" panose="020F0502020204030204" pitchFamily="34" charset="0"/>
-                <a:ea typeface="+mn-ea"/>
-                <a:cs typeface="+mn-cs"/>
-              </a:rPr>
-              <a:t>Sep 8 - Sep 30</a:t>
-            </a:r>
-          </a:p>
-        </p:txBody>
-      </p:sp>
-      <p:sp>
-        <p:nvSpPr>
-          <p:cNvPr id="7175" name="OTLSHAPE_T_06a6a20021ea4acdac20b41f7b37b0dd_TextPercentage"/>
-          <p:cNvSpPr txBox="1"/>
-          <p:nvPr>
-            <p:custDataLst>
-              <p:tags r:id="rId65"/>
-            </p:custDataLst>
-          </p:nvPr>
-        </p:nvSpPr>
-        <p:spPr>
-          <a:xfrm>
-            <a:off x="6093382" y="4431623"/>
-            <a:ext cx="228600" cy="155025"/>
-          </a:xfrm>
-          <a:prstGeom prst="rect">
-            <a:avLst/>
-          </a:prstGeom>
-          <a:noFill/>
-        </p:spPr>
-        <p:txBody>
-          <a:bodyPr vert="horz" wrap="square" lIns="0" tIns="0" rIns="0" bIns="0" rtlCol="0" anchor="ctr" anchorCtr="0">
-            <a:spAutoFit/>
-          </a:bodyPr>
-          <a:lstStyle/>
-          <a:p>
-            <a:pPr marL="0" marR="0" lvl="0" indent="0" algn="ctr" defTabSz="914400" rtl="0" eaLnBrk="1" fontAlgn="auto" latinLnBrk="0" hangingPunct="1">
+            <a:endParaRPr kumimoji="0" lang="en-US" sz="1000" b="1" i="0" u="none" strike="noStrike" kern="1200" cap="none" spc="-4" normalizeH="0" baseline="0" noProof="0" dirty="0" smtClean="0">
+              <a:ln>
+                <a:noFill/>
+              </a:ln>
+              <a:solidFill>
+                <a:srgbClr val="737373"/>
+              </a:solidFill>
+              <a:effectLst/>
+              <a:uLnTx/>
+              <a:uFillTx/>
+              <a:latin typeface="Segoe UI" panose="020B0502040204020203" pitchFamily="34" charset="0"/>
+              <a:ea typeface="+mn-ea"/>
+              <a:cs typeface="+mn-cs"/>
+            </a:endParaRPr>
+          </a:p>
+          <a:p>
+            <a:pPr marL="0" marR="0" lvl="0" indent="0" defTabSz="914400" rtl="0" eaLnBrk="1" fontAlgn="auto" latinLnBrk="0" hangingPunct="1">
               <a:lnSpc>
                 <a:spcPct val="100000"/>
               </a:lnSpc>
@@ -12807,110 +11318,59 @@
               <a:defRPr/>
             </a:pPr>
             <a:r>
-              <a:rPr kumimoji="0" lang="en-US" sz="1000" b="0" i="0" u="none" strike="noStrike" kern="1200" cap="none" spc="-10" normalizeH="0" baseline="0" noProof="0">
+              <a:rPr kumimoji="0" lang="en-US" sz="1000" b="1" i="0" u="none" strike="noStrike" kern="1200" cap="none" spc="-4" normalizeH="0" noProof="0" dirty="0" smtClean="0">
                 <a:ln>
                   <a:noFill/>
                 </a:ln>
                 <a:solidFill>
-                  <a:prstClr val="white"/>
+                  <a:srgbClr val="737373"/>
                 </a:solidFill>
                 <a:effectLst/>
                 <a:uLnTx/>
                 <a:uFillTx/>
-                <a:latin typeface="Calibri" panose="020F0502020204030204" pitchFamily="34" charset="0"/>
+                <a:latin typeface="Segoe UI" panose="020B0502040204020203" pitchFamily="34" charset="0"/>
                 <a:ea typeface="+mn-ea"/>
                 <a:cs typeface="+mn-cs"/>
               </a:rPr>
-              <a:t>60%</a:t>
-            </a:r>
-          </a:p>
-        </p:txBody>
-      </p:sp>
-      <p:sp>
-        <p:nvSpPr>
-          <p:cNvPr id="7176" name="OTLSHAPE_T_e6f5c918bdd649a1ac919cf22468a23b_Shape"/>
-          <p:cNvSpPr/>
-          <p:nvPr>
-            <p:custDataLst>
-              <p:tags r:id="rId66"/>
-            </p:custDataLst>
-          </p:nvPr>
-        </p:nvSpPr>
-        <p:spPr>
-          <a:xfrm>
-            <a:off x="6959295" y="5672551"/>
-            <a:ext cx="1320800" cy="152400"/>
-          </a:xfrm>
-          <a:prstGeom prst="roundRect">
-            <a:avLst/>
-          </a:prstGeom>
-          <a:solidFill>
-            <a:srgbClr val="FEBA0A"/>
-          </a:solidFill>
-          <a:ln w="12700" cap="flat" cmpd="sng" algn="ctr">
-            <a:noFill/>
-            <a:prstDash val="solid"/>
-            <a:miter lim="800000"/>
-          </a:ln>
-          <a:effectLst/>
-          <a:scene3d>
-            <a:camera prst="orthographicFront"/>
-            <a:lightRig rig="balanced" dir="t">
-              <a:rot lat="0" lon="0" rev="8700000"/>
-            </a:lightRig>
-          </a:scene3d>
-          <a:sp3d>
-            <a:bevelT w="165100" h="12700"/>
-          </a:sp3d>
-          <a:extLst>
-            <a:ext uri="{91240B29-F687-4F45-9708-019B960494DF}">
-              <a14:hiddenLine xmlns:a14="http://schemas.microsoft.com/office/drawing/2010/main" w="12700" cap="flat" cmpd="sng" algn="ctr">
-                <a:solidFill>
-                  <a:schemeClr val="accent1">
-                    <a:shade val="50000"/>
-                  </a:schemeClr>
-                </a:solidFill>
-                <a:prstDash val="solid"/>
-                <a:miter lim="800000"/>
-              </a14:hiddenLine>
-            </a:ext>
-            <a:ext uri="{AF507438-7753-43E0-B8FC-AC1667EBCBE1}">
-              <a14:hiddenEffects xmlns:a14="http://schemas.microsoft.com/office/drawing/2010/main">
-                <a:effectLst>
-                  <a:outerShdw>
-                    <a:scrgbClr r="0" g="0" b="0">
-                      <a:alpha val="50000"/>
-                    </a:scrgbClr>
-                  </a:outerShdw>
-                </a:effectLst>
-              </a14:hiddenEffects>
-            </a:ext>
-            <a:ext uri="{53640926-AAD7-44D8-BBD7-CCE9431645EC}">
-              <a14:shadowObscured xmlns:a14="http://schemas.microsoft.com/office/drawing/2010/main" val="1"/>
-            </a:ext>
-          </a:extLst>
-        </p:spPr>
-        <p:style>
-          <a:lnRef idx="2">
-            <a:schemeClr val="accent1">
-              <a:shade val="50000"/>
-            </a:schemeClr>
-          </a:lnRef>
-          <a:fillRef idx="1">
-            <a:schemeClr val="accent1"/>
-          </a:fillRef>
-          <a:effectRef idx="0">
-            <a:schemeClr val="accent1"/>
-          </a:effectRef>
-          <a:fontRef idx="minor">
-            <a:schemeClr val="lt1"/>
-          </a:fontRef>
-        </p:style>
-        <p:txBody>
-          <a:bodyPr rtlCol="0" anchor="ctr"/>
-          <a:lstStyle/>
-          <a:p>
-            <a:pPr marL="0" marR="0" lvl="0" indent="0" algn="ctr" defTabSz="914400" rtl="0" eaLnBrk="1" fontAlgn="auto" latinLnBrk="0" hangingPunct="1">
+              <a:t>Research </a:t>
+            </a:r>
+            <a:r>
+              <a:rPr kumimoji="0" lang="en-US" sz="1000" b="1" i="0" u="none" strike="noStrike" kern="1200" cap="none" spc="-4" normalizeH="0" noProof="0" dirty="0" smtClean="0">
+                <a:ln>
+                  <a:noFill/>
+                </a:ln>
+                <a:solidFill>
+                  <a:srgbClr val="737373"/>
+                </a:solidFill>
+                <a:effectLst/>
+                <a:uLnTx/>
+                <a:uFillTx/>
+                <a:latin typeface="Segoe UI" panose="020B0502040204020203" pitchFamily="34" charset="0"/>
+                <a:ea typeface="+mn-ea"/>
+                <a:cs typeface="+mn-cs"/>
+              </a:rPr>
+              <a:t>and implement multiple </a:t>
+            </a:r>
+            <a:r>
+              <a:rPr kumimoji="0" lang="en-US" sz="1000" b="1" i="0" u="none" strike="noStrike" kern="1200" cap="none" spc="-4" normalizeH="0" noProof="0" dirty="0" smtClean="0">
+                <a:ln>
+                  <a:noFill/>
+                </a:ln>
+                <a:solidFill>
+                  <a:srgbClr val="737373"/>
+                </a:solidFill>
+                <a:effectLst/>
+                <a:uLnTx/>
+                <a:uFillTx/>
+                <a:latin typeface="Segoe UI" panose="020B0502040204020203" pitchFamily="34" charset="0"/>
+                <a:ea typeface="+mn-ea"/>
+                <a:cs typeface="+mn-cs"/>
+              </a:rPr>
+              <a:t>models:</a:t>
+            </a:r>
+          </a:p>
+          <a:p>
+            <a:pPr marL="0" marR="0" lvl="0" indent="0" defTabSz="914400" rtl="0" eaLnBrk="1" fontAlgn="auto" latinLnBrk="0" hangingPunct="1">
               <a:lnSpc>
                 <a:spcPct val="100000"/>
               </a:lnSpc>
@@ -12927,17 +11387,137 @@
               <a:tabLst/>
               <a:defRPr/>
             </a:pPr>
-            <a:endParaRPr kumimoji="0" lang="en-US" sz="1800" b="0" i="0" u="none" strike="noStrike" kern="1200" cap="none" spc="0" normalizeH="0" baseline="0" noProof="0">
+            <a:r>
+              <a:rPr lang="en-US" sz="1000" b="1" spc="-4" dirty="0" smtClean="0">
+                <a:solidFill>
+                  <a:srgbClr val="737373"/>
+                </a:solidFill>
+                <a:latin typeface="Segoe UI" panose="020B0502040204020203" pitchFamily="34" charset="0"/>
+              </a:rPr>
+              <a:t>FCNN/CNN/RNN/</a:t>
+            </a:r>
+          </a:p>
+          <a:p>
+            <a:pPr marL="0" marR="0" lvl="0" indent="0" defTabSz="914400" rtl="0" eaLnBrk="1" fontAlgn="auto" latinLnBrk="0" hangingPunct="1">
+              <a:lnSpc>
+                <a:spcPct val="100000"/>
+              </a:lnSpc>
+              <a:spcBef>
+                <a:spcPts val="0"/>
+              </a:spcBef>
+              <a:spcAft>
+                <a:spcPts val="0"/>
+              </a:spcAft>
+              <a:buClrTx/>
+              <a:buSzTx/>
+              <a:buFontTx/>
+              <a:buNone/>
+              <a:tabLst/>
+              <a:defRPr/>
+            </a:pPr>
+            <a:r>
+              <a:rPr lang="en-US" sz="1000" b="1" spc="-4" dirty="0" smtClean="0">
+                <a:solidFill>
+                  <a:srgbClr val="737373"/>
+                </a:solidFill>
+                <a:latin typeface="Segoe UI" panose="020B0502040204020203" pitchFamily="34" charset="0"/>
+              </a:rPr>
+              <a:t>  Transformer</a:t>
+            </a:r>
+          </a:p>
+          <a:p>
+            <a:pPr marL="0" marR="0" lvl="0" indent="0" defTabSz="914400" rtl="0" eaLnBrk="1" fontAlgn="auto" latinLnBrk="0" hangingPunct="1">
+              <a:lnSpc>
+                <a:spcPct val="100000"/>
+              </a:lnSpc>
+              <a:spcBef>
+                <a:spcPts val="0"/>
+              </a:spcBef>
+              <a:spcAft>
+                <a:spcPts val="0"/>
+              </a:spcAft>
+              <a:buClrTx/>
+              <a:buSzTx/>
+              <a:buFontTx/>
+              <a:buNone/>
+              <a:tabLst/>
+              <a:defRPr/>
+            </a:pPr>
+            <a:endParaRPr lang="en-US" sz="1000" b="1" spc="-4" baseline="0" dirty="0">
+              <a:solidFill>
+                <a:srgbClr val="737373"/>
+              </a:solidFill>
+              <a:latin typeface="Segoe UI" panose="020B0502040204020203" pitchFamily="34" charset="0"/>
+            </a:endParaRPr>
+          </a:p>
+          <a:p>
+            <a:pPr>
+              <a:defRPr/>
+            </a:pPr>
+            <a:r>
+              <a:rPr lang="en-US" sz="1000" b="1" spc="-4" dirty="0">
+                <a:solidFill>
+                  <a:srgbClr val="737373"/>
+                </a:solidFill>
+                <a:latin typeface="Segoe UI" panose="020B0502040204020203" pitchFamily="34" charset="0"/>
+              </a:rPr>
+              <a:t>Train on real EEG data</a:t>
+            </a:r>
+          </a:p>
+          <a:p>
+            <a:pPr marL="0" marR="0" lvl="0" indent="0" defTabSz="914400" rtl="0" eaLnBrk="1" fontAlgn="auto" latinLnBrk="0" hangingPunct="1">
+              <a:lnSpc>
+                <a:spcPct val="100000"/>
+              </a:lnSpc>
+              <a:spcBef>
+                <a:spcPts val="0"/>
+              </a:spcBef>
+              <a:spcAft>
+                <a:spcPts val="0"/>
+              </a:spcAft>
+              <a:buClrTx/>
+              <a:buSzTx/>
+              <a:buFontTx/>
+              <a:buNone/>
+              <a:tabLst/>
+              <a:defRPr/>
+            </a:pPr>
+            <a:endParaRPr lang="en-US" sz="1000" b="1" spc="-4" baseline="0" dirty="0">
+              <a:solidFill>
+                <a:srgbClr val="737373"/>
+              </a:solidFill>
+              <a:latin typeface="Segoe UI" panose="020B0502040204020203" pitchFamily="34" charset="0"/>
+            </a:endParaRPr>
+          </a:p>
+          <a:p>
+            <a:pPr marL="0" marR="0" lvl="0" indent="0" defTabSz="914400" rtl="0" eaLnBrk="1" fontAlgn="auto" latinLnBrk="0" hangingPunct="1">
+              <a:lnSpc>
+                <a:spcPct val="100000"/>
+              </a:lnSpc>
+              <a:spcBef>
+                <a:spcPts val="0"/>
+              </a:spcBef>
+              <a:spcAft>
+                <a:spcPts val="0"/>
+              </a:spcAft>
+              <a:buClrTx/>
+              <a:buSzTx/>
+              <a:buFontTx/>
+              <a:buNone/>
+              <a:tabLst/>
+              <a:defRPr/>
+            </a:pPr>
+            <a:endParaRPr kumimoji="0" lang="en-US" sz="1000" b="1" i="0" u="none" strike="noStrike" kern="1200" cap="none" spc="-4" normalizeH="0" baseline="0" noProof="0" dirty="0">
               <a:ln>
                 <a:noFill/>
               </a:ln>
               <a:solidFill>
-                <a:prstClr val="white"/>
+                <a:srgbClr val="737373"/>
               </a:solidFill>
               <a:effectLst/>
               <a:uLnTx/>
               <a:uFillTx/>
-              <a:latin typeface="Calibri" panose="020F0502020204030204"/>
+              <a:latin typeface="Segoe UI" panose="020B0502040204020203" pitchFamily="34" charset="0"/>
               <a:ea typeface="+mn-ea"/>
               <a:cs typeface="+mn-cs"/>
             </a:endParaRPr>
@@ -12950,7 +11530,7 @@
           <p:cNvSpPr/>
           <p:nvPr>
             <p:custDataLst>
-              <p:tags r:id="rId67"/>
+              <p:tags r:id="rId42"/>
             </p:custDataLst>
           </p:nvPr>
         </p:nvSpPr>
@@ -13023,7 +11603,7 @@
           <p:cNvSpPr txBox="1"/>
           <p:nvPr>
             <p:custDataLst>
-              <p:tags r:id="rId68"/>
+              <p:tags r:id="rId43"/>
             </p:custDataLst>
           </p:nvPr>
         </p:nvSpPr>
@@ -13086,7 +11666,7 @@
           <p:cNvSpPr txBox="1"/>
           <p:nvPr>
             <p:custDataLst>
-              <p:tags r:id="rId69"/>
+              <p:tags r:id="rId44"/>
             </p:custDataLst>
           </p:nvPr>
         </p:nvSpPr>
@@ -13146,7 +11726,7 @@
           <p:cNvSpPr txBox="1"/>
           <p:nvPr>
             <p:custDataLst>
-              <p:tags r:id="rId70"/>
+              <p:tags r:id="rId45"/>
             </p:custDataLst>
           </p:nvPr>
         </p:nvSpPr>
@@ -13202,185 +11782,11 @@
       </p:sp>
       <p:sp>
         <p:nvSpPr>
-          <p:cNvPr id="7181" name="OTLSHAPE_T_e6f5c918bdd649a1ac919cf22468a23b_Title"/>
-          <p:cNvSpPr txBox="1"/>
-          <p:nvPr>
-            <p:custDataLst>
-              <p:tags r:id="rId71"/>
-            </p:custDataLst>
-          </p:nvPr>
-        </p:nvSpPr>
-        <p:spPr>
-          <a:xfrm>
-            <a:off x="9092744" y="1358344"/>
-            <a:ext cx="1264300" cy="180108"/>
-          </a:xfrm>
-          <a:prstGeom prst="rect">
-            <a:avLst/>
-          </a:prstGeom>
-          <a:noFill/>
-        </p:spPr>
-        <p:txBody>
-          <a:bodyPr vert="horz" wrap="square" lIns="0" tIns="0" rIns="0" bIns="0" rtlCol="0" anchor="ctr" anchorCtr="0">
-            <a:noAutofit/>
-          </a:bodyPr>
-          <a:lstStyle/>
-          <a:p>
-            <a:pPr marL="0" marR="0" lvl="0" indent="0" defTabSz="914400" rtl="0" eaLnBrk="1" fontAlgn="auto" latinLnBrk="0" hangingPunct="1">
-              <a:lnSpc>
-                <a:spcPct val="100000"/>
-              </a:lnSpc>
-              <a:spcBef>
-                <a:spcPts val="0"/>
-              </a:spcBef>
-              <a:spcAft>
-                <a:spcPts val="0"/>
-              </a:spcAft>
-              <a:buClrTx/>
-              <a:buSzTx/>
-              <a:buFontTx/>
-              <a:buNone/>
-              <a:tabLst/>
-              <a:defRPr/>
-            </a:pPr>
-            <a:r>
-              <a:rPr kumimoji="0" lang="en-US" sz="1000" b="1" i="0" u="none" strike="noStrike" kern="1200" cap="none" spc="-12" normalizeH="0" baseline="0" noProof="0" dirty="0" smtClean="0">
-                <a:ln>
-                  <a:noFill/>
-                </a:ln>
-                <a:solidFill>
-                  <a:srgbClr val="737373"/>
-                </a:solidFill>
-                <a:effectLst/>
-                <a:uLnTx/>
-                <a:uFillTx/>
-                <a:latin typeface="Segoe UI" panose="020B0502040204020203" pitchFamily="34" charset="0"/>
-                <a:ea typeface="+mn-ea"/>
-                <a:cs typeface="+mn-cs"/>
-              </a:rPr>
-              <a:t>5. Writing Thesis</a:t>
-            </a:r>
-            <a:endParaRPr kumimoji="0" lang="en-US" sz="1000" b="1" i="0" u="none" strike="noStrike" kern="1200" cap="none" spc="-12" normalizeH="0" baseline="0" noProof="0" dirty="0">
-              <a:ln>
-                <a:noFill/>
-              </a:ln>
-              <a:solidFill>
-                <a:srgbClr val="737373"/>
-              </a:solidFill>
-              <a:effectLst/>
-              <a:uLnTx/>
-              <a:uFillTx/>
-              <a:latin typeface="Segoe UI" panose="020B0502040204020203" pitchFamily="34" charset="0"/>
-              <a:ea typeface="+mn-ea"/>
-              <a:cs typeface="+mn-cs"/>
-            </a:endParaRPr>
-          </a:p>
-        </p:txBody>
-      </p:sp>
-      <p:sp>
-        <p:nvSpPr>
-          <p:cNvPr id="7182" name="OTLSHAPE_T_e6f5c918bdd649a1ac919cf22468a23b_JoinedDate"/>
-          <p:cNvSpPr txBox="1"/>
-          <p:nvPr>
-            <p:custDataLst>
-              <p:tags r:id="rId72"/>
-            </p:custDataLst>
-          </p:nvPr>
-        </p:nvSpPr>
-        <p:spPr>
-          <a:xfrm>
-            <a:off x="8129525" y="4664033"/>
-            <a:ext cx="673100" cy="155025"/>
-          </a:xfrm>
-          <a:prstGeom prst="rect">
-            <a:avLst/>
-          </a:prstGeom>
-          <a:noFill/>
-        </p:spPr>
-        <p:txBody>
-          <a:bodyPr vert="horz" wrap="square" lIns="0" tIns="0" rIns="0" bIns="0" rtlCol="0" anchor="ctr" anchorCtr="0">
-            <a:noAutofit/>
-          </a:bodyPr>
-          <a:lstStyle/>
-          <a:p>
-            <a:pPr marL="0" marR="0" lvl="0" indent="0" algn="l" defTabSz="914400" rtl="0" eaLnBrk="1" fontAlgn="auto" latinLnBrk="0" hangingPunct="1">
-              <a:lnSpc>
-                <a:spcPct val="100000"/>
-              </a:lnSpc>
-              <a:spcBef>
-                <a:spcPts val="0"/>
-              </a:spcBef>
-              <a:spcAft>
-                <a:spcPts val="0"/>
-              </a:spcAft>
-              <a:buClrTx/>
-              <a:buSzTx/>
-              <a:buFontTx/>
-              <a:buNone/>
-              <a:tabLst/>
-              <a:defRPr/>
-            </a:pPr>
-            <a:r>
-              <a:rPr kumimoji="0" lang="en-US" sz="1000" b="0" i="0" u="none" strike="noStrike" kern="1200" cap="none" spc="-4" normalizeH="0" baseline="0" noProof="0" dirty="0">
-                <a:ln>
-                  <a:noFill/>
-                </a:ln>
-                <a:solidFill>
-                  <a:srgbClr val="737373"/>
-                </a:solidFill>
-                <a:effectLst/>
-                <a:uLnTx/>
-                <a:uFillTx/>
-                <a:latin typeface="Calibri" panose="020F0502020204030204" pitchFamily="34" charset="0"/>
-                <a:ea typeface="+mn-ea"/>
-                <a:cs typeface="+mn-cs"/>
-              </a:rPr>
-              <a:t>Oct 4 - </a:t>
-            </a:r>
-            <a:r>
-              <a:rPr kumimoji="0" lang="en-US" sz="1000" b="0" i="0" u="none" strike="noStrike" kern="1200" cap="none" spc="-4" normalizeH="0" baseline="0" noProof="0" dirty="0" smtClean="0">
-                <a:ln>
-                  <a:noFill/>
-                </a:ln>
-                <a:solidFill>
-                  <a:srgbClr val="737373"/>
-                </a:solidFill>
-                <a:effectLst/>
-                <a:uLnTx/>
-                <a:uFillTx/>
-                <a:latin typeface="Calibri" panose="020F0502020204030204" pitchFamily="34" charset="0"/>
-                <a:ea typeface="+mn-ea"/>
-                <a:cs typeface="+mn-cs"/>
-              </a:rPr>
-              <a:t>Nv </a:t>
-            </a:r>
-            <a:r>
-              <a:rPr kumimoji="0" lang="en-US" sz="1000" b="0" i="0" u="none" strike="noStrike" kern="1200" cap="none" spc="-4" normalizeH="0" baseline="0" noProof="0" dirty="0">
-                <a:ln>
-                  <a:noFill/>
-                </a:ln>
-                <a:solidFill>
-                  <a:srgbClr val="737373"/>
-                </a:solidFill>
-                <a:effectLst/>
-                <a:uLnTx/>
-                <a:uFillTx/>
-                <a:latin typeface="Calibri" panose="020F0502020204030204" pitchFamily="34" charset="0"/>
-                <a:ea typeface="+mn-ea"/>
-                <a:cs typeface="+mn-cs"/>
-              </a:rPr>
-              <a:t>7</a:t>
-            </a:r>
-          </a:p>
-        </p:txBody>
-      </p:sp>
-      <p:sp>
-        <p:nvSpPr>
           <p:cNvPr id="7183" name="OTLSHAPE_T_e6f5c918bdd649a1ac919cf22468a23b_TextPercentage" hidden="1"/>
           <p:cNvSpPr txBox="1"/>
           <p:nvPr>
             <p:custDataLst>
-              <p:tags r:id="rId73"/>
+              <p:tags r:id="rId46"/>
             </p:custDataLst>
           </p:nvPr>
         </p:nvSpPr>
@@ -13436,129 +11842,11 @@
       </p:sp>
       <p:sp>
         <p:nvSpPr>
-          <p:cNvPr id="7184" name="OTLSHAPE_T_c109be9d91f84f3e99e4929ce565dd0c_Shape"/>
-          <p:cNvSpPr/>
-          <p:nvPr>
-            <p:custDataLst>
-              <p:tags r:id="rId74"/>
-            </p:custDataLst>
-          </p:nvPr>
-        </p:nvSpPr>
-        <p:spPr>
-          <a:xfrm>
-            <a:off x="6485680" y="5995035"/>
-            <a:ext cx="1168400" cy="152400"/>
-          </a:xfrm>
-          <a:prstGeom prst="roundRect">
-            <a:avLst/>
-          </a:prstGeom>
-          <a:solidFill>
-            <a:srgbClr val="0072BC"/>
-          </a:solidFill>
-          <a:ln w="12700" cap="flat" cmpd="sng" algn="ctr">
-            <a:noFill/>
-            <a:prstDash val="solid"/>
-            <a:miter lim="800000"/>
-          </a:ln>
-          <a:effectLst/>
-          <a:scene3d>
-            <a:camera prst="orthographicFront"/>
-            <a:lightRig rig="balanced" dir="t">
-              <a:rot lat="0" lon="0" rev="8700000"/>
-            </a:lightRig>
-          </a:scene3d>
-          <a:sp3d>
-            <a:bevelT w="165100" h="12700"/>
-          </a:sp3d>
-          <a:extLst>
-            <a:ext uri="{91240B29-F687-4F45-9708-019B960494DF}">
-              <a14:hiddenLine xmlns:a14="http://schemas.microsoft.com/office/drawing/2010/main" w="12700" cap="flat" cmpd="sng" algn="ctr">
-                <a:solidFill>
-                  <a:schemeClr val="accent1">
-                    <a:shade val="50000"/>
-                  </a:schemeClr>
-                </a:solidFill>
-                <a:prstDash val="solid"/>
-                <a:miter lim="800000"/>
-              </a14:hiddenLine>
-            </a:ext>
-            <a:ext uri="{AF507438-7753-43E0-B8FC-AC1667EBCBE1}">
-              <a14:hiddenEffects xmlns:a14="http://schemas.microsoft.com/office/drawing/2010/main">
-                <a:effectLst>
-                  <a:outerShdw>
-                    <a:scrgbClr r="0" g="0" b="0">
-                      <a:alpha val="50000"/>
-                    </a:scrgbClr>
-                  </a:outerShdw>
-                </a:effectLst>
-              </a14:hiddenEffects>
-            </a:ext>
-            <a:ext uri="{53640926-AAD7-44D8-BBD7-CCE9431645EC}">
-              <a14:shadowObscured xmlns:a14="http://schemas.microsoft.com/office/drawing/2010/main" val="1"/>
-            </a:ext>
-          </a:extLst>
-        </p:spPr>
-        <p:style>
-          <a:lnRef idx="2">
-            <a:schemeClr val="accent1">
-              <a:shade val="50000"/>
-            </a:schemeClr>
-          </a:lnRef>
-          <a:fillRef idx="1">
-            <a:schemeClr val="accent1"/>
-          </a:fillRef>
-          <a:effectRef idx="0">
-            <a:schemeClr val="accent1"/>
-          </a:effectRef>
-          <a:fontRef idx="minor">
-            <a:schemeClr val="lt1"/>
-          </a:fontRef>
-        </p:style>
-        <p:txBody>
-          <a:bodyPr rtlCol="0" anchor="ctr"/>
-          <a:lstStyle/>
-          <a:p>
-            <a:pPr marL="0" marR="0" lvl="0" indent="0" algn="ctr" defTabSz="914400" rtl="0" eaLnBrk="1" fontAlgn="auto" latinLnBrk="0" hangingPunct="1">
-              <a:lnSpc>
-                <a:spcPct val="100000"/>
-              </a:lnSpc>
-              <a:spcBef>
-                <a:spcPts val="0"/>
-              </a:spcBef>
-              <a:spcAft>
-                <a:spcPts val="0"/>
-              </a:spcAft>
-              <a:buClrTx/>
-              <a:buSzTx/>
-              <a:buFontTx/>
-              <a:buNone/>
-              <a:tabLst/>
-              <a:defRPr/>
-            </a:pPr>
-            <a:endParaRPr kumimoji="0" lang="en-US" sz="1800" b="0" i="0" u="none" strike="noStrike" kern="1200" cap="none" spc="0" normalizeH="0" baseline="0" noProof="0">
-              <a:ln>
-                <a:noFill/>
-              </a:ln>
-              <a:solidFill>
-                <a:prstClr val="white"/>
-              </a:solidFill>
-              <a:effectLst/>
-              <a:uLnTx/>
-              <a:uFillTx/>
-              <a:latin typeface="Calibri" panose="020F0502020204030204"/>
-              <a:ea typeface="+mn-ea"/>
-              <a:cs typeface="+mn-cs"/>
-            </a:endParaRPr>
-          </a:p>
-        </p:txBody>
-      </p:sp>
-      <p:sp>
-        <p:nvSpPr>
           <p:cNvPr id="7185" name="OTLSHAPE_T_c109be9d91f84f3e99e4929ce565dd0c_ShapePercentage" hidden="1"/>
           <p:cNvSpPr/>
           <p:nvPr>
             <p:custDataLst>
-              <p:tags r:id="rId75"/>
+              <p:tags r:id="rId47"/>
             </p:custDataLst>
           </p:nvPr>
         </p:nvSpPr>
@@ -13631,7 +11919,7 @@
           <p:cNvSpPr txBox="1"/>
           <p:nvPr>
             <p:custDataLst>
-              <p:tags r:id="rId76"/>
+              <p:tags r:id="rId48"/>
             </p:custDataLst>
           </p:nvPr>
         </p:nvSpPr>
@@ -13694,7 +11982,7 @@
           <p:cNvSpPr txBox="1"/>
           <p:nvPr>
             <p:custDataLst>
-              <p:tags r:id="rId77"/>
+              <p:tags r:id="rId49"/>
             </p:custDataLst>
           </p:nvPr>
         </p:nvSpPr>
@@ -13754,7 +12042,7 @@
           <p:cNvSpPr txBox="1"/>
           <p:nvPr>
             <p:custDataLst>
-              <p:tags r:id="rId78"/>
+              <p:tags r:id="rId50"/>
             </p:custDataLst>
           </p:nvPr>
         </p:nvSpPr>
@@ -13814,13 +12102,13 @@
           <p:cNvSpPr txBox="1"/>
           <p:nvPr>
             <p:custDataLst>
-              <p:tags r:id="rId79"/>
+              <p:tags r:id="rId51"/>
             </p:custDataLst>
           </p:nvPr>
         </p:nvSpPr>
         <p:spPr>
           <a:xfrm>
-            <a:off x="10591100" y="2787856"/>
+            <a:off x="10761788" y="2779236"/>
             <a:ext cx="573291" cy="168189"/>
           </a:xfrm>
           <a:prstGeom prst="rect">
@@ -13891,13 +12179,13 @@
           <p:cNvSpPr txBox="1"/>
           <p:nvPr>
             <p:custDataLst>
-              <p:tags r:id="rId80"/>
+              <p:tags r:id="rId52"/>
             </p:custDataLst>
           </p:nvPr>
         </p:nvSpPr>
         <p:spPr>
           <a:xfrm>
-            <a:off x="10591100" y="2952748"/>
+            <a:off x="10761788" y="2944128"/>
             <a:ext cx="524152" cy="154363"/>
           </a:xfrm>
           <a:prstGeom prst="rect">
@@ -13985,7 +12273,7 @@
           <p:cNvSpPr txBox="1"/>
           <p:nvPr>
             <p:custDataLst>
-              <p:tags r:id="rId81"/>
+              <p:tags r:id="rId53"/>
             </p:custDataLst>
           </p:nvPr>
         </p:nvSpPr>
@@ -14150,18 +12438,73 @@
       </p:sp>
       <p:sp>
         <p:nvSpPr>
-          <p:cNvPr id="131" name="OTLSHAPE_T_be3ae38f60b3402d8a13f1e91eec41f5_Title"/>
+          <p:cNvPr id="87" name="OTLSHAPE_TB_00000000000000000000000000000000_TimescaleInterval2"/>
           <p:cNvSpPr txBox="1"/>
           <p:nvPr>
             <p:custDataLst>
-              <p:tags r:id="rId82"/>
+              <p:tags r:id="rId54"/>
             </p:custDataLst>
           </p:nvPr>
         </p:nvSpPr>
         <p:spPr>
           <a:xfrm>
-            <a:off x="9092744" y="595526"/>
-            <a:ext cx="1570404" cy="231653"/>
+            <a:off x="674438" y="3286730"/>
+            <a:ext cx="232186" cy="250550"/>
+          </a:xfrm>
+          <a:prstGeom prst="rect">
+            <a:avLst/>
+          </a:prstGeom>
+          <a:noFill/>
+        </p:spPr>
+        <p:txBody>
+          <a:bodyPr vert="horz" wrap="none" lIns="0" tIns="0" rIns="0" bIns="0" rtlCol="0" anchor="ctr" anchorCtr="0">
+            <a:noAutofit/>
+          </a:bodyPr>
+          <a:lstStyle/>
+          <a:p>
+            <a:pPr lvl="0">
+              <a:defRPr/>
+            </a:pPr>
+            <a:r>
+              <a:rPr lang="en-US" sz="2000" spc="-8" dirty="0" smtClean="0">
+                <a:solidFill>
+                  <a:prstClr val="white"/>
+                </a:solidFill>
+                <a:latin typeface="Calibri" panose="020F0502020204030204" pitchFamily="34" charset="0"/>
+              </a:rPr>
+              <a:t>May</a:t>
+            </a:r>
+            <a:endParaRPr kumimoji="0" lang="en-US" sz="2000" b="0" i="0" u="none" strike="noStrike" kern="1200" cap="none" spc="-8" normalizeH="0" baseline="0" noProof="0" dirty="0">
+              <a:ln>
+                <a:noFill/>
+              </a:ln>
+              <a:solidFill>
+                <a:prstClr val="white"/>
+              </a:solidFill>
+              <a:effectLst/>
+              <a:uLnTx/>
+              <a:uFillTx/>
+              <a:latin typeface="Calibri" panose="020F0502020204030204" pitchFamily="34" charset="0"/>
+              <a:ea typeface="+mn-ea"/>
+              <a:cs typeface="+mn-cs"/>
+            </a:endParaRPr>
+          </a:p>
+        </p:txBody>
+      </p:sp>
+      <p:sp>
+        <p:nvSpPr>
+          <p:cNvPr id="88" name="OTLSHAPE_T_06a6a20021ea4acdac20b41f7b37b0dd_Title"/>
+          <p:cNvSpPr txBox="1"/>
+          <p:nvPr>
+            <p:custDataLst>
+              <p:tags r:id="rId55"/>
+            </p:custDataLst>
+          </p:nvPr>
+        </p:nvSpPr>
+        <p:spPr>
+          <a:xfrm>
+            <a:off x="614174" y="4223278"/>
+            <a:ext cx="1455322" cy="1967183"/>
           </a:xfrm>
           <a:prstGeom prst="rect">
             <a:avLst/>
@@ -14206,10 +12549,71 @@
                 <a:ea typeface="+mn-ea"/>
                 <a:cs typeface="+mn-cs"/>
               </a:rPr>
-              <a:t>2: Use</a:t>
-            </a:r>
-            <a:r>
-              <a:rPr kumimoji="0" lang="en-US" sz="1000" b="1" i="0" u="none" strike="noStrike" kern="1200" cap="none" spc="-4" normalizeH="0" noProof="0" dirty="0" smtClean="0">
+              <a:t>Load data/metadata/events </a:t>
+            </a:r>
+            <a:r>
+              <a:rPr lang="en-US" sz="1000" b="1" spc="-4" dirty="0" smtClean="0">
+                <a:solidFill>
+                  <a:srgbClr val="737373"/>
+                </a:solidFill>
+                <a:latin typeface="Segoe UI" panose="020B0502040204020203" pitchFamily="34" charset="0"/>
+              </a:rPr>
+              <a:t>ePOD dataset</a:t>
+            </a:r>
+          </a:p>
+          <a:p>
+            <a:pPr marL="0" marR="0" lvl="0" indent="0" defTabSz="914400" rtl="0" eaLnBrk="1" fontAlgn="auto" latinLnBrk="0" hangingPunct="1">
+              <a:lnSpc>
+                <a:spcPct val="100000"/>
+              </a:lnSpc>
+              <a:spcBef>
+                <a:spcPts val="0"/>
+              </a:spcBef>
+              <a:spcAft>
+                <a:spcPts val="0"/>
+              </a:spcAft>
+              <a:buClrTx/>
+              <a:buSzTx/>
+              <a:buFontTx/>
+              <a:buNone/>
+              <a:tabLst/>
+              <a:defRPr/>
+            </a:pPr>
+            <a:endParaRPr kumimoji="0" lang="en-US" sz="1000" b="1" i="0" u="none" strike="noStrike" kern="1200" cap="none" spc="-4" normalizeH="0" baseline="0" noProof="0" dirty="0" smtClean="0">
+              <a:ln>
+                <a:noFill/>
+              </a:ln>
+              <a:solidFill>
+                <a:srgbClr val="737373"/>
+              </a:solidFill>
+              <a:effectLst/>
+              <a:uLnTx/>
+              <a:uFillTx/>
+              <a:latin typeface="Segoe UI" panose="020B0502040204020203" pitchFamily="34" charset="0"/>
+              <a:ea typeface="+mn-ea"/>
+              <a:cs typeface="+mn-cs"/>
+            </a:endParaRPr>
+          </a:p>
+          <a:p>
+            <a:pPr marL="0" marR="0" lvl="0" indent="0" defTabSz="914400" rtl="0" eaLnBrk="1" fontAlgn="auto" latinLnBrk="0" hangingPunct="1">
+              <a:lnSpc>
+                <a:spcPct val="100000"/>
+              </a:lnSpc>
+              <a:spcBef>
+                <a:spcPts val="0"/>
+              </a:spcBef>
+              <a:spcAft>
+                <a:spcPts val="0"/>
+              </a:spcAft>
+              <a:buClrTx/>
+              <a:buSzTx/>
+              <a:buFontTx/>
+              <a:buNone/>
+              <a:tabLst/>
+              <a:defRPr/>
+            </a:pPr>
+            <a:r>
+              <a:rPr kumimoji="0" lang="en-US" sz="1000" b="1" i="0" u="none" strike="noStrike" kern="1200" cap="none" spc="-4" normalizeH="0" baseline="0" noProof="0" dirty="0" smtClean="0">
                 <a:ln>
                   <a:noFill/>
                 </a:ln>
@@ -14223,7 +12627,197 @@
                 <a:ea typeface="+mn-ea"/>
                 <a:cs typeface="+mn-cs"/>
               </a:rPr>
-              <a:t> Transformer model</a:t>
+              <a:t>Create dummy data generator</a:t>
+            </a:r>
+          </a:p>
+          <a:p>
+            <a:pPr marL="0" marR="0" lvl="0" indent="0" defTabSz="914400" rtl="0" eaLnBrk="1" fontAlgn="auto" latinLnBrk="0" hangingPunct="1">
+              <a:lnSpc>
+                <a:spcPct val="100000"/>
+              </a:lnSpc>
+              <a:spcBef>
+                <a:spcPts val="0"/>
+              </a:spcBef>
+              <a:spcAft>
+                <a:spcPts val="0"/>
+              </a:spcAft>
+              <a:buClrTx/>
+              <a:buSzTx/>
+              <a:buFontTx/>
+              <a:buNone/>
+              <a:tabLst/>
+              <a:defRPr/>
+            </a:pPr>
+            <a:endParaRPr lang="en-US" sz="1000" b="1" spc="-4" dirty="0">
+              <a:solidFill>
+                <a:srgbClr val="737373"/>
+              </a:solidFill>
+              <a:latin typeface="Segoe UI" panose="020B0502040204020203" pitchFamily="34" charset="0"/>
+            </a:endParaRPr>
+          </a:p>
+          <a:p>
+            <a:pPr marL="0" marR="0" lvl="0" indent="0" defTabSz="914400" rtl="0" eaLnBrk="1" fontAlgn="auto" latinLnBrk="0" hangingPunct="1">
+              <a:lnSpc>
+                <a:spcPct val="100000"/>
+              </a:lnSpc>
+              <a:spcBef>
+                <a:spcPts val="0"/>
+              </a:spcBef>
+              <a:spcAft>
+                <a:spcPts val="0"/>
+              </a:spcAft>
+              <a:buClrTx/>
+              <a:buSzTx/>
+              <a:buFontTx/>
+              <a:buNone/>
+              <a:tabLst/>
+              <a:defRPr/>
+            </a:pPr>
+            <a:r>
+              <a:rPr kumimoji="0" lang="en-US" sz="1000" b="1" i="0" u="none" strike="noStrike" kern="1200" cap="none" spc="-4" normalizeH="0" baseline="0" noProof="0" dirty="0" smtClean="0">
+                <a:ln>
+                  <a:noFill/>
+                </a:ln>
+                <a:solidFill>
+                  <a:srgbClr val="737373"/>
+                </a:solidFill>
+                <a:effectLst/>
+                <a:uLnTx/>
+                <a:uFillTx/>
+                <a:latin typeface="Segoe UI" panose="020B0502040204020203" pitchFamily="34" charset="0"/>
+                <a:ea typeface="+mn-ea"/>
+                <a:cs typeface="+mn-cs"/>
+              </a:rPr>
+              <a:t>Create simple </a:t>
+            </a:r>
+            <a:r>
+              <a:rPr kumimoji="0" lang="en-US" sz="1000" b="1" i="0" u="none" strike="noStrike" kern="1200" cap="none" spc="-4" normalizeH="0" baseline="0" noProof="0" dirty="0" smtClean="0">
+                <a:ln>
+                  <a:noFill/>
+                </a:ln>
+                <a:solidFill>
+                  <a:srgbClr val="737373"/>
+                </a:solidFill>
+                <a:effectLst/>
+                <a:uLnTx/>
+                <a:uFillTx/>
+                <a:latin typeface="Segoe UI" panose="020B0502040204020203" pitchFamily="34" charset="0"/>
+                <a:ea typeface="+mn-ea"/>
+                <a:cs typeface="+mn-cs"/>
+              </a:rPr>
+              <a:t>DL classificication </a:t>
+            </a:r>
+            <a:r>
+              <a:rPr kumimoji="0" lang="en-US" sz="1000" b="1" i="0" u="none" strike="noStrike" kern="1200" cap="none" spc="-4" normalizeH="0" baseline="0" noProof="0" dirty="0" smtClean="0">
+                <a:ln>
+                  <a:noFill/>
+                </a:ln>
+                <a:solidFill>
+                  <a:srgbClr val="737373"/>
+                </a:solidFill>
+                <a:effectLst/>
+                <a:uLnTx/>
+                <a:uFillTx/>
+                <a:latin typeface="Segoe UI" panose="020B0502040204020203" pitchFamily="34" charset="0"/>
+                <a:ea typeface="+mn-ea"/>
+                <a:cs typeface="+mn-cs"/>
+              </a:rPr>
+              <a:t>model for EEG data</a:t>
+            </a:r>
+          </a:p>
+          <a:p>
+            <a:pPr marL="0" marR="0" lvl="0" indent="0" defTabSz="914400" rtl="0" eaLnBrk="1" fontAlgn="auto" latinLnBrk="0" hangingPunct="1">
+              <a:lnSpc>
+                <a:spcPct val="100000"/>
+              </a:lnSpc>
+              <a:spcBef>
+                <a:spcPts val="0"/>
+              </a:spcBef>
+              <a:spcAft>
+                <a:spcPts val="0"/>
+              </a:spcAft>
+              <a:buClrTx/>
+              <a:buSzTx/>
+              <a:buFontTx/>
+              <a:buNone/>
+              <a:tabLst/>
+              <a:defRPr/>
+            </a:pPr>
+            <a:endParaRPr lang="en-US" sz="1000" b="1" spc="-4" dirty="0">
+              <a:solidFill>
+                <a:srgbClr val="737373"/>
+              </a:solidFill>
+              <a:latin typeface="Segoe UI" panose="020B0502040204020203" pitchFamily="34" charset="0"/>
+            </a:endParaRPr>
+          </a:p>
+          <a:p>
+            <a:pPr marL="0" marR="0" lvl="0" indent="0" defTabSz="914400" rtl="0" eaLnBrk="1" fontAlgn="auto" latinLnBrk="0" hangingPunct="1">
+              <a:lnSpc>
+                <a:spcPct val="100000"/>
+              </a:lnSpc>
+              <a:spcBef>
+                <a:spcPts val="0"/>
+              </a:spcBef>
+              <a:spcAft>
+                <a:spcPts val="0"/>
+              </a:spcAft>
+              <a:buClrTx/>
+              <a:buSzTx/>
+              <a:buFontTx/>
+              <a:buNone/>
+              <a:tabLst/>
+              <a:defRPr/>
+            </a:pPr>
+            <a:r>
+              <a:rPr kumimoji="0" lang="en-US" sz="1000" b="1" i="0" u="none" strike="noStrike" kern="1200" cap="none" spc="-4" normalizeH="0" baseline="0" noProof="0" dirty="0" smtClean="0">
+                <a:ln>
+                  <a:noFill/>
+                </a:ln>
+                <a:solidFill>
+                  <a:srgbClr val="737373"/>
+                </a:solidFill>
+                <a:effectLst/>
+                <a:uLnTx/>
+                <a:uFillTx/>
+                <a:latin typeface="Segoe UI" panose="020B0502040204020203" pitchFamily="34" charset="0"/>
+                <a:ea typeface="+mn-ea"/>
+                <a:cs typeface="+mn-cs"/>
+              </a:rPr>
+              <a:t>Learn</a:t>
+            </a:r>
+            <a:r>
+              <a:rPr kumimoji="0" lang="en-US" sz="1000" b="1" i="0" u="none" strike="noStrike" kern="1200" cap="none" spc="-4" normalizeH="0" noProof="0" dirty="0" smtClean="0">
+                <a:ln>
+                  <a:noFill/>
+                </a:ln>
+                <a:solidFill>
+                  <a:srgbClr val="737373"/>
+                </a:solidFill>
+                <a:effectLst/>
+                <a:uLnTx/>
+                <a:uFillTx/>
+                <a:latin typeface="Segoe UI" panose="020B0502040204020203" pitchFamily="34" charset="0"/>
+                <a:ea typeface="+mn-ea"/>
+                <a:cs typeface="+mn-cs"/>
+              </a:rPr>
+              <a:t> about </a:t>
+            </a:r>
+            <a:r>
+              <a:rPr kumimoji="0" lang="en-US" sz="1000" b="1" i="0" u="none" strike="noStrike" kern="1200" cap="none" spc="-4" normalizeH="0" baseline="0" noProof="0" dirty="0" smtClean="0">
+                <a:ln>
+                  <a:noFill/>
+                </a:ln>
+                <a:solidFill>
+                  <a:srgbClr val="737373"/>
+                </a:solidFill>
+                <a:effectLst/>
+                <a:uLnTx/>
+                <a:uFillTx/>
+                <a:latin typeface="Segoe UI" panose="020B0502040204020203" pitchFamily="34" charset="0"/>
+                <a:ea typeface="+mn-ea"/>
+                <a:cs typeface="+mn-cs"/>
+              </a:rPr>
+              <a:t>GitHub/Kanban/Surf</a:t>
             </a:r>
             <a:endParaRPr kumimoji="0" lang="en-US" sz="1000" b="1" i="0" u="none" strike="noStrike" kern="1200" cap="none" spc="-4" normalizeH="0" baseline="0" noProof="0" dirty="0">
               <a:ln>
@@ -14240,22 +12834,377 @@
               <a:cs typeface="+mn-cs"/>
             </a:endParaRPr>
           </a:p>
-        </p:txBody>
-      </p:sp>
-      <p:sp>
-        <p:nvSpPr>
-          <p:cNvPr id="132" name="OTLSHAPE_T_be3ae38f60b3402d8a13f1e91eec41f5_Title"/>
-          <p:cNvSpPr txBox="1"/>
+          <a:p>
+            <a:pPr marL="0" marR="0" lvl="0" indent="0" defTabSz="914400" rtl="0" eaLnBrk="1" fontAlgn="auto" latinLnBrk="0" hangingPunct="1">
+              <a:lnSpc>
+                <a:spcPct val="100000"/>
+              </a:lnSpc>
+              <a:spcBef>
+                <a:spcPts val="0"/>
+              </a:spcBef>
+              <a:spcAft>
+                <a:spcPts val="0"/>
+              </a:spcAft>
+              <a:buClrTx/>
+              <a:buSzTx/>
+              <a:buFontTx/>
+              <a:buNone/>
+              <a:tabLst/>
+              <a:defRPr/>
+            </a:pPr>
+            <a:endParaRPr kumimoji="0" lang="en-US" sz="1000" b="1" i="0" u="none" strike="noStrike" kern="1200" cap="none" spc="-4" normalizeH="0" baseline="0" noProof="0" dirty="0" smtClean="0">
+              <a:ln>
+                <a:noFill/>
+              </a:ln>
+              <a:solidFill>
+                <a:srgbClr val="737373"/>
+              </a:solidFill>
+              <a:effectLst/>
+              <a:uLnTx/>
+              <a:uFillTx/>
+              <a:latin typeface="Segoe UI" panose="020B0502040204020203" pitchFamily="34" charset="0"/>
+              <a:ea typeface="+mn-ea"/>
+              <a:cs typeface="+mn-cs"/>
+            </a:endParaRPr>
+          </a:p>
+        </p:txBody>
+      </p:sp>
+      <p:cxnSp>
+        <p:nvCxnSpPr>
+          <p:cNvPr id="89" name="OTLSHAPE_M_a58f29487c0343c08abcf41913e40cae_Connector1"/>
+          <p:cNvCxnSpPr/>
           <p:nvPr>
             <p:custDataLst>
-              <p:tags r:id="rId83"/>
+              <p:tags r:id="rId56"/>
             </p:custDataLst>
           </p:nvPr>
-        </p:nvSpPr>
+        </p:nvCxnSpPr>
         <p:spPr>
           <a:xfrm>
-            <a:off x="9092744" y="873370"/>
-            <a:ext cx="1199830" cy="231653"/>
+            <a:off x="2522560" y="2569641"/>
+            <a:ext cx="0" cy="582180"/>
+          </a:xfrm>
+          <a:prstGeom prst="line">
+            <a:avLst/>
+          </a:prstGeom>
+          <a:ln w="9525" cap="flat" cmpd="sng" algn="ctr">
+            <a:solidFill>
+              <a:schemeClr val="accent1"/>
+            </a:solidFill>
+            <a:prstDash val="solid"/>
+            <a:miter lim="800000"/>
+            <a:headEnd type="none" w="med" len="med"/>
+            <a:tailEnd type="none" w="med" len="med"/>
+          </a:ln>
+        </p:spPr>
+        <p:style>
+          <a:lnRef idx="1">
+            <a:schemeClr val="accent1"/>
+          </a:lnRef>
+          <a:fillRef idx="0">
+            <a:schemeClr val="accent1"/>
+          </a:fillRef>
+          <a:effectRef idx="0">
+            <a:schemeClr val="accent1"/>
+          </a:effectRef>
+          <a:fontRef idx="minor">
+            <a:schemeClr val="tx1"/>
+          </a:fontRef>
+        </p:style>
+      </p:cxnSp>
+      <p:sp>
+        <p:nvSpPr>
+          <p:cNvPr id="90" name="OTLSHAPE_M_a58f29487c0343c08abcf41913e40cae_Title"/>
+          <p:cNvSpPr txBox="1"/>
+          <p:nvPr>
+            <p:custDataLst>
+              <p:tags r:id="rId57"/>
+            </p:custDataLst>
+          </p:nvPr>
+        </p:nvSpPr>
+        <p:spPr>
+          <a:xfrm>
+            <a:off x="2211086" y="2171029"/>
+            <a:ext cx="738321" cy="316423"/>
+          </a:xfrm>
+          <a:prstGeom prst="rect">
+            <a:avLst/>
+          </a:prstGeom>
+          <a:noFill/>
+        </p:spPr>
+        <p:txBody>
+          <a:bodyPr vert="horz" wrap="square" lIns="0" tIns="0" rIns="0" bIns="0" rtlCol="0" anchor="ctr" anchorCtr="0">
+            <a:noAutofit/>
+          </a:bodyPr>
+          <a:lstStyle/>
+          <a:p>
+            <a:pPr marL="0" marR="0" lvl="0" indent="0" algn="ctr" defTabSz="914400" rtl="0" eaLnBrk="1" fontAlgn="auto" latinLnBrk="0" hangingPunct="1">
+              <a:lnSpc>
+                <a:spcPct val="100000"/>
+              </a:lnSpc>
+              <a:spcBef>
+                <a:spcPts val="0"/>
+              </a:spcBef>
+              <a:spcAft>
+                <a:spcPts val="0"/>
+              </a:spcAft>
+              <a:buClrTx/>
+              <a:buSzTx/>
+              <a:buFontTx/>
+              <a:buNone/>
+              <a:tabLst/>
+              <a:defRPr/>
+            </a:pPr>
+            <a:r>
+              <a:rPr kumimoji="0" lang="en-US" sz="1200" b="1" i="0" u="none" strike="noStrike" kern="1200" cap="none" spc="-14" normalizeH="0" baseline="0" noProof="0" dirty="0" smtClean="0">
+                <a:ln>
+                  <a:noFill/>
+                </a:ln>
+                <a:solidFill>
+                  <a:srgbClr val="737373"/>
+                </a:solidFill>
+                <a:effectLst/>
+                <a:uLnTx/>
+                <a:uFillTx/>
+                <a:latin typeface="Calibri" panose="020F0502020204030204" pitchFamily="34" charset="0"/>
+                <a:ea typeface="+mn-ea"/>
+                <a:cs typeface="+mn-cs"/>
+              </a:rPr>
+              <a:t>This Meeting</a:t>
+            </a:r>
+            <a:endParaRPr kumimoji="0" lang="en-US" sz="1200" b="1" i="0" u="none" strike="noStrike" kern="1200" cap="none" spc="-14" normalizeH="0" baseline="0" noProof="0" dirty="0" smtClean="0">
+              <a:ln>
+                <a:noFill/>
+              </a:ln>
+              <a:solidFill>
+                <a:srgbClr val="737373"/>
+              </a:solidFill>
+              <a:effectLst/>
+              <a:uLnTx/>
+              <a:uFillTx/>
+              <a:latin typeface="Calibri" panose="020F0502020204030204" pitchFamily="34" charset="0"/>
+              <a:ea typeface="+mn-ea"/>
+              <a:cs typeface="+mn-cs"/>
+            </a:endParaRPr>
+          </a:p>
+        </p:txBody>
+      </p:sp>
+      <p:sp>
+        <p:nvSpPr>
+          <p:cNvPr id="91" name="OTLSHAPE_M_a58f29487c0343c08abcf41913e40cae_Date"/>
+          <p:cNvSpPr txBox="1"/>
+          <p:nvPr>
+            <p:custDataLst>
+              <p:tags r:id="rId58"/>
+            </p:custDataLst>
+          </p:nvPr>
+        </p:nvSpPr>
+        <p:spPr>
+          <a:xfrm>
+            <a:off x="2588940" y="2744029"/>
+            <a:ext cx="393700" cy="155025"/>
+          </a:xfrm>
+          <a:prstGeom prst="rect">
+            <a:avLst/>
+          </a:prstGeom>
+          <a:noFill/>
+        </p:spPr>
+        <p:txBody>
+          <a:bodyPr vert="horz" wrap="square" lIns="0" tIns="0" rIns="0" bIns="0" rtlCol="0" anchor="ctr" anchorCtr="0">
+            <a:noAutofit/>
+          </a:bodyPr>
+          <a:lstStyle/>
+          <a:p>
+            <a:pPr marL="0" marR="0" lvl="0" indent="0" algn="l" defTabSz="914400" rtl="0" eaLnBrk="1" fontAlgn="auto" latinLnBrk="0" hangingPunct="1">
+              <a:lnSpc>
+                <a:spcPct val="100000"/>
+              </a:lnSpc>
+              <a:spcBef>
+                <a:spcPts val="0"/>
+              </a:spcBef>
+              <a:spcAft>
+                <a:spcPts val="0"/>
+              </a:spcAft>
+              <a:buClrTx/>
+              <a:buSzTx/>
+              <a:buFontTx/>
+              <a:buNone/>
+              <a:tabLst/>
+              <a:defRPr/>
+            </a:pPr>
+            <a:r>
+              <a:rPr kumimoji="0" lang="en-US" sz="1000" b="0" i="0" u="none" strike="noStrike" kern="1200" cap="none" spc="-8" normalizeH="0" baseline="0" noProof="0" dirty="0" smtClean="0">
+                <a:ln>
+                  <a:noFill/>
+                </a:ln>
+                <a:solidFill>
+                  <a:srgbClr val="A6A6A6"/>
+                </a:solidFill>
+                <a:effectLst/>
+                <a:uLnTx/>
+                <a:uFillTx/>
+                <a:latin typeface="Calibri" panose="020F0502020204030204" pitchFamily="34" charset="0"/>
+                <a:ea typeface="+mn-ea"/>
+                <a:cs typeface="+mn-cs"/>
+              </a:rPr>
+              <a:t>June 8</a:t>
+            </a:r>
+          </a:p>
+        </p:txBody>
+      </p:sp>
+      <p:sp>
+        <p:nvSpPr>
+          <p:cNvPr id="92" name="OTLSHAPE_M_a58f29487c0343c08abcf41913e40cae_Shape"/>
+          <p:cNvSpPr/>
+          <p:nvPr>
+            <p:custDataLst>
+              <p:tags r:id="rId59"/>
+            </p:custDataLst>
+          </p:nvPr>
+        </p:nvSpPr>
+        <p:spPr>
+          <a:xfrm rot="16200000">
+            <a:off x="2506390" y="2535413"/>
+            <a:ext cx="165100" cy="165100"/>
+          </a:xfrm>
+          <a:prstGeom prst="flowChartMerge">
+            <a:avLst/>
+          </a:prstGeom>
+          <a:solidFill>
+            <a:schemeClr val="accent3"/>
+          </a:solidFill>
+          <a:ln w="12700" cap="flat" cmpd="sng" algn="ctr">
+            <a:noFill/>
+            <a:prstDash val="solid"/>
+            <a:miter lim="800000"/>
+          </a:ln>
+          <a:effectLst/>
+          <a:scene3d>
+            <a:camera prst="orthographicFront"/>
+            <a:lightRig rig="threePt" dir="t"/>
+          </a:scene3d>
+          <a:sp3d>
+            <a:bevelT h="12700"/>
+          </a:sp3d>
+          <a:extLst>
+            <a:ext uri="{53640926-AAD7-44D8-BBD7-CCE9431645EC}">
+              <a14:shadowObscured xmlns:a14="http://schemas.microsoft.com/office/drawing/2010/main" val="1"/>
+            </a:ext>
+          </a:extLst>
+        </p:spPr>
+        <p:style>
+          <a:lnRef idx="2">
+            <a:schemeClr val="accent1">
+              <a:shade val="50000"/>
+            </a:schemeClr>
+          </a:lnRef>
+          <a:fillRef idx="1">
+            <a:schemeClr val="accent1"/>
+          </a:fillRef>
+          <a:effectRef idx="0">
+            <a:schemeClr val="accent1"/>
+          </a:effectRef>
+          <a:fontRef idx="minor">
+            <a:schemeClr val="lt1"/>
+          </a:fontRef>
+        </p:style>
+        <p:txBody>
+          <a:bodyPr rtlCol="0" anchor="ctr"/>
+          <a:lstStyle/>
+          <a:p>
+            <a:pPr marL="0" marR="0" lvl="0" indent="0" algn="ctr" defTabSz="914400" rtl="0" eaLnBrk="1" fontAlgn="auto" latinLnBrk="0" hangingPunct="1">
+              <a:lnSpc>
+                <a:spcPct val="100000"/>
+              </a:lnSpc>
+              <a:spcBef>
+                <a:spcPts val="0"/>
+              </a:spcBef>
+              <a:spcAft>
+                <a:spcPts val="0"/>
+              </a:spcAft>
+              <a:buClrTx/>
+              <a:buSzTx/>
+              <a:buFontTx/>
+              <a:buNone/>
+              <a:tabLst/>
+              <a:defRPr/>
+            </a:pPr>
+            <a:endParaRPr kumimoji="0" lang="en-US" sz="1800" b="0" i="0" u="none" strike="noStrike" kern="1200" cap="none" spc="0" normalizeH="0" baseline="0" noProof="0">
+              <a:ln>
+                <a:noFill/>
+              </a:ln>
+              <a:solidFill>
+                <a:srgbClr val="FF0000"/>
+              </a:solidFill>
+              <a:effectLst/>
+              <a:uLnTx/>
+              <a:uFillTx/>
+              <a:latin typeface="Calibri" panose="020F0502020204030204"/>
+              <a:ea typeface="+mn-ea"/>
+              <a:cs typeface="+mn-cs"/>
+            </a:endParaRPr>
+          </a:p>
+        </p:txBody>
+      </p:sp>
+      <p:cxnSp>
+        <p:nvCxnSpPr>
+          <p:cNvPr id="93" name="OTLSHAPE_TB_00000000000000000000000000000000_Separator1"/>
+          <p:cNvCxnSpPr/>
+          <p:nvPr>
+            <p:custDataLst>
+              <p:tags r:id="rId60"/>
+            </p:custDataLst>
+          </p:nvPr>
+        </p:nvCxnSpPr>
+        <p:spPr>
+          <a:xfrm>
+            <a:off x="2104995" y="4050587"/>
+            <a:ext cx="31750" cy="2133335"/>
+          </a:xfrm>
+          <a:prstGeom prst="line">
+            <a:avLst/>
+          </a:prstGeom>
+          <a:ln w="6350" cap="flat" cmpd="sng" algn="ctr">
+            <a:solidFill>
+              <a:schemeClr val="tx1">
+                <a:alpha val="29804"/>
+              </a:schemeClr>
+            </a:solidFill>
+            <a:prstDash val="solid"/>
+            <a:miter lim="800000"/>
+            <a:headEnd type="none" w="med" len="med"/>
+            <a:tailEnd type="none" w="med" len="med"/>
+          </a:ln>
+        </p:spPr>
+        <p:style>
+          <a:lnRef idx="1">
+            <a:schemeClr val="accent1"/>
+          </a:lnRef>
+          <a:fillRef idx="0">
+            <a:schemeClr val="accent1"/>
+          </a:fillRef>
+          <a:effectRef idx="0">
+            <a:schemeClr val="accent1"/>
+          </a:effectRef>
+          <a:fontRef idx="minor">
+            <a:schemeClr val="tx1"/>
+          </a:fontRef>
+        </p:style>
+      </p:cxnSp>
+      <p:sp>
+        <p:nvSpPr>
+          <p:cNvPr id="99" name="OTLSHAPE_T_06a6a20021ea4acdac20b41f7b37b0dd_Title"/>
+          <p:cNvSpPr txBox="1"/>
+          <p:nvPr>
+            <p:custDataLst>
+              <p:tags r:id="rId61"/>
+            </p:custDataLst>
+          </p:nvPr>
+        </p:nvSpPr>
+        <p:spPr>
+          <a:xfrm>
+            <a:off x="3721723" y="3993588"/>
+            <a:ext cx="1383007" cy="2133335"/>
           </a:xfrm>
           <a:prstGeom prst="rect">
             <a:avLst/>
@@ -14300,7 +13249,122 @@
                 <a:ea typeface="+mn-ea"/>
                 <a:cs typeface="+mn-cs"/>
               </a:rPr>
-              <a:t>3. Predict Dyslexia</a:t>
+              <a:t>Predict age on DDP and ePOD dataset</a:t>
+            </a:r>
+          </a:p>
+          <a:p>
+            <a:pPr marL="0" marR="0" lvl="0" indent="0" defTabSz="914400" rtl="0" eaLnBrk="1" fontAlgn="auto" latinLnBrk="0" hangingPunct="1">
+              <a:lnSpc>
+                <a:spcPct val="100000"/>
+              </a:lnSpc>
+              <a:spcBef>
+                <a:spcPts val="0"/>
+              </a:spcBef>
+              <a:spcAft>
+                <a:spcPts val="0"/>
+              </a:spcAft>
+              <a:buClrTx/>
+              <a:buSzTx/>
+              <a:buFontTx/>
+              <a:buNone/>
+              <a:tabLst/>
+              <a:defRPr/>
+            </a:pPr>
+            <a:endParaRPr lang="en-US" sz="1000" b="1" spc="-4" dirty="0">
+              <a:solidFill>
+                <a:srgbClr val="737373"/>
+              </a:solidFill>
+              <a:latin typeface="Segoe UI" panose="020B0502040204020203" pitchFamily="34" charset="0"/>
+            </a:endParaRPr>
+          </a:p>
+          <a:p>
+            <a:pPr>
+              <a:defRPr/>
+            </a:pPr>
+            <a:r>
+              <a:rPr lang="en-US" sz="1000" b="1" spc="-4" dirty="0">
+                <a:solidFill>
+                  <a:srgbClr val="737373"/>
+                </a:solidFill>
+                <a:latin typeface="Segoe UI" panose="020B0502040204020203" pitchFamily="34" charset="0"/>
+              </a:rPr>
+              <a:t>Make code </a:t>
+            </a:r>
+            <a:r>
+              <a:rPr lang="en-US" sz="1000" b="1" spc="-4" dirty="0" smtClean="0">
+                <a:solidFill>
+                  <a:srgbClr val="737373"/>
+                </a:solidFill>
+                <a:latin typeface="Segoe UI" panose="020B0502040204020203" pitchFamily="34" charset="0"/>
+              </a:rPr>
+              <a:t>reproducable (the code should at minimum be able to process DDP and ePOD dataset)</a:t>
+            </a:r>
+            <a:endParaRPr lang="en-US" sz="1000" b="1" spc="-4" dirty="0">
+              <a:solidFill>
+                <a:srgbClr val="737373"/>
+              </a:solidFill>
+              <a:latin typeface="Segoe UI" panose="020B0502040204020203" pitchFamily="34" charset="0"/>
+            </a:endParaRPr>
+          </a:p>
+          <a:p>
+            <a:pPr marL="0" marR="0" lvl="0" indent="0" defTabSz="914400" rtl="0" eaLnBrk="1" fontAlgn="auto" latinLnBrk="0" hangingPunct="1">
+              <a:lnSpc>
+                <a:spcPct val="100000"/>
+              </a:lnSpc>
+              <a:spcBef>
+                <a:spcPts val="0"/>
+              </a:spcBef>
+              <a:spcAft>
+                <a:spcPts val="0"/>
+              </a:spcAft>
+              <a:buClrTx/>
+              <a:buSzTx/>
+              <a:buFontTx/>
+              <a:buNone/>
+              <a:tabLst/>
+              <a:defRPr/>
+            </a:pPr>
+            <a:endParaRPr lang="en-US" sz="1000" b="1" spc="-4" dirty="0">
+              <a:solidFill>
+                <a:srgbClr val="737373"/>
+              </a:solidFill>
+              <a:latin typeface="Segoe UI" panose="020B0502040204020203" pitchFamily="34" charset="0"/>
+            </a:endParaRPr>
+          </a:p>
+          <a:p>
+            <a:pPr marL="0" marR="0" lvl="0" indent="0" defTabSz="914400" rtl="0" eaLnBrk="1" fontAlgn="auto" latinLnBrk="0" hangingPunct="1">
+              <a:lnSpc>
+                <a:spcPct val="100000"/>
+              </a:lnSpc>
+              <a:spcBef>
+                <a:spcPts val="0"/>
+              </a:spcBef>
+              <a:spcAft>
+                <a:spcPts val="0"/>
+              </a:spcAft>
+              <a:buClrTx/>
+              <a:buSzTx/>
+              <a:buFontTx/>
+              <a:buNone/>
+              <a:tabLst/>
+              <a:defRPr/>
+            </a:pPr>
+            <a:r>
+              <a:rPr kumimoji="0" lang="en-US" sz="1000" b="1" i="0" u="none" strike="noStrike" kern="1200" cap="none" spc="-4" normalizeH="0" noProof="0" dirty="0" smtClean="0">
+                <a:ln>
+                  <a:noFill/>
+                </a:ln>
+                <a:solidFill>
+                  <a:srgbClr val="737373"/>
+                </a:solidFill>
+                <a:effectLst/>
+                <a:uLnTx/>
+                <a:uFillTx/>
+                <a:latin typeface="Segoe UI" panose="020B0502040204020203" pitchFamily="34" charset="0"/>
+                <a:ea typeface="+mn-ea"/>
+                <a:cs typeface="+mn-cs"/>
+              </a:rPr>
+              <a:t>Implement most promising DL models</a:t>
             </a:r>
             <a:endParaRPr kumimoji="0" lang="en-US" sz="1000" b="1" i="0" u="none" strike="noStrike" kern="1200" cap="none" spc="-4" normalizeH="0" baseline="0" noProof="0" dirty="0">
               <a:ln>
@@ -14319,20 +13383,65 @@
           </a:p>
         </p:txBody>
       </p:sp>
-      <p:sp>
-        <p:nvSpPr>
-          <p:cNvPr id="133" name="OTLSHAPE_T_be3ae38f60b3402d8a13f1e91eec41f5_Title"/>
-          <p:cNvSpPr txBox="1"/>
+      <p:cxnSp>
+        <p:nvCxnSpPr>
+          <p:cNvPr id="100" name="OTLSHAPE_TB_00000000000000000000000000000000_Separator1"/>
+          <p:cNvCxnSpPr/>
           <p:nvPr>
             <p:custDataLst>
-              <p:tags r:id="rId84"/>
+              <p:tags r:id="rId62"/>
             </p:custDataLst>
           </p:nvPr>
-        </p:nvSpPr>
+        </p:nvCxnSpPr>
         <p:spPr>
           <a:xfrm>
-            <a:off x="9092744" y="1115235"/>
-            <a:ext cx="2687255" cy="204917"/>
+            <a:off x="3664320" y="3993588"/>
+            <a:ext cx="31750" cy="2133335"/>
+          </a:xfrm>
+          <a:prstGeom prst="line">
+            <a:avLst/>
+          </a:prstGeom>
+          <a:ln w="6350" cap="flat" cmpd="sng" algn="ctr">
+            <a:solidFill>
+              <a:schemeClr val="tx1">
+                <a:alpha val="29804"/>
+              </a:schemeClr>
+            </a:solidFill>
+            <a:prstDash val="solid"/>
+            <a:miter lim="800000"/>
+            <a:headEnd type="none" w="med" len="med"/>
+            <a:tailEnd type="none" w="med" len="med"/>
+          </a:ln>
+        </p:spPr>
+        <p:style>
+          <a:lnRef idx="1">
+            <a:schemeClr val="accent1"/>
+          </a:lnRef>
+          <a:fillRef idx="0">
+            <a:schemeClr val="accent1"/>
+          </a:fillRef>
+          <a:effectRef idx="0">
+            <a:schemeClr val="accent1"/>
+          </a:effectRef>
+          <a:fontRef idx="minor">
+            <a:schemeClr val="tx1"/>
+          </a:fontRef>
+        </p:style>
+      </p:cxnSp>
+      <p:sp>
+        <p:nvSpPr>
+          <p:cNvPr id="101" name="OTLSHAPE_M_52743de8bb6d4044896f473898fe9da7_Title"/>
+          <p:cNvSpPr txBox="1"/>
+          <p:nvPr>
+            <p:custDataLst>
+              <p:tags r:id="rId63"/>
+            </p:custDataLst>
+          </p:nvPr>
+        </p:nvSpPr>
+        <p:spPr>
+          <a:xfrm>
+            <a:off x="6079283" y="2373711"/>
+            <a:ext cx="1332620" cy="480341"/>
           </a:xfrm>
           <a:prstGeom prst="rect">
             <a:avLst/>
@@ -14345,6 +13454,541 @@
           </a:bodyPr>
           <a:lstStyle/>
           <a:p>
+            <a:pPr marL="0" marR="0" lvl="0" indent="0" algn="ctr" defTabSz="914400" rtl="0" eaLnBrk="1" fontAlgn="auto" latinLnBrk="0" hangingPunct="1">
+              <a:lnSpc>
+                <a:spcPct val="100000"/>
+              </a:lnSpc>
+              <a:spcBef>
+                <a:spcPts val="0"/>
+              </a:spcBef>
+              <a:spcAft>
+                <a:spcPts val="0"/>
+              </a:spcAft>
+              <a:buClrTx/>
+              <a:buSzTx/>
+              <a:buFontTx/>
+              <a:buNone/>
+              <a:tabLst/>
+              <a:defRPr/>
+            </a:pPr>
+            <a:r>
+              <a:rPr lang="en-US" sz="1200" b="1" spc="-8" dirty="0" smtClean="0">
+                <a:solidFill>
+                  <a:srgbClr val="737373"/>
+                </a:solidFill>
+                <a:latin typeface="Calibri" panose="020F0502020204030204" pitchFamily="34" charset="0"/>
+              </a:rPr>
+              <a:t>Model </a:t>
+            </a:r>
+            <a:r>
+              <a:rPr lang="en-US" sz="1200" b="1" spc="-8" dirty="0" smtClean="0">
+                <a:solidFill>
+                  <a:srgbClr val="737373"/>
+                </a:solidFill>
+                <a:latin typeface="Calibri" panose="020F0502020204030204" pitchFamily="34" charset="0"/>
+              </a:rPr>
+              <a:t>evaluation</a:t>
+            </a:r>
+            <a:endParaRPr kumimoji="0" lang="en-US" sz="1200" b="1" i="0" u="none" strike="noStrike" kern="1200" cap="none" spc="-8" normalizeH="0" baseline="0" noProof="0" dirty="0">
+              <a:ln>
+                <a:noFill/>
+              </a:ln>
+              <a:solidFill>
+                <a:srgbClr val="737373"/>
+              </a:solidFill>
+              <a:effectLst/>
+              <a:uLnTx/>
+              <a:uFillTx/>
+              <a:latin typeface="Calibri" panose="020F0502020204030204" pitchFamily="34" charset="0"/>
+              <a:ea typeface="+mn-ea"/>
+              <a:cs typeface="+mn-cs"/>
+            </a:endParaRPr>
+          </a:p>
+        </p:txBody>
+      </p:sp>
+      <p:sp>
+        <p:nvSpPr>
+          <p:cNvPr id="103" name="OTLSHAPE_M_52743de8bb6d4044896f473898fe9da7_Shape"/>
+          <p:cNvSpPr/>
+          <p:nvPr>
+            <p:custDataLst>
+              <p:tags r:id="rId64"/>
+            </p:custDataLst>
+          </p:nvPr>
+        </p:nvSpPr>
+        <p:spPr>
+          <a:xfrm>
+            <a:off x="6578054" y="2913377"/>
+            <a:ext cx="298526" cy="410511"/>
+          </a:xfrm>
+          <a:prstGeom prst="diamond">
+            <a:avLst/>
+          </a:prstGeom>
+          <a:solidFill>
+            <a:schemeClr val="accent5">
+              <a:lumMod val="40000"/>
+              <a:lumOff val="60000"/>
+            </a:schemeClr>
+          </a:solidFill>
+          <a:ln w="12700" cap="flat" cmpd="sng" algn="ctr">
+            <a:noFill/>
+            <a:prstDash val="solid"/>
+            <a:miter lim="800000"/>
+          </a:ln>
+          <a:effectLst/>
+          <a:scene3d>
+            <a:camera prst="orthographicFront"/>
+            <a:lightRig rig="threePt" dir="t"/>
+          </a:scene3d>
+          <a:sp3d>
+            <a:bevelT h="12700"/>
+          </a:sp3d>
+          <a:extLst>
+            <a:ext uri="{53640926-AAD7-44D8-BBD7-CCE9431645EC}">
+              <a14:shadowObscured xmlns:a14="http://schemas.microsoft.com/office/drawing/2010/main" val="1"/>
+            </a:ext>
+          </a:extLst>
+        </p:spPr>
+        <p:style>
+          <a:lnRef idx="2">
+            <a:schemeClr val="accent1">
+              <a:shade val="50000"/>
+            </a:schemeClr>
+          </a:lnRef>
+          <a:fillRef idx="1">
+            <a:schemeClr val="accent1"/>
+          </a:fillRef>
+          <a:effectRef idx="0">
+            <a:schemeClr val="accent1"/>
+          </a:effectRef>
+          <a:fontRef idx="minor">
+            <a:schemeClr val="lt1"/>
+          </a:fontRef>
+        </p:style>
+        <p:txBody>
+          <a:bodyPr rtlCol="0" anchor="ctr"/>
+          <a:lstStyle/>
+          <a:p>
+            <a:pPr marL="0" marR="0" lvl="0" indent="0" algn="ctr" defTabSz="914400" rtl="0" eaLnBrk="1" fontAlgn="auto" latinLnBrk="0" hangingPunct="1">
+              <a:lnSpc>
+                <a:spcPct val="100000"/>
+              </a:lnSpc>
+              <a:spcBef>
+                <a:spcPts val="0"/>
+              </a:spcBef>
+              <a:spcAft>
+                <a:spcPts val="0"/>
+              </a:spcAft>
+              <a:buClrTx/>
+              <a:buSzTx/>
+              <a:buFontTx/>
+              <a:buNone/>
+              <a:tabLst/>
+              <a:defRPr/>
+            </a:pPr>
+            <a:endParaRPr kumimoji="0" lang="en-US" sz="1800" b="0" i="0" u="none" strike="noStrike" kern="1200" cap="none" spc="0" normalizeH="0" baseline="0" noProof="0">
+              <a:ln>
+                <a:noFill/>
+              </a:ln>
+              <a:solidFill>
+                <a:prstClr val="white"/>
+              </a:solidFill>
+              <a:effectLst/>
+              <a:uLnTx/>
+              <a:uFillTx/>
+              <a:latin typeface="Calibri" panose="020F0502020204030204"/>
+              <a:ea typeface="+mn-ea"/>
+              <a:cs typeface="+mn-cs"/>
+            </a:endParaRPr>
+          </a:p>
+        </p:txBody>
+      </p:sp>
+      <p:sp>
+        <p:nvSpPr>
+          <p:cNvPr id="104" name="OTLSHAPE_M_52743de8bb6d4044896f473898fe9da7_Title"/>
+          <p:cNvSpPr txBox="1"/>
+          <p:nvPr>
+            <p:custDataLst>
+              <p:tags r:id="rId65"/>
+            </p:custDataLst>
+          </p:nvPr>
+        </p:nvSpPr>
+        <p:spPr>
+          <a:xfrm>
+            <a:off x="4508464" y="2338176"/>
+            <a:ext cx="1332620" cy="553261"/>
+          </a:xfrm>
+          <a:prstGeom prst="rect">
+            <a:avLst/>
+          </a:prstGeom>
+          <a:noFill/>
+        </p:spPr>
+        <p:txBody>
+          <a:bodyPr vert="horz" wrap="square" lIns="0" tIns="0" rIns="0" bIns="0" rtlCol="0" anchor="ctr" anchorCtr="0">
+            <a:noAutofit/>
+          </a:bodyPr>
+          <a:lstStyle/>
+          <a:p>
+            <a:pPr marL="0" marR="0" lvl="0" indent="0" algn="ctr" defTabSz="914400" rtl="0" eaLnBrk="1" fontAlgn="auto" latinLnBrk="0" hangingPunct="1">
+              <a:lnSpc>
+                <a:spcPct val="100000"/>
+              </a:lnSpc>
+              <a:spcBef>
+                <a:spcPts val="0"/>
+              </a:spcBef>
+              <a:spcAft>
+                <a:spcPts val="0"/>
+              </a:spcAft>
+              <a:buClrTx/>
+              <a:buSzTx/>
+              <a:buFontTx/>
+              <a:buNone/>
+              <a:tabLst/>
+              <a:defRPr/>
+            </a:pPr>
+            <a:r>
+              <a:rPr lang="en-US" sz="1200" b="1" spc="-8" dirty="0" smtClean="0">
+                <a:solidFill>
+                  <a:srgbClr val="737373"/>
+                </a:solidFill>
+                <a:latin typeface="Calibri" panose="020F0502020204030204" pitchFamily="34" charset="0"/>
+              </a:rPr>
+              <a:t>Finish age </a:t>
+            </a:r>
+          </a:p>
+          <a:p>
+            <a:pPr marL="0" marR="0" lvl="0" indent="0" algn="ctr" defTabSz="914400" rtl="0" eaLnBrk="1" fontAlgn="auto" latinLnBrk="0" hangingPunct="1">
+              <a:lnSpc>
+                <a:spcPct val="100000"/>
+              </a:lnSpc>
+              <a:spcBef>
+                <a:spcPts val="0"/>
+              </a:spcBef>
+              <a:spcAft>
+                <a:spcPts val="0"/>
+              </a:spcAft>
+              <a:buClrTx/>
+              <a:buSzTx/>
+              <a:buFontTx/>
+              <a:buNone/>
+              <a:tabLst/>
+              <a:defRPr/>
+            </a:pPr>
+            <a:r>
+              <a:rPr lang="en-US" sz="1200" b="1" spc="-8" dirty="0" smtClean="0">
+                <a:solidFill>
+                  <a:srgbClr val="737373"/>
+                </a:solidFill>
+                <a:latin typeface="Calibri" panose="020F0502020204030204" pitchFamily="34" charset="0"/>
+              </a:rPr>
+              <a:t>prediction model</a:t>
+            </a:r>
+            <a:endParaRPr kumimoji="0" lang="en-US" sz="1200" b="1" i="0" u="none" strike="noStrike" kern="1200" cap="none" spc="-8" normalizeH="0" baseline="0" noProof="0" dirty="0">
+              <a:ln>
+                <a:noFill/>
+              </a:ln>
+              <a:solidFill>
+                <a:srgbClr val="737373"/>
+              </a:solidFill>
+              <a:effectLst/>
+              <a:uLnTx/>
+              <a:uFillTx/>
+              <a:latin typeface="Calibri" panose="020F0502020204030204" pitchFamily="34" charset="0"/>
+              <a:ea typeface="+mn-ea"/>
+              <a:cs typeface="+mn-cs"/>
+            </a:endParaRPr>
+          </a:p>
+        </p:txBody>
+      </p:sp>
+      <p:sp>
+        <p:nvSpPr>
+          <p:cNvPr id="106" name="OTLSHAPE_M_52743de8bb6d4044896f473898fe9da7_Shape"/>
+          <p:cNvSpPr/>
+          <p:nvPr>
+            <p:custDataLst>
+              <p:tags r:id="rId66"/>
+            </p:custDataLst>
+          </p:nvPr>
+        </p:nvSpPr>
+        <p:spPr>
+          <a:xfrm>
+            <a:off x="5023886" y="2922194"/>
+            <a:ext cx="298526" cy="410511"/>
+          </a:xfrm>
+          <a:prstGeom prst="diamond">
+            <a:avLst/>
+          </a:prstGeom>
+          <a:solidFill>
+            <a:schemeClr val="accent5">
+              <a:lumMod val="40000"/>
+              <a:lumOff val="60000"/>
+            </a:schemeClr>
+          </a:solidFill>
+          <a:ln w="12700" cap="flat" cmpd="sng" algn="ctr">
+            <a:noFill/>
+            <a:prstDash val="solid"/>
+            <a:miter lim="800000"/>
+          </a:ln>
+          <a:effectLst/>
+          <a:scene3d>
+            <a:camera prst="orthographicFront"/>
+            <a:lightRig rig="threePt" dir="t"/>
+          </a:scene3d>
+          <a:sp3d>
+            <a:bevelT h="12700"/>
+          </a:sp3d>
+          <a:extLst>
+            <a:ext uri="{53640926-AAD7-44D8-BBD7-CCE9431645EC}">
+              <a14:shadowObscured xmlns:a14="http://schemas.microsoft.com/office/drawing/2010/main" val="1"/>
+            </a:ext>
+          </a:extLst>
+        </p:spPr>
+        <p:style>
+          <a:lnRef idx="2">
+            <a:schemeClr val="accent1">
+              <a:shade val="50000"/>
+            </a:schemeClr>
+          </a:lnRef>
+          <a:fillRef idx="1">
+            <a:schemeClr val="accent1"/>
+          </a:fillRef>
+          <a:effectRef idx="0">
+            <a:schemeClr val="accent1"/>
+          </a:effectRef>
+          <a:fontRef idx="minor">
+            <a:schemeClr val="lt1"/>
+          </a:fontRef>
+        </p:style>
+        <p:txBody>
+          <a:bodyPr rtlCol="0" anchor="ctr"/>
+          <a:lstStyle/>
+          <a:p>
+            <a:pPr marL="0" marR="0" lvl="0" indent="0" algn="ctr" defTabSz="914400" rtl="0" eaLnBrk="1" fontAlgn="auto" latinLnBrk="0" hangingPunct="1">
+              <a:lnSpc>
+                <a:spcPct val="100000"/>
+              </a:lnSpc>
+              <a:spcBef>
+                <a:spcPts val="0"/>
+              </a:spcBef>
+              <a:spcAft>
+                <a:spcPts val="0"/>
+              </a:spcAft>
+              <a:buClrTx/>
+              <a:buSzTx/>
+              <a:buFontTx/>
+              <a:buNone/>
+              <a:tabLst/>
+              <a:defRPr/>
+            </a:pPr>
+            <a:endParaRPr kumimoji="0" lang="en-US" sz="1800" b="0" i="0" u="none" strike="noStrike" kern="1200" cap="none" spc="0" normalizeH="0" baseline="0" noProof="0">
+              <a:ln>
+                <a:noFill/>
+              </a:ln>
+              <a:solidFill>
+                <a:prstClr val="white"/>
+              </a:solidFill>
+              <a:effectLst/>
+              <a:uLnTx/>
+              <a:uFillTx/>
+              <a:latin typeface="Calibri" panose="020F0502020204030204"/>
+              <a:ea typeface="+mn-ea"/>
+              <a:cs typeface="+mn-cs"/>
+            </a:endParaRPr>
+          </a:p>
+        </p:txBody>
+      </p:sp>
+      <p:sp>
+        <p:nvSpPr>
+          <p:cNvPr id="107" name="OTLSHAPE_M_52743de8bb6d4044896f473898fe9da7_Title"/>
+          <p:cNvSpPr txBox="1"/>
+          <p:nvPr>
+            <p:custDataLst>
+              <p:tags r:id="rId67"/>
+            </p:custDataLst>
+          </p:nvPr>
+        </p:nvSpPr>
+        <p:spPr>
+          <a:xfrm>
+            <a:off x="7631088" y="2338176"/>
+            <a:ext cx="1332620" cy="501125"/>
+          </a:xfrm>
+          <a:prstGeom prst="rect">
+            <a:avLst/>
+          </a:prstGeom>
+          <a:noFill/>
+        </p:spPr>
+        <p:txBody>
+          <a:bodyPr vert="horz" wrap="square" lIns="0" tIns="0" rIns="0" bIns="0" rtlCol="0" anchor="ctr" anchorCtr="0">
+            <a:noAutofit/>
+          </a:bodyPr>
+          <a:lstStyle/>
+          <a:p>
+            <a:pPr marL="0" marR="0" lvl="0" indent="0" algn="ctr" defTabSz="914400" rtl="0" eaLnBrk="1" fontAlgn="auto" latinLnBrk="0" hangingPunct="1">
+              <a:lnSpc>
+                <a:spcPct val="100000"/>
+              </a:lnSpc>
+              <a:spcBef>
+                <a:spcPts val="0"/>
+              </a:spcBef>
+              <a:spcAft>
+                <a:spcPts val="0"/>
+              </a:spcAft>
+              <a:buClrTx/>
+              <a:buSzTx/>
+              <a:buFontTx/>
+              <a:buNone/>
+              <a:tabLst/>
+              <a:defRPr/>
+            </a:pPr>
+            <a:r>
+              <a:rPr lang="en-US" sz="1200" b="1" spc="-8" dirty="0" smtClean="0">
+                <a:solidFill>
+                  <a:srgbClr val="737373"/>
+                </a:solidFill>
+                <a:latin typeface="Calibri" panose="020F0502020204030204" pitchFamily="34" charset="0"/>
+              </a:rPr>
+              <a:t>Finish dyslexia prediction model</a:t>
+            </a:r>
+            <a:endParaRPr kumimoji="0" lang="en-US" sz="1200" b="1" i="0" u="none" strike="noStrike" kern="1200" cap="none" spc="-8" normalizeH="0" baseline="0" noProof="0" dirty="0">
+              <a:ln>
+                <a:noFill/>
+              </a:ln>
+              <a:solidFill>
+                <a:srgbClr val="737373"/>
+              </a:solidFill>
+              <a:effectLst/>
+              <a:uLnTx/>
+              <a:uFillTx/>
+              <a:latin typeface="Calibri" panose="020F0502020204030204" pitchFamily="34" charset="0"/>
+              <a:ea typeface="+mn-ea"/>
+              <a:cs typeface="+mn-cs"/>
+            </a:endParaRPr>
+          </a:p>
+        </p:txBody>
+      </p:sp>
+      <p:sp>
+        <p:nvSpPr>
+          <p:cNvPr id="109" name="OTLSHAPE_M_52743de8bb6d4044896f473898fe9da7_Shape"/>
+          <p:cNvSpPr/>
+          <p:nvPr>
+            <p:custDataLst>
+              <p:tags r:id="rId68"/>
+            </p:custDataLst>
+          </p:nvPr>
+        </p:nvSpPr>
+        <p:spPr>
+          <a:xfrm>
+            <a:off x="8148135" y="2934264"/>
+            <a:ext cx="298526" cy="410511"/>
+          </a:xfrm>
+          <a:prstGeom prst="diamond">
+            <a:avLst/>
+          </a:prstGeom>
+          <a:solidFill>
+            <a:schemeClr val="accent5">
+              <a:lumMod val="40000"/>
+              <a:lumOff val="60000"/>
+            </a:schemeClr>
+          </a:solidFill>
+          <a:ln w="12700" cap="flat" cmpd="sng" algn="ctr">
+            <a:noFill/>
+            <a:prstDash val="solid"/>
+            <a:miter lim="800000"/>
+          </a:ln>
+          <a:effectLst/>
+          <a:scene3d>
+            <a:camera prst="orthographicFront"/>
+            <a:lightRig rig="threePt" dir="t"/>
+          </a:scene3d>
+          <a:sp3d>
+            <a:bevelT h="12700"/>
+          </a:sp3d>
+          <a:extLst>
+            <a:ext uri="{53640926-AAD7-44D8-BBD7-CCE9431645EC}">
+              <a14:shadowObscured xmlns:a14="http://schemas.microsoft.com/office/drawing/2010/main" val="1"/>
+            </a:ext>
+          </a:extLst>
+        </p:spPr>
+        <p:style>
+          <a:lnRef idx="2">
+            <a:schemeClr val="accent1">
+              <a:shade val="50000"/>
+            </a:schemeClr>
+          </a:lnRef>
+          <a:fillRef idx="1">
+            <a:schemeClr val="accent1"/>
+          </a:fillRef>
+          <a:effectRef idx="0">
+            <a:schemeClr val="accent1"/>
+          </a:effectRef>
+          <a:fontRef idx="minor">
+            <a:schemeClr val="lt1"/>
+          </a:fontRef>
+        </p:style>
+        <p:txBody>
+          <a:bodyPr rtlCol="0" anchor="ctr"/>
+          <a:lstStyle/>
+          <a:p>
+            <a:pPr marL="0" marR="0" lvl="0" indent="0" algn="ctr" defTabSz="914400" rtl="0" eaLnBrk="1" fontAlgn="auto" latinLnBrk="0" hangingPunct="1">
+              <a:lnSpc>
+                <a:spcPct val="100000"/>
+              </a:lnSpc>
+              <a:spcBef>
+                <a:spcPts val="0"/>
+              </a:spcBef>
+              <a:spcAft>
+                <a:spcPts val="0"/>
+              </a:spcAft>
+              <a:buClrTx/>
+              <a:buSzTx/>
+              <a:buFontTx/>
+              <a:buNone/>
+              <a:tabLst/>
+              <a:defRPr/>
+            </a:pPr>
+            <a:endParaRPr kumimoji="0" lang="en-US" sz="1800" b="0" i="0" u="none" strike="noStrike" kern="1200" cap="none" spc="0" normalizeH="0" baseline="0" noProof="0">
+              <a:ln>
+                <a:noFill/>
+              </a:ln>
+              <a:solidFill>
+                <a:prstClr val="white"/>
+              </a:solidFill>
+              <a:effectLst/>
+              <a:uLnTx/>
+              <a:uFillTx/>
+              <a:latin typeface="Calibri" panose="020F0502020204030204"/>
+              <a:ea typeface="+mn-ea"/>
+              <a:cs typeface="+mn-cs"/>
+            </a:endParaRPr>
+          </a:p>
+        </p:txBody>
+      </p:sp>
+      <p:sp>
+        <p:nvSpPr>
+          <p:cNvPr id="110" name="OTLSHAPE_T_06a6a20021ea4acdac20b41f7b37b0dd_Title"/>
+          <p:cNvSpPr txBox="1"/>
+          <p:nvPr>
+            <p:custDataLst>
+              <p:tags r:id="rId69"/>
+            </p:custDataLst>
+          </p:nvPr>
+        </p:nvSpPr>
+        <p:spPr>
+          <a:xfrm>
+            <a:off x="5227194" y="4147496"/>
+            <a:ext cx="1489490" cy="1521784"/>
+          </a:xfrm>
+          <a:prstGeom prst="rect">
+            <a:avLst/>
+          </a:prstGeom>
+          <a:noFill/>
+        </p:spPr>
+        <p:txBody>
+          <a:bodyPr vert="horz" wrap="square" lIns="0" tIns="0" rIns="0" bIns="0" rtlCol="0" anchor="ctr" anchorCtr="0">
+            <a:noAutofit/>
+          </a:bodyPr>
+          <a:lstStyle/>
+          <a:p>
             <a:pPr marL="0" marR="0" lvl="0" indent="0" defTabSz="914400" rtl="0" eaLnBrk="1" fontAlgn="auto" latinLnBrk="0" hangingPunct="1">
               <a:lnSpc>
                 <a:spcPct val="100000"/>
@@ -14362,6 +14006,15 @@
               <a:tabLst/>
               <a:defRPr/>
             </a:pPr>
+            <a:r>
+              <a:rPr lang="en-US" sz="1000" b="1" spc="-4" dirty="0" smtClean="0">
+                <a:solidFill>
+                  <a:srgbClr val="737373"/>
+                </a:solidFill>
+                <a:latin typeface="Segoe UI" panose="020B0502040204020203" pitchFamily="34" charset="0"/>
+              </a:rPr>
+              <a:t>Make system to </a:t>
+            </a:r>
             <a:r>
               <a:rPr kumimoji="0" lang="en-US" sz="1000" b="1" i="0" u="none" strike="noStrike" kern="1200" cap="none" spc="-4" normalizeH="0" baseline="0" noProof="0" dirty="0" smtClean="0">
                 <a:ln>
@@ -14377,7 +14030,7 @@
                 <a:ea typeface="+mn-ea"/>
                 <a:cs typeface="+mn-cs"/>
               </a:rPr>
-              <a:t>4. Make Code Explainable</a:t>
+              <a:t>evaluate</a:t>
             </a:r>
             <a:r>
               <a:rPr kumimoji="0" lang="en-US" sz="1000" b="1" i="0" u="none" strike="noStrike" kern="1200" cap="none" spc="-4" normalizeH="0" noProof="0" dirty="0" smtClean="0">
@@ -14394,7 +14047,440 @@
                 <a:ea typeface="+mn-ea"/>
                 <a:cs typeface="+mn-cs"/>
               </a:rPr>
-              <a:t> &amp; Reproducable</a:t>
+              <a:t> EEG </a:t>
+            </a:r>
+            <a:r>
+              <a:rPr kumimoji="0" lang="en-US" sz="1000" b="1" i="0" u="none" strike="noStrike" kern="1200" cap="none" spc="-4" normalizeH="0" baseline="0" noProof="0" dirty="0" smtClean="0">
+                <a:ln>
+                  <a:noFill/>
+                </a:ln>
+                <a:solidFill>
+                  <a:srgbClr val="737373"/>
+                </a:solidFill>
+                <a:effectLst/>
+                <a:uLnTx/>
+                <a:uFillTx/>
+                <a:latin typeface="Segoe UI" panose="020B0502040204020203" pitchFamily="34" charset="0"/>
+                <a:ea typeface="+mn-ea"/>
+                <a:cs typeface="+mn-cs"/>
+              </a:rPr>
+              <a:t>DL classification/ regression models on:</a:t>
+            </a:r>
+          </a:p>
+          <a:p>
+            <a:pPr marR="0" lvl="0" defTabSz="914400" rtl="0" eaLnBrk="1" fontAlgn="auto" latinLnBrk="0" hangingPunct="1">
+              <a:lnSpc>
+                <a:spcPct val="100000"/>
+              </a:lnSpc>
+              <a:spcBef>
+                <a:spcPts val="0"/>
+              </a:spcBef>
+              <a:spcAft>
+                <a:spcPts val="0"/>
+              </a:spcAft>
+              <a:buClrTx/>
+              <a:buSzTx/>
+              <a:tabLst/>
+              <a:defRPr/>
+            </a:pPr>
+            <a:r>
+              <a:rPr kumimoji="0" lang="en-US" sz="1000" b="1" i="0" u="none" strike="noStrike" kern="1200" cap="none" spc="-4" normalizeH="0" baseline="0" noProof="0" dirty="0" smtClean="0">
+                <a:ln>
+                  <a:noFill/>
+                </a:ln>
+                <a:solidFill>
+                  <a:srgbClr val="737373"/>
+                </a:solidFill>
+                <a:effectLst/>
+                <a:uLnTx/>
+                <a:uFillTx/>
+                <a:latin typeface="Segoe UI" panose="020B0502040204020203" pitchFamily="34" charset="0"/>
+                <a:ea typeface="+mn-ea"/>
+                <a:cs typeface="+mn-cs"/>
+              </a:rPr>
+              <a:t>1. learning speed</a:t>
+            </a:r>
+            <a:r>
+              <a:rPr lang="en-US" sz="1000" b="1" spc="-4" dirty="0" smtClean="0">
+                <a:solidFill>
+                  <a:srgbClr val="737373"/>
+                </a:solidFill>
+                <a:latin typeface="Segoe UI" panose="020B0502040204020203" pitchFamily="34" charset="0"/>
+              </a:rPr>
+              <a:t> </a:t>
+            </a:r>
+          </a:p>
+          <a:p>
+            <a:pPr marR="0" lvl="0" defTabSz="914400" rtl="0" eaLnBrk="1" fontAlgn="auto" latinLnBrk="0" hangingPunct="1">
+              <a:lnSpc>
+                <a:spcPct val="100000"/>
+              </a:lnSpc>
+              <a:spcBef>
+                <a:spcPts val="0"/>
+              </a:spcBef>
+              <a:spcAft>
+                <a:spcPts val="0"/>
+              </a:spcAft>
+              <a:buClrTx/>
+              <a:buSzTx/>
+              <a:tabLst/>
+              <a:defRPr/>
+            </a:pPr>
+            <a:r>
+              <a:rPr lang="en-US" sz="1000" b="1" spc="-4" dirty="0" smtClean="0">
+                <a:solidFill>
+                  <a:srgbClr val="737373"/>
+                </a:solidFill>
+                <a:latin typeface="Segoe UI" panose="020B0502040204020203" pitchFamily="34" charset="0"/>
+              </a:rPr>
+              <a:t>2. maximum performance on classification tasks</a:t>
+            </a:r>
+          </a:p>
+          <a:p>
+            <a:pPr marL="0" marR="0" lvl="0" indent="0" defTabSz="914400" rtl="0" eaLnBrk="1" fontAlgn="auto" latinLnBrk="0" hangingPunct="1">
+              <a:lnSpc>
+                <a:spcPct val="100000"/>
+              </a:lnSpc>
+              <a:spcBef>
+                <a:spcPts val="0"/>
+              </a:spcBef>
+              <a:spcAft>
+                <a:spcPts val="0"/>
+              </a:spcAft>
+              <a:buClrTx/>
+              <a:buSzTx/>
+              <a:buFontTx/>
+              <a:buNone/>
+              <a:tabLst/>
+              <a:defRPr/>
+            </a:pPr>
+            <a:r>
+              <a:rPr kumimoji="0" lang="en-US" sz="1000" b="1" i="0" u="none" strike="noStrike" kern="1200" cap="none" spc="-4" normalizeH="0" noProof="0" dirty="0" smtClean="0">
+                <a:ln>
+                  <a:noFill/>
+                </a:ln>
+                <a:solidFill>
+                  <a:srgbClr val="737373"/>
+                </a:solidFill>
+                <a:effectLst/>
+                <a:uLnTx/>
+                <a:uFillTx/>
+                <a:latin typeface="Segoe UI" panose="020B0502040204020203" pitchFamily="34" charset="0"/>
+                <a:ea typeface="+mn-ea"/>
+                <a:cs typeface="+mn-cs"/>
+              </a:rPr>
+              <a:t>3. explainability.</a:t>
+            </a:r>
+          </a:p>
+          <a:p>
+            <a:pPr marL="0" marR="0" lvl="0" indent="0" defTabSz="914400" rtl="0" eaLnBrk="1" fontAlgn="auto" latinLnBrk="0" hangingPunct="1">
+              <a:lnSpc>
+                <a:spcPct val="100000"/>
+              </a:lnSpc>
+              <a:spcBef>
+                <a:spcPts val="0"/>
+              </a:spcBef>
+              <a:spcAft>
+                <a:spcPts val="0"/>
+              </a:spcAft>
+              <a:buClrTx/>
+              <a:buSzTx/>
+              <a:buFontTx/>
+              <a:buNone/>
+              <a:tabLst/>
+              <a:defRPr/>
+            </a:pPr>
+            <a:endParaRPr lang="en-US" sz="1000" b="1" spc="-4" baseline="0" dirty="0">
+              <a:solidFill>
+                <a:srgbClr val="737373"/>
+              </a:solidFill>
+              <a:latin typeface="Segoe UI" panose="020B0502040204020203" pitchFamily="34" charset="0"/>
+            </a:endParaRPr>
+          </a:p>
+        </p:txBody>
+      </p:sp>
+      <p:cxnSp>
+        <p:nvCxnSpPr>
+          <p:cNvPr id="111" name="OTLSHAPE_TB_00000000000000000000000000000000_Separator1"/>
+          <p:cNvCxnSpPr/>
+          <p:nvPr>
+            <p:custDataLst>
+              <p:tags r:id="rId70"/>
+            </p:custDataLst>
+          </p:nvPr>
+        </p:nvCxnSpPr>
+        <p:spPr>
+          <a:xfrm>
+            <a:off x="5159176" y="3993588"/>
+            <a:ext cx="31750" cy="2133335"/>
+          </a:xfrm>
+          <a:prstGeom prst="line">
+            <a:avLst/>
+          </a:prstGeom>
+          <a:ln w="6350" cap="flat" cmpd="sng" algn="ctr">
+            <a:solidFill>
+              <a:schemeClr val="tx1">
+                <a:alpha val="29804"/>
+              </a:schemeClr>
+            </a:solidFill>
+            <a:prstDash val="solid"/>
+            <a:miter lim="800000"/>
+            <a:headEnd type="none" w="med" len="med"/>
+            <a:tailEnd type="none" w="med" len="med"/>
+          </a:ln>
+        </p:spPr>
+        <p:style>
+          <a:lnRef idx="1">
+            <a:schemeClr val="accent1"/>
+          </a:lnRef>
+          <a:fillRef idx="0">
+            <a:schemeClr val="accent1"/>
+          </a:fillRef>
+          <a:effectRef idx="0">
+            <a:schemeClr val="accent1"/>
+          </a:effectRef>
+          <a:fontRef idx="minor">
+            <a:schemeClr val="tx1"/>
+          </a:fontRef>
+        </p:style>
+      </p:cxnSp>
+      <p:sp>
+        <p:nvSpPr>
+          <p:cNvPr id="112" name="OTLSHAPE_T_06a6a20021ea4acdac20b41f7b37b0dd_Title"/>
+          <p:cNvSpPr txBox="1"/>
+          <p:nvPr>
+            <p:custDataLst>
+              <p:tags r:id="rId71"/>
+            </p:custDataLst>
+          </p:nvPr>
+        </p:nvSpPr>
+        <p:spPr>
+          <a:xfrm>
+            <a:off x="6812051" y="4152483"/>
+            <a:ext cx="1383007" cy="2394621"/>
+          </a:xfrm>
+          <a:prstGeom prst="rect">
+            <a:avLst/>
+          </a:prstGeom>
+          <a:noFill/>
+        </p:spPr>
+        <p:txBody>
+          <a:bodyPr vert="horz" wrap="square" lIns="0" tIns="0" rIns="0" bIns="0" rtlCol="0" anchor="ctr" anchorCtr="0">
+            <a:noAutofit/>
+          </a:bodyPr>
+          <a:lstStyle/>
+          <a:p>
+            <a:pPr marL="0" marR="0" lvl="0" indent="0" defTabSz="914400" rtl="0" eaLnBrk="1" fontAlgn="auto" latinLnBrk="0" hangingPunct="1">
+              <a:lnSpc>
+                <a:spcPct val="100000"/>
+              </a:lnSpc>
+              <a:spcBef>
+                <a:spcPts val="0"/>
+              </a:spcBef>
+              <a:spcAft>
+                <a:spcPts val="0"/>
+              </a:spcAft>
+              <a:buClrTx/>
+              <a:buSzTx/>
+              <a:buFontTx/>
+              <a:buNone/>
+              <a:tabLst/>
+              <a:defRPr/>
+            </a:pPr>
+            <a:r>
+              <a:rPr kumimoji="0" lang="en-US" sz="1000" b="1" i="0" u="none" strike="noStrike" kern="1200" cap="none" spc="-4" normalizeH="0" baseline="0" noProof="0" dirty="0" smtClean="0">
+                <a:ln>
+                  <a:noFill/>
+                </a:ln>
+                <a:solidFill>
+                  <a:srgbClr val="737373"/>
+                </a:solidFill>
+                <a:effectLst/>
+                <a:uLnTx/>
+                <a:uFillTx/>
+                <a:latin typeface="Segoe UI" panose="020B0502040204020203" pitchFamily="34" charset="0"/>
+                <a:ea typeface="+mn-ea"/>
+                <a:cs typeface="+mn-cs"/>
+              </a:rPr>
+              <a:t>Train</a:t>
+            </a:r>
+            <a:r>
+              <a:rPr kumimoji="0" lang="en-US" sz="1000" b="1" i="0" u="none" strike="noStrike" kern="1200" cap="none" spc="-4" normalizeH="0" noProof="0" dirty="0" smtClean="0">
+                <a:ln>
+                  <a:noFill/>
+                </a:ln>
+                <a:solidFill>
+                  <a:srgbClr val="737373"/>
+                </a:solidFill>
+                <a:effectLst/>
+                <a:uLnTx/>
+                <a:uFillTx/>
+                <a:latin typeface="Segoe UI" panose="020B0502040204020203" pitchFamily="34" charset="0"/>
+                <a:ea typeface="+mn-ea"/>
+                <a:cs typeface="+mn-cs"/>
+              </a:rPr>
+              <a:t> the models to predict the parental risk of dyslexia.</a:t>
+            </a:r>
+          </a:p>
+          <a:p>
+            <a:pPr marL="0" marR="0" lvl="0" indent="0" defTabSz="914400" rtl="0" eaLnBrk="1" fontAlgn="auto" latinLnBrk="0" hangingPunct="1">
+              <a:lnSpc>
+                <a:spcPct val="100000"/>
+              </a:lnSpc>
+              <a:spcBef>
+                <a:spcPts val="0"/>
+              </a:spcBef>
+              <a:spcAft>
+                <a:spcPts val="0"/>
+              </a:spcAft>
+              <a:buClrTx/>
+              <a:buSzTx/>
+              <a:buFontTx/>
+              <a:buNone/>
+              <a:tabLst/>
+              <a:defRPr/>
+            </a:pPr>
+            <a:endParaRPr lang="en-US" sz="1000" b="1" spc="-4" baseline="0" dirty="0" smtClean="0">
+              <a:solidFill>
+                <a:srgbClr val="737373"/>
+              </a:solidFill>
+              <a:latin typeface="Segoe UI" panose="020B0502040204020203" pitchFamily="34" charset="0"/>
+            </a:endParaRPr>
+          </a:p>
+          <a:p>
+            <a:pPr lvl="0">
+              <a:defRPr/>
+            </a:pPr>
+            <a:r>
+              <a:rPr lang="en-US" sz="1000" b="1" spc="-4" dirty="0">
+                <a:solidFill>
+                  <a:srgbClr val="737373"/>
+                </a:solidFill>
+                <a:latin typeface="Segoe UI" panose="020B0502040204020203" pitchFamily="34" charset="0"/>
+              </a:rPr>
+              <a:t>Make models explainable </a:t>
+            </a:r>
+          </a:p>
+          <a:p>
+            <a:pPr lvl="0">
+              <a:defRPr/>
+            </a:pPr>
+            <a:r>
+              <a:rPr lang="en-US" sz="1000" b="1" spc="-4" dirty="0">
+                <a:solidFill>
+                  <a:srgbClr val="737373"/>
+                </a:solidFill>
+                <a:latin typeface="Segoe UI" panose="020B0502040204020203" pitchFamily="34" charset="0"/>
+              </a:rPr>
+              <a:t>(e.g. by by comparing </a:t>
+            </a:r>
+            <a:r>
+              <a:rPr lang="en-US" sz="1000" b="1" spc="-4" dirty="0" smtClean="0">
+                <a:solidFill>
+                  <a:srgbClr val="737373"/>
+                </a:solidFill>
+                <a:latin typeface="Segoe UI" panose="020B0502040204020203" pitchFamily="34" charset="0"/>
+              </a:rPr>
+              <a:t>predicted signals </a:t>
+            </a:r>
+            <a:r>
+              <a:rPr lang="en-US" sz="1000" b="1" spc="-4" dirty="0">
+                <a:solidFill>
+                  <a:srgbClr val="737373"/>
+                </a:solidFill>
+                <a:latin typeface="Segoe UI" panose="020B0502040204020203" pitchFamily="34" charset="0"/>
+              </a:rPr>
+              <a:t>from different </a:t>
+            </a:r>
+            <a:r>
+              <a:rPr lang="en-US" sz="1000" b="1" spc="-4" dirty="0" smtClean="0">
+                <a:solidFill>
+                  <a:srgbClr val="737373"/>
+                </a:solidFill>
+                <a:latin typeface="Segoe UI" panose="020B0502040204020203" pitchFamily="34" charset="0"/>
+              </a:rPr>
+              <a:t>categories, </a:t>
+            </a:r>
+          </a:p>
+          <a:p>
+            <a:pPr lvl="0">
+              <a:defRPr/>
+            </a:pPr>
+            <a:r>
+              <a:rPr lang="en-US" sz="1000" b="1" spc="-4" dirty="0" smtClean="0">
+                <a:solidFill>
+                  <a:srgbClr val="737373"/>
+                </a:solidFill>
+                <a:latin typeface="Segoe UI" panose="020B0502040204020203" pitchFamily="34" charset="0"/>
+              </a:rPr>
+              <a:t>or by visualising the model’s attention to individual data segments)</a:t>
+            </a:r>
+            <a:endParaRPr lang="en-US" sz="1000" b="1" spc="-4" dirty="0">
+              <a:solidFill>
+                <a:srgbClr val="737373"/>
+              </a:solidFill>
+              <a:latin typeface="Segoe UI" panose="020B0502040204020203" pitchFamily="34" charset="0"/>
+            </a:endParaRPr>
+          </a:p>
+          <a:p>
+            <a:pPr marL="0" marR="0" lvl="0" indent="0" defTabSz="914400" rtl="0" eaLnBrk="1" fontAlgn="auto" latinLnBrk="0" hangingPunct="1">
+              <a:lnSpc>
+                <a:spcPct val="100000"/>
+              </a:lnSpc>
+              <a:spcBef>
+                <a:spcPts val="0"/>
+              </a:spcBef>
+              <a:spcAft>
+                <a:spcPts val="0"/>
+              </a:spcAft>
+              <a:buClrTx/>
+              <a:buSzTx/>
+              <a:buFontTx/>
+              <a:buNone/>
+              <a:tabLst/>
+              <a:defRPr/>
+            </a:pPr>
+            <a:endParaRPr lang="en-US" sz="1000" b="1" spc="-4" baseline="0" dirty="0">
+              <a:solidFill>
+                <a:srgbClr val="737373"/>
+              </a:solidFill>
+              <a:latin typeface="Segoe UI" panose="020B0502040204020203" pitchFamily="34" charset="0"/>
+            </a:endParaRPr>
+          </a:p>
+          <a:p>
+            <a:pPr marL="0" marR="0" lvl="0" indent="0" defTabSz="914400" rtl="0" eaLnBrk="1" fontAlgn="auto" latinLnBrk="0" hangingPunct="1">
+              <a:lnSpc>
+                <a:spcPct val="100000"/>
+              </a:lnSpc>
+              <a:spcBef>
+                <a:spcPts val="0"/>
+              </a:spcBef>
+              <a:spcAft>
+                <a:spcPts val="0"/>
+              </a:spcAft>
+              <a:buClrTx/>
+              <a:buSzTx/>
+              <a:buFontTx/>
+              <a:buNone/>
+              <a:tabLst/>
+              <a:defRPr/>
+            </a:pPr>
+            <a:r>
+              <a:rPr kumimoji="0" lang="en-US" sz="1000" b="1" i="0" u="none" strike="noStrike" kern="1200" cap="none" spc="-4" normalizeH="0" noProof="0" dirty="0" smtClean="0">
+                <a:ln>
+                  <a:noFill/>
+                </a:ln>
+                <a:solidFill>
+                  <a:srgbClr val="737373"/>
+                </a:solidFill>
+                <a:effectLst/>
+                <a:uLnTx/>
+                <a:uFillTx/>
+                <a:latin typeface="Segoe UI" panose="020B0502040204020203" pitchFamily="34" charset="0"/>
+                <a:ea typeface="+mn-ea"/>
+                <a:cs typeface="+mn-cs"/>
+              </a:rPr>
+              <a:t>Start writing thesis.</a:t>
             </a:r>
             <a:endParaRPr kumimoji="0" lang="en-US" sz="1000" b="1" i="0" u="none" strike="noStrike" kern="1200" cap="none" spc="-4" normalizeH="0" baseline="0" noProof="0" dirty="0">
               <a:ln>
@@ -14407,6 +14493,760 @@
               <a:uLnTx/>
               <a:uFillTx/>
               <a:latin typeface="Segoe UI" panose="020B0502040204020203" pitchFamily="34" charset="0"/>
+              <a:ea typeface="+mn-ea"/>
+              <a:cs typeface="+mn-cs"/>
+            </a:endParaRPr>
+          </a:p>
+        </p:txBody>
+      </p:sp>
+      <p:cxnSp>
+        <p:nvCxnSpPr>
+          <p:cNvPr id="113" name="OTLSHAPE_TB_00000000000000000000000000000000_Separator1"/>
+          <p:cNvCxnSpPr/>
+          <p:nvPr>
+            <p:custDataLst>
+              <p:tags r:id="rId72"/>
+            </p:custDataLst>
+          </p:nvPr>
+        </p:nvCxnSpPr>
+        <p:spPr>
+          <a:xfrm>
+            <a:off x="6740420" y="3993588"/>
+            <a:ext cx="31750" cy="2133335"/>
+          </a:xfrm>
+          <a:prstGeom prst="line">
+            <a:avLst/>
+          </a:prstGeom>
+          <a:ln w="6350" cap="flat" cmpd="sng" algn="ctr">
+            <a:solidFill>
+              <a:schemeClr val="tx1">
+                <a:alpha val="29804"/>
+              </a:schemeClr>
+            </a:solidFill>
+            <a:prstDash val="solid"/>
+            <a:miter lim="800000"/>
+            <a:headEnd type="none" w="med" len="med"/>
+            <a:tailEnd type="none" w="med" len="med"/>
+          </a:ln>
+        </p:spPr>
+        <p:style>
+          <a:lnRef idx="1">
+            <a:schemeClr val="accent1"/>
+          </a:lnRef>
+          <a:fillRef idx="0">
+            <a:schemeClr val="accent1"/>
+          </a:fillRef>
+          <a:effectRef idx="0">
+            <a:schemeClr val="accent1"/>
+          </a:effectRef>
+          <a:fontRef idx="minor">
+            <a:schemeClr val="tx1"/>
+          </a:fontRef>
+        </p:style>
+      </p:cxnSp>
+      <p:sp>
+        <p:nvSpPr>
+          <p:cNvPr id="114" name="OTLSHAPE_T_06a6a20021ea4acdac20b41f7b37b0dd_Title"/>
+          <p:cNvSpPr txBox="1"/>
+          <p:nvPr>
+            <p:custDataLst>
+              <p:tags r:id="rId73"/>
+            </p:custDataLst>
+          </p:nvPr>
+        </p:nvSpPr>
+        <p:spPr>
+          <a:xfrm>
+            <a:off x="8371766" y="4152484"/>
+            <a:ext cx="1406237" cy="1333916"/>
+          </a:xfrm>
+          <a:prstGeom prst="rect">
+            <a:avLst/>
+          </a:prstGeom>
+          <a:noFill/>
+        </p:spPr>
+        <p:txBody>
+          <a:bodyPr vert="horz" wrap="square" lIns="0" tIns="0" rIns="0" bIns="0" rtlCol="0" anchor="ctr" anchorCtr="0">
+            <a:noAutofit/>
+          </a:bodyPr>
+          <a:lstStyle/>
+          <a:p>
+            <a:pPr marL="0" marR="0" lvl="0" indent="0" defTabSz="914400" rtl="0" eaLnBrk="1" fontAlgn="auto" latinLnBrk="0" hangingPunct="1">
+              <a:lnSpc>
+                <a:spcPct val="100000"/>
+              </a:lnSpc>
+              <a:spcBef>
+                <a:spcPts val="0"/>
+              </a:spcBef>
+              <a:spcAft>
+                <a:spcPts val="0"/>
+              </a:spcAft>
+              <a:buClrTx/>
+              <a:buSzTx/>
+              <a:buFontTx/>
+              <a:buNone/>
+              <a:tabLst/>
+              <a:defRPr/>
+            </a:pPr>
+            <a:r>
+              <a:rPr kumimoji="0" lang="en-US" sz="1000" b="1" i="0" u="none" strike="noStrike" kern="1200" cap="none" spc="-4" normalizeH="0" baseline="0" noProof="0" dirty="0" smtClean="0">
+                <a:ln>
+                  <a:noFill/>
+                </a:ln>
+                <a:solidFill>
+                  <a:srgbClr val="737373"/>
+                </a:solidFill>
+                <a:effectLst/>
+                <a:uLnTx/>
+                <a:uFillTx/>
+                <a:latin typeface="Segoe UI" panose="020B0502040204020203" pitchFamily="34" charset="0"/>
+                <a:ea typeface="+mn-ea"/>
+                <a:cs typeface="+mn-cs"/>
+              </a:rPr>
+              <a:t>Write thesis</a:t>
+            </a:r>
+            <a:endParaRPr lang="en-US" sz="1000" b="1" spc="-4" dirty="0">
+              <a:solidFill>
+                <a:srgbClr val="737373"/>
+              </a:solidFill>
+              <a:latin typeface="Segoe UI" panose="020B0502040204020203" pitchFamily="34" charset="0"/>
+            </a:endParaRPr>
+          </a:p>
+          <a:p>
+            <a:pPr marL="0" marR="0" lvl="0" indent="0" defTabSz="914400" rtl="0" eaLnBrk="1" fontAlgn="auto" latinLnBrk="0" hangingPunct="1">
+              <a:lnSpc>
+                <a:spcPct val="100000"/>
+              </a:lnSpc>
+              <a:spcBef>
+                <a:spcPts val="0"/>
+              </a:spcBef>
+              <a:spcAft>
+                <a:spcPts val="0"/>
+              </a:spcAft>
+              <a:buClrTx/>
+              <a:buSzTx/>
+              <a:buFontTx/>
+              <a:buNone/>
+              <a:tabLst/>
+              <a:defRPr/>
+            </a:pPr>
+            <a:endParaRPr lang="en-US" sz="1000" b="1" spc="-4" dirty="0">
+              <a:solidFill>
+                <a:srgbClr val="737373"/>
+              </a:solidFill>
+              <a:latin typeface="Segoe UI" panose="020B0502040204020203" pitchFamily="34" charset="0"/>
+            </a:endParaRPr>
+          </a:p>
+          <a:p>
+            <a:pPr marL="0" marR="0" lvl="0" indent="0" defTabSz="914400" rtl="0" eaLnBrk="1" fontAlgn="auto" latinLnBrk="0" hangingPunct="1">
+              <a:lnSpc>
+                <a:spcPct val="100000"/>
+              </a:lnSpc>
+              <a:spcBef>
+                <a:spcPts val="0"/>
+              </a:spcBef>
+              <a:spcAft>
+                <a:spcPts val="0"/>
+              </a:spcAft>
+              <a:buClrTx/>
+              <a:buSzTx/>
+              <a:buFontTx/>
+              <a:buNone/>
+              <a:tabLst/>
+              <a:defRPr/>
+            </a:pPr>
+            <a:r>
+              <a:rPr kumimoji="0" lang="en-US" sz="1000" b="1" i="0" u="none" strike="noStrike" kern="1200" cap="none" spc="-4" normalizeH="0" noProof="0" dirty="0" smtClean="0">
+                <a:ln>
+                  <a:noFill/>
+                </a:ln>
+                <a:solidFill>
+                  <a:srgbClr val="737373"/>
+                </a:solidFill>
+                <a:effectLst/>
+                <a:uLnTx/>
+                <a:uFillTx/>
+                <a:latin typeface="Segoe UI" panose="020B0502040204020203" pitchFamily="34" charset="0"/>
+                <a:ea typeface="+mn-ea"/>
+                <a:cs typeface="+mn-cs"/>
+              </a:rPr>
+              <a:t>Wrap up unfinished tasks</a:t>
+            </a:r>
+            <a:endParaRPr kumimoji="0" lang="en-US" sz="1000" b="1" i="0" u="none" strike="noStrike" kern="1200" cap="none" spc="-4" normalizeH="0" noProof="0" dirty="0" smtClean="0">
+              <a:ln>
+                <a:noFill/>
+              </a:ln>
+              <a:solidFill>
+                <a:srgbClr val="737373"/>
+              </a:solidFill>
+              <a:effectLst/>
+              <a:uLnTx/>
+              <a:uFillTx/>
+              <a:latin typeface="Segoe UI" panose="020B0502040204020203" pitchFamily="34" charset="0"/>
+              <a:ea typeface="+mn-ea"/>
+              <a:cs typeface="+mn-cs"/>
+            </a:endParaRPr>
+          </a:p>
+          <a:p>
+            <a:pPr marL="0" marR="0" lvl="0" indent="0" defTabSz="914400" rtl="0" eaLnBrk="1" fontAlgn="auto" latinLnBrk="0" hangingPunct="1">
+              <a:lnSpc>
+                <a:spcPct val="100000"/>
+              </a:lnSpc>
+              <a:spcBef>
+                <a:spcPts val="0"/>
+              </a:spcBef>
+              <a:spcAft>
+                <a:spcPts val="0"/>
+              </a:spcAft>
+              <a:buClrTx/>
+              <a:buSzTx/>
+              <a:buFontTx/>
+              <a:buNone/>
+              <a:tabLst/>
+              <a:defRPr/>
+            </a:pPr>
+            <a:endParaRPr lang="en-US" sz="1000" b="1" spc="-4" baseline="0" dirty="0" smtClean="0">
+              <a:solidFill>
+                <a:srgbClr val="737373"/>
+              </a:solidFill>
+              <a:latin typeface="Segoe UI" panose="020B0502040204020203" pitchFamily="34" charset="0"/>
+            </a:endParaRPr>
+          </a:p>
+          <a:p>
+            <a:pPr marL="0" marR="0" lvl="0" indent="0" defTabSz="914400" rtl="0" eaLnBrk="1" fontAlgn="auto" latinLnBrk="0" hangingPunct="1">
+              <a:lnSpc>
+                <a:spcPct val="100000"/>
+              </a:lnSpc>
+              <a:spcBef>
+                <a:spcPts val="0"/>
+              </a:spcBef>
+              <a:spcAft>
+                <a:spcPts val="0"/>
+              </a:spcAft>
+              <a:buClrTx/>
+              <a:buSzTx/>
+              <a:buFontTx/>
+              <a:buNone/>
+              <a:tabLst/>
+              <a:defRPr/>
+            </a:pPr>
+            <a:r>
+              <a:rPr lang="en-US" sz="1000" b="1" spc="-4" dirty="0" smtClean="0">
+                <a:solidFill>
+                  <a:srgbClr val="737373"/>
+                </a:solidFill>
+                <a:latin typeface="Segoe UI" panose="020B0502040204020203" pitchFamily="34" charset="0"/>
+              </a:rPr>
+              <a:t>Clean up code for easy reusability</a:t>
+            </a:r>
+            <a:endParaRPr lang="en-US" sz="1000" b="1" spc="-4" baseline="0" dirty="0">
+              <a:solidFill>
+                <a:srgbClr val="737373"/>
+              </a:solidFill>
+              <a:latin typeface="Segoe UI" panose="020B0502040204020203" pitchFamily="34" charset="0"/>
+            </a:endParaRPr>
+          </a:p>
+          <a:p>
+            <a:pPr marL="0" marR="0" lvl="0" indent="0" defTabSz="914400" rtl="0" eaLnBrk="1" fontAlgn="auto" latinLnBrk="0" hangingPunct="1">
+              <a:lnSpc>
+                <a:spcPct val="100000"/>
+              </a:lnSpc>
+              <a:spcBef>
+                <a:spcPts val="0"/>
+              </a:spcBef>
+              <a:spcAft>
+                <a:spcPts val="0"/>
+              </a:spcAft>
+              <a:buClrTx/>
+              <a:buSzTx/>
+              <a:buFontTx/>
+              <a:buNone/>
+              <a:tabLst/>
+              <a:defRPr/>
+            </a:pPr>
+            <a:endParaRPr kumimoji="0" lang="en-US" sz="1000" b="1" i="0" u="none" strike="noStrike" kern="1200" cap="none" spc="-4" normalizeH="0" baseline="0" noProof="0" dirty="0">
+              <a:ln>
+                <a:noFill/>
+              </a:ln>
+              <a:solidFill>
+                <a:srgbClr val="737373"/>
+              </a:solidFill>
+              <a:effectLst/>
+              <a:uLnTx/>
+              <a:uFillTx/>
+              <a:latin typeface="Segoe UI" panose="020B0502040204020203" pitchFamily="34" charset="0"/>
+              <a:ea typeface="+mn-ea"/>
+              <a:cs typeface="+mn-cs"/>
+            </a:endParaRPr>
+          </a:p>
+        </p:txBody>
+      </p:sp>
+      <p:cxnSp>
+        <p:nvCxnSpPr>
+          <p:cNvPr id="115" name="OTLSHAPE_TB_00000000000000000000000000000000_Separator1"/>
+          <p:cNvCxnSpPr/>
+          <p:nvPr>
+            <p:custDataLst>
+              <p:tags r:id="rId74"/>
+            </p:custDataLst>
+          </p:nvPr>
+        </p:nvCxnSpPr>
+        <p:spPr>
+          <a:xfrm>
+            <a:off x="8319661" y="3993588"/>
+            <a:ext cx="31750" cy="2133335"/>
+          </a:xfrm>
+          <a:prstGeom prst="line">
+            <a:avLst/>
+          </a:prstGeom>
+          <a:ln w="6350" cap="flat" cmpd="sng" algn="ctr">
+            <a:solidFill>
+              <a:schemeClr val="tx1">
+                <a:alpha val="29804"/>
+              </a:schemeClr>
+            </a:solidFill>
+            <a:prstDash val="solid"/>
+            <a:miter lim="800000"/>
+            <a:headEnd type="none" w="med" len="med"/>
+            <a:tailEnd type="none" w="med" len="med"/>
+          </a:ln>
+        </p:spPr>
+        <p:style>
+          <a:lnRef idx="1">
+            <a:schemeClr val="accent1"/>
+          </a:lnRef>
+          <a:fillRef idx="0">
+            <a:schemeClr val="accent1"/>
+          </a:fillRef>
+          <a:effectRef idx="0">
+            <a:schemeClr val="accent1"/>
+          </a:effectRef>
+          <a:fontRef idx="minor">
+            <a:schemeClr val="tx1"/>
+          </a:fontRef>
+        </p:style>
+      </p:cxnSp>
+      <p:sp>
+        <p:nvSpPr>
+          <p:cNvPr id="116" name="OTLSHAPE_T_06a6a20021ea4acdac20b41f7b37b0dd_Title"/>
+          <p:cNvSpPr txBox="1"/>
+          <p:nvPr>
+            <p:custDataLst>
+              <p:tags r:id="rId75"/>
+            </p:custDataLst>
+          </p:nvPr>
+        </p:nvSpPr>
+        <p:spPr>
+          <a:xfrm>
+            <a:off x="9921021" y="4152483"/>
+            <a:ext cx="1383007" cy="553133"/>
+          </a:xfrm>
+          <a:prstGeom prst="rect">
+            <a:avLst/>
+          </a:prstGeom>
+          <a:noFill/>
+        </p:spPr>
+        <p:txBody>
+          <a:bodyPr vert="horz" wrap="square" lIns="0" tIns="0" rIns="0" bIns="0" rtlCol="0" anchor="ctr" anchorCtr="0">
+            <a:noAutofit/>
+          </a:bodyPr>
+          <a:lstStyle/>
+          <a:p>
+            <a:pPr marL="0" marR="0" lvl="0" indent="0" defTabSz="914400" rtl="0" eaLnBrk="1" fontAlgn="auto" latinLnBrk="0" hangingPunct="1">
+              <a:lnSpc>
+                <a:spcPct val="100000"/>
+              </a:lnSpc>
+              <a:spcBef>
+                <a:spcPts val="0"/>
+              </a:spcBef>
+              <a:spcAft>
+                <a:spcPts val="0"/>
+              </a:spcAft>
+              <a:buClrTx/>
+              <a:buSzTx/>
+              <a:buFontTx/>
+              <a:buNone/>
+              <a:tabLst/>
+              <a:defRPr/>
+            </a:pPr>
+            <a:r>
+              <a:rPr kumimoji="0" lang="en-US" sz="1000" b="1" i="0" u="none" strike="noStrike" kern="1200" cap="none" spc="-4" normalizeH="0" baseline="0" noProof="0" dirty="0" smtClean="0">
+                <a:ln>
+                  <a:noFill/>
+                </a:ln>
+                <a:solidFill>
+                  <a:srgbClr val="737373"/>
+                </a:solidFill>
+                <a:effectLst/>
+                <a:uLnTx/>
+                <a:uFillTx/>
+                <a:latin typeface="Segoe UI" panose="020B0502040204020203" pitchFamily="34" charset="0"/>
+                <a:ea typeface="+mn-ea"/>
+                <a:cs typeface="+mn-cs"/>
+              </a:rPr>
+              <a:t>Finish Thesis</a:t>
+            </a:r>
+            <a:endParaRPr kumimoji="0" lang="en-US" sz="1000" b="1" i="0" u="none" strike="noStrike" kern="1200" cap="none" spc="-4" normalizeH="0" noProof="0" dirty="0" smtClean="0">
+              <a:ln>
+                <a:noFill/>
+              </a:ln>
+              <a:solidFill>
+                <a:srgbClr val="737373"/>
+              </a:solidFill>
+              <a:effectLst/>
+              <a:uLnTx/>
+              <a:uFillTx/>
+              <a:latin typeface="Segoe UI" panose="020B0502040204020203" pitchFamily="34" charset="0"/>
+              <a:ea typeface="+mn-ea"/>
+              <a:cs typeface="+mn-cs"/>
+            </a:endParaRPr>
+          </a:p>
+          <a:p>
+            <a:pPr marL="0" marR="0" lvl="0" indent="0" defTabSz="914400" rtl="0" eaLnBrk="1" fontAlgn="auto" latinLnBrk="0" hangingPunct="1">
+              <a:lnSpc>
+                <a:spcPct val="100000"/>
+              </a:lnSpc>
+              <a:spcBef>
+                <a:spcPts val="0"/>
+              </a:spcBef>
+              <a:spcAft>
+                <a:spcPts val="0"/>
+              </a:spcAft>
+              <a:buClrTx/>
+              <a:buSzTx/>
+              <a:buFontTx/>
+              <a:buNone/>
+              <a:tabLst/>
+              <a:defRPr/>
+            </a:pPr>
+            <a:endParaRPr lang="en-US" sz="1000" b="1" spc="-4" baseline="0" dirty="0">
+              <a:solidFill>
+                <a:srgbClr val="737373"/>
+              </a:solidFill>
+              <a:latin typeface="Segoe UI" panose="020B0502040204020203" pitchFamily="34" charset="0"/>
+            </a:endParaRPr>
+          </a:p>
+          <a:p>
+            <a:pPr marL="0" marR="0" lvl="0" indent="0" defTabSz="914400" rtl="0" eaLnBrk="1" fontAlgn="auto" latinLnBrk="0" hangingPunct="1">
+              <a:lnSpc>
+                <a:spcPct val="100000"/>
+              </a:lnSpc>
+              <a:spcBef>
+                <a:spcPts val="0"/>
+              </a:spcBef>
+              <a:spcAft>
+                <a:spcPts val="0"/>
+              </a:spcAft>
+              <a:buClrTx/>
+              <a:buSzTx/>
+              <a:buFontTx/>
+              <a:buNone/>
+              <a:tabLst/>
+              <a:defRPr/>
+            </a:pPr>
+            <a:endParaRPr kumimoji="0" lang="en-US" sz="1000" b="1" i="0" u="none" strike="noStrike" kern="1200" cap="none" spc="-4" normalizeH="0" baseline="0" noProof="0" dirty="0">
+              <a:ln>
+                <a:noFill/>
+              </a:ln>
+              <a:solidFill>
+                <a:srgbClr val="737373"/>
+              </a:solidFill>
+              <a:effectLst/>
+              <a:uLnTx/>
+              <a:uFillTx/>
+              <a:latin typeface="Segoe UI" panose="020B0502040204020203" pitchFamily="34" charset="0"/>
+              <a:ea typeface="+mn-ea"/>
+              <a:cs typeface="+mn-cs"/>
+            </a:endParaRPr>
+          </a:p>
+        </p:txBody>
+      </p:sp>
+      <p:cxnSp>
+        <p:nvCxnSpPr>
+          <p:cNvPr id="117" name="OTLSHAPE_TB_00000000000000000000000000000000_Separator1"/>
+          <p:cNvCxnSpPr/>
+          <p:nvPr>
+            <p:custDataLst>
+              <p:tags r:id="rId76"/>
+            </p:custDataLst>
+          </p:nvPr>
+        </p:nvCxnSpPr>
+        <p:spPr>
+          <a:xfrm>
+            <a:off x="9814445" y="3993588"/>
+            <a:ext cx="31750" cy="2133335"/>
+          </a:xfrm>
+          <a:prstGeom prst="line">
+            <a:avLst/>
+          </a:prstGeom>
+          <a:ln w="6350" cap="flat" cmpd="sng" algn="ctr">
+            <a:solidFill>
+              <a:schemeClr val="tx1">
+                <a:alpha val="29804"/>
+              </a:schemeClr>
+            </a:solidFill>
+            <a:prstDash val="solid"/>
+            <a:miter lim="800000"/>
+            <a:headEnd type="none" w="med" len="med"/>
+            <a:tailEnd type="none" w="med" len="med"/>
+          </a:ln>
+        </p:spPr>
+        <p:style>
+          <a:lnRef idx="1">
+            <a:schemeClr val="accent1"/>
+          </a:lnRef>
+          <a:fillRef idx="0">
+            <a:schemeClr val="accent1"/>
+          </a:fillRef>
+          <a:effectRef idx="0">
+            <a:schemeClr val="accent1"/>
+          </a:effectRef>
+          <a:fontRef idx="minor">
+            <a:schemeClr val="tx1"/>
+          </a:fontRef>
+        </p:style>
+      </p:cxnSp>
+      <p:sp>
+        <p:nvSpPr>
+          <p:cNvPr id="118" name="OTLSHAPE_M_a54bc827b05146d18b559f618723e2b4_Date"/>
+          <p:cNvSpPr txBox="1"/>
+          <p:nvPr>
+            <p:custDataLst>
+              <p:tags r:id="rId77"/>
+            </p:custDataLst>
+          </p:nvPr>
+        </p:nvSpPr>
+        <p:spPr>
+          <a:xfrm>
+            <a:off x="3807488" y="2922194"/>
+            <a:ext cx="304800" cy="155025"/>
+          </a:xfrm>
+          <a:prstGeom prst="rect">
+            <a:avLst/>
+          </a:prstGeom>
+          <a:noFill/>
+        </p:spPr>
+        <p:txBody>
+          <a:bodyPr vert="horz" wrap="square" lIns="0" tIns="0" rIns="0" bIns="0" rtlCol="0" anchor="ctr" anchorCtr="0">
+            <a:noAutofit/>
+          </a:bodyPr>
+          <a:lstStyle/>
+          <a:p>
+            <a:pPr marL="0" marR="0" lvl="0" indent="0" algn="ctr" defTabSz="914400" rtl="0" eaLnBrk="1" fontAlgn="auto" latinLnBrk="0" hangingPunct="1">
+              <a:lnSpc>
+                <a:spcPct val="100000"/>
+              </a:lnSpc>
+              <a:spcBef>
+                <a:spcPts val="0"/>
+              </a:spcBef>
+              <a:spcAft>
+                <a:spcPts val="0"/>
+              </a:spcAft>
+              <a:buClrTx/>
+              <a:buSzTx/>
+              <a:buFontTx/>
+              <a:buNone/>
+              <a:tabLst/>
+              <a:defRPr/>
+            </a:pPr>
+            <a:r>
+              <a:rPr kumimoji="0" lang="en-US" sz="1000" b="0" i="0" u="none" strike="noStrike" kern="1200" cap="none" spc="-6" normalizeH="0" baseline="0" noProof="0" dirty="0">
+                <a:ln>
+                  <a:noFill/>
+                </a:ln>
+                <a:solidFill>
+                  <a:srgbClr val="A6A6A6"/>
+                </a:solidFill>
+                <a:effectLst/>
+                <a:uLnTx/>
+                <a:uFillTx/>
+                <a:latin typeface="Calibri" panose="020F0502020204030204" pitchFamily="34" charset="0"/>
+                <a:ea typeface="+mn-ea"/>
+                <a:cs typeface="+mn-cs"/>
+              </a:rPr>
+              <a:t>Jul </a:t>
+            </a:r>
+            <a:r>
+              <a:rPr kumimoji="0" lang="en-US" sz="1000" b="0" i="0" u="none" strike="noStrike" kern="1200" cap="none" spc="-6" normalizeH="0" baseline="0" noProof="0" dirty="0" smtClean="0">
+                <a:ln>
+                  <a:noFill/>
+                </a:ln>
+                <a:solidFill>
+                  <a:srgbClr val="A6A6A6"/>
+                </a:solidFill>
+                <a:effectLst/>
+                <a:uLnTx/>
+                <a:uFillTx/>
+                <a:latin typeface="Calibri" panose="020F0502020204030204" pitchFamily="34" charset="0"/>
+                <a:ea typeface="+mn-ea"/>
+                <a:cs typeface="+mn-cs"/>
+              </a:rPr>
+              <a:t>1</a:t>
+            </a:r>
+            <a:endParaRPr kumimoji="0" lang="en-US" sz="1000" b="0" i="0" u="none" strike="noStrike" kern="1200" cap="none" spc="-6" normalizeH="0" baseline="0" noProof="0" dirty="0">
+              <a:ln>
+                <a:noFill/>
+              </a:ln>
+              <a:solidFill>
+                <a:srgbClr val="A6A6A6"/>
+              </a:solidFill>
+              <a:effectLst/>
+              <a:uLnTx/>
+              <a:uFillTx/>
+              <a:latin typeface="Calibri" panose="020F0502020204030204" pitchFamily="34" charset="0"/>
+              <a:ea typeface="+mn-ea"/>
+              <a:cs typeface="+mn-cs"/>
+            </a:endParaRPr>
+          </a:p>
+        </p:txBody>
+      </p:sp>
+      <p:sp>
+        <p:nvSpPr>
+          <p:cNvPr id="119" name="OTLSHAPE_M_a54bc827b05146d18b559f618723e2b4_Date"/>
+          <p:cNvSpPr txBox="1"/>
+          <p:nvPr>
+            <p:custDataLst>
+              <p:tags r:id="rId78"/>
+            </p:custDataLst>
+          </p:nvPr>
+        </p:nvSpPr>
+        <p:spPr>
+          <a:xfrm>
+            <a:off x="6918554" y="2937994"/>
+            <a:ext cx="304800" cy="155025"/>
+          </a:xfrm>
+          <a:prstGeom prst="rect">
+            <a:avLst/>
+          </a:prstGeom>
+          <a:noFill/>
+        </p:spPr>
+        <p:txBody>
+          <a:bodyPr vert="horz" wrap="square" lIns="0" tIns="0" rIns="0" bIns="0" rtlCol="0" anchor="ctr" anchorCtr="0">
+            <a:noAutofit/>
+          </a:bodyPr>
+          <a:lstStyle/>
+          <a:p>
+            <a:pPr marL="0" marR="0" lvl="0" indent="0" algn="ctr" defTabSz="914400" rtl="0" eaLnBrk="1" fontAlgn="auto" latinLnBrk="0" hangingPunct="1">
+              <a:lnSpc>
+                <a:spcPct val="100000"/>
+              </a:lnSpc>
+              <a:spcBef>
+                <a:spcPts val="0"/>
+              </a:spcBef>
+              <a:spcAft>
+                <a:spcPts val="0"/>
+              </a:spcAft>
+              <a:buClrTx/>
+              <a:buSzTx/>
+              <a:buFontTx/>
+              <a:buNone/>
+              <a:tabLst/>
+              <a:defRPr/>
+            </a:pPr>
+            <a:r>
+              <a:rPr kumimoji="0" lang="en-US" sz="1000" b="0" i="0" u="none" strike="noStrike" kern="1200" cap="none" spc="-6" normalizeH="0" baseline="0" noProof="0" dirty="0" smtClean="0">
+                <a:ln>
+                  <a:noFill/>
+                </a:ln>
+                <a:solidFill>
+                  <a:srgbClr val="A6A6A6"/>
+                </a:solidFill>
+                <a:effectLst/>
+                <a:uLnTx/>
+                <a:uFillTx/>
+                <a:latin typeface="Calibri" panose="020F0502020204030204" pitchFamily="34" charset="0"/>
+                <a:ea typeface="+mn-ea"/>
+                <a:cs typeface="+mn-cs"/>
+              </a:rPr>
+              <a:t>Sep 1</a:t>
+            </a:r>
+            <a:endParaRPr kumimoji="0" lang="en-US" sz="1000" b="0" i="0" u="none" strike="noStrike" kern="1200" cap="none" spc="-6" normalizeH="0" baseline="0" noProof="0" dirty="0">
+              <a:ln>
+                <a:noFill/>
+              </a:ln>
+              <a:solidFill>
+                <a:srgbClr val="A6A6A6"/>
+              </a:solidFill>
+              <a:effectLst/>
+              <a:uLnTx/>
+              <a:uFillTx/>
+              <a:latin typeface="Calibri" panose="020F0502020204030204" pitchFamily="34" charset="0"/>
+              <a:ea typeface="+mn-ea"/>
+              <a:cs typeface="+mn-cs"/>
+            </a:endParaRPr>
+          </a:p>
+        </p:txBody>
+      </p:sp>
+      <p:sp>
+        <p:nvSpPr>
+          <p:cNvPr id="120" name="OTLSHAPE_M_a54bc827b05146d18b559f618723e2b4_Date"/>
+          <p:cNvSpPr txBox="1"/>
+          <p:nvPr>
+            <p:custDataLst>
+              <p:tags r:id="rId79"/>
+            </p:custDataLst>
+          </p:nvPr>
+        </p:nvSpPr>
+        <p:spPr>
+          <a:xfrm>
+            <a:off x="8446661" y="2921010"/>
+            <a:ext cx="304800" cy="155025"/>
+          </a:xfrm>
+          <a:prstGeom prst="rect">
+            <a:avLst/>
+          </a:prstGeom>
+          <a:noFill/>
+        </p:spPr>
+        <p:txBody>
+          <a:bodyPr vert="horz" wrap="square" lIns="0" tIns="0" rIns="0" bIns="0" rtlCol="0" anchor="ctr" anchorCtr="0">
+            <a:noAutofit/>
+          </a:bodyPr>
+          <a:lstStyle/>
+          <a:p>
+            <a:pPr marL="0" marR="0" lvl="0" indent="0" algn="ctr" defTabSz="914400" rtl="0" eaLnBrk="1" fontAlgn="auto" latinLnBrk="0" hangingPunct="1">
+              <a:lnSpc>
+                <a:spcPct val="100000"/>
+              </a:lnSpc>
+              <a:spcBef>
+                <a:spcPts val="0"/>
+              </a:spcBef>
+              <a:spcAft>
+                <a:spcPts val="0"/>
+              </a:spcAft>
+              <a:buClrTx/>
+              <a:buSzTx/>
+              <a:buFontTx/>
+              <a:buNone/>
+              <a:tabLst/>
+              <a:defRPr/>
+            </a:pPr>
+            <a:r>
+              <a:rPr kumimoji="0" lang="en-US" sz="1000" b="0" i="0" u="none" strike="noStrike" kern="1200" cap="none" spc="-6" normalizeH="0" baseline="0" noProof="0" dirty="0" smtClean="0">
+                <a:ln>
+                  <a:noFill/>
+                </a:ln>
+                <a:solidFill>
+                  <a:srgbClr val="A6A6A6"/>
+                </a:solidFill>
+                <a:effectLst/>
+                <a:uLnTx/>
+                <a:uFillTx/>
+                <a:latin typeface="Calibri" panose="020F0502020204030204" pitchFamily="34" charset="0"/>
+                <a:ea typeface="+mn-ea"/>
+                <a:cs typeface="+mn-cs"/>
+              </a:rPr>
+              <a:t>Oct 1</a:t>
+            </a:r>
+            <a:endParaRPr kumimoji="0" lang="en-US" sz="1000" b="0" i="0" u="none" strike="noStrike" kern="1200" cap="none" spc="-6" normalizeH="0" baseline="0" noProof="0" dirty="0">
+              <a:ln>
+                <a:noFill/>
+              </a:ln>
+              <a:solidFill>
+                <a:srgbClr val="A6A6A6"/>
+              </a:solidFill>
+              <a:effectLst/>
+              <a:uLnTx/>
+              <a:uFillTx/>
+              <a:latin typeface="Calibri" panose="020F0502020204030204" pitchFamily="34" charset="0"/>
               <a:ea typeface="+mn-ea"/>
               <a:cs typeface="+mn-cs"/>
             </a:endParaRPr>
@@ -14523,12 +15363,6 @@
 <file path=ppt/tags/tag23.xml><?xml version="1.0" encoding="utf-8"?>
 <p:tagLst xmlns:a="http://schemas.openxmlformats.org/drawingml/2006/main" xmlns:r="http://schemas.openxmlformats.org/officeDocument/2006/relationships" xmlns:p="http://schemas.openxmlformats.org/presentationml/2006/main">
   <p:tag name="OTLMARKERSHAPE" val="OTL"/>
-</p:tagLst>
-</file>
-
-<file path=ppt/tags/tag24.xml><?xml version="1.0" encoding="utf-8"?>
-<p:tagLst xmlns:a="http://schemas.openxmlformats.org/drawingml/2006/main" xmlns:r="http://schemas.openxmlformats.org/officeDocument/2006/relationships" xmlns:p="http://schemas.openxmlformats.org/presentationml/2006/main">
-  <p:tag name="OTLMARKERSHAPE" val="OTL"/>
   <p:tag name="OTLDATEFORMATSTRING" val="MMM d"/>
   <p:tag name="OTLDATEFORMATSEPARATOR" val="/"/>
   <p:tag name="OTLDATEFORMATUSEUS" val="True"/>
@@ -14546,9 +15380,29 @@
 </p:tagLst>
 </file>
 
+<file path=ppt/tags/tag24.xml><?xml version="1.0" encoding="utf-8"?>
+<p:tagLst xmlns:a="http://schemas.openxmlformats.org/drawingml/2006/main" xmlns:r="http://schemas.openxmlformats.org/officeDocument/2006/relationships" xmlns:p="http://schemas.openxmlformats.org/presentationml/2006/main">
+  <p:tag name="OTLMARKERSHAPE" val="OTL"/>
+</p:tagLst>
+</file>
+
 <file path=ppt/tags/tag25.xml><?xml version="1.0" encoding="utf-8"?>
 <p:tagLst xmlns:a="http://schemas.openxmlformats.org/drawingml/2006/main" xmlns:r="http://schemas.openxmlformats.org/officeDocument/2006/relationships" xmlns:p="http://schemas.openxmlformats.org/presentationml/2006/main">
   <p:tag name="OTLMARKERSHAPE" val="OTL"/>
+  <p:tag name="OTLDATEFORMATSTRING" val="MMM d"/>
+  <p:tag name="OTLDATEFORMATSEPARATOR" val="/"/>
+  <p:tag name="OTLDATEFORMATUSEUS" val="True"/>
+  <p:tag name="OTLDATEFORMATDATEISVISIBLE" val="True"/>
+  <p:tag name="OTLDATEFORMATTIMEISVISIBLE" val="False"/>
+  <p:tag name="OTLDATEFORMATAMPMDESIGNATOR" val="AmPmLowerCase"/>
+  <p:tag name="OTLDATEFORMATHOURDIGITS" val="H"/>
+  <p:tag name="OTLDATEFORMATTRIM00MINUTES" val="False"/>
+  <p:tag name="OTLMTITLE" val="Milestone #1"/>
+  <p:tag name="OTLDATE" val="2018-06-07T23:59:00.0000000Z"/>
+  <p:tag name="OTLPOSITIONONTASK" val="None"/>
+  <p:tag name="OTLRELATEDTASKID" val="00000000-0000-0000-0000-000000000000"/>
+  <p:tag name="OTLWEEKNUMBERINGFORMAT" val="WNFormat1"/>
+  <p:tag name="OTLWEEKNUMBERINGISVISIBLE" val="False"/>
 </p:tagLst>
 </file>
 
@@ -14569,8 +15423,8 @@
   <p:tag name="OTLDATEFORMATAMPMDESIGNATOR" val="AmPmLowerCase"/>
   <p:tag name="OTLDATEFORMATHOURDIGITS" val="H"/>
   <p:tag name="OTLDATEFORMATTRIM00MINUTES" val="False"/>
-  <p:tag name="OTLMTITLE" val="Milestone #1"/>
-  <p:tag name="OTLDATE" val="2018-06-07T23:59:00.0000000Z"/>
+  <p:tag name="OTLMTITLE" val="Milestone #3"/>
+  <p:tag name="OTLDATE" val="2018-09-20T23:59:00.0000000Z"/>
   <p:tag name="OTLPOSITIONONTASK" val="None"/>
   <p:tag name="OTLRELATEDTASKID" val="00000000-0000-0000-0000-000000000000"/>
   <p:tag name="OTLWEEKNUMBERINGFORMAT" val="WNFormat1"/>
@@ -14599,20 +15453,6 @@
 <file path=ppt/tags/tag30.xml><?xml version="1.0" encoding="utf-8"?>
 <p:tagLst xmlns:a="http://schemas.openxmlformats.org/drawingml/2006/main" xmlns:r="http://schemas.openxmlformats.org/officeDocument/2006/relationships" xmlns:p="http://schemas.openxmlformats.org/presentationml/2006/main">
   <p:tag name="OTLMARKERSHAPE" val="OTL"/>
-  <p:tag name="OTLDATEFORMATSTRING" val="MMM d"/>
-  <p:tag name="OTLDATEFORMATSEPARATOR" val="/"/>
-  <p:tag name="OTLDATEFORMATUSEUS" val="True"/>
-  <p:tag name="OTLDATEFORMATDATEISVISIBLE" val="True"/>
-  <p:tag name="OTLDATEFORMATTIMEISVISIBLE" val="False"/>
-  <p:tag name="OTLDATEFORMATAMPMDESIGNATOR" val="AmPmLowerCase"/>
-  <p:tag name="OTLDATEFORMATHOURDIGITS" val="H"/>
-  <p:tag name="OTLDATEFORMATTRIM00MINUTES" val="False"/>
-  <p:tag name="OTLMTITLE" val="Milestone #2"/>
-  <p:tag name="OTLDATE" val="2018-07-21T23:59:00.0000000Z"/>
-  <p:tag name="OTLPOSITIONONTASK" val="None"/>
-  <p:tag name="OTLRELATEDTASKID" val="00000000-0000-0000-0000-000000000000"/>
-  <p:tag name="OTLWEEKNUMBERINGFORMAT" val="WNFormat1"/>
-  <p:tag name="OTLWEEKNUMBERINGISVISIBLE" val="False"/>
 </p:tagLst>
 </file>
 
@@ -14631,20 +15471,6 @@
 <file path=ppt/tags/tag33.xml><?xml version="1.0" encoding="utf-8"?>
 <p:tagLst xmlns:a="http://schemas.openxmlformats.org/drawingml/2006/main" xmlns:r="http://schemas.openxmlformats.org/officeDocument/2006/relationships" xmlns:p="http://schemas.openxmlformats.org/presentationml/2006/main">
   <p:tag name="OTLMARKERSHAPE" val="OTL"/>
-  <p:tag name="OTLDATEFORMATSTRING" val="MMM d"/>
-  <p:tag name="OTLDATEFORMATSEPARATOR" val="/"/>
-  <p:tag name="OTLDATEFORMATUSEUS" val="True"/>
-  <p:tag name="OTLDATEFORMATDATEISVISIBLE" val="True"/>
-  <p:tag name="OTLDATEFORMATTIMEISVISIBLE" val="False"/>
-  <p:tag name="OTLDATEFORMATAMPMDESIGNATOR" val="AmPmLowerCase"/>
-  <p:tag name="OTLDATEFORMATHOURDIGITS" val="H"/>
-  <p:tag name="OTLDATEFORMATTRIM00MINUTES" val="False"/>
-  <p:tag name="OTLMTITLE" val="Checkpoint A"/>
-  <p:tag name="OTLDATE" val="2018-08-12T23:59:00.0000000Z"/>
-  <p:tag name="OTLPOSITIONONTASK" val="None"/>
-  <p:tag name="OTLRELATEDTASKID" val="00000000-0000-0000-0000-000000000000"/>
-  <p:tag name="OTLWEEKNUMBERINGFORMAT" val="WNFormat1"/>
-  <p:tag name="OTLWEEKNUMBERINGISVISIBLE" val="False"/>
 </p:tagLst>
 </file>
 
@@ -14663,20 +15489,6 @@
 <file path=ppt/tags/tag36.xml><?xml version="1.0" encoding="utf-8"?>
 <p:tagLst xmlns:a="http://schemas.openxmlformats.org/drawingml/2006/main" xmlns:r="http://schemas.openxmlformats.org/officeDocument/2006/relationships" xmlns:p="http://schemas.openxmlformats.org/presentationml/2006/main">
   <p:tag name="OTLMARKERSHAPE" val="OTL"/>
-  <p:tag name="OTLDATEFORMATSTRING" val="MMM d"/>
-  <p:tag name="OTLDATEFORMATSEPARATOR" val="/"/>
-  <p:tag name="OTLDATEFORMATUSEUS" val="True"/>
-  <p:tag name="OTLDATEFORMATDATEISVISIBLE" val="True"/>
-  <p:tag name="OTLDATEFORMATTIMEISVISIBLE" val="False"/>
-  <p:tag name="OTLDATEFORMATAMPMDESIGNATOR" val="AmPmLowerCase"/>
-  <p:tag name="OTLDATEFORMATHOURDIGITS" val="H"/>
-  <p:tag name="OTLDATEFORMATTRIM00MINUTES" val="False"/>
-  <p:tag name="OTLMTITLE" val="Milestone #3"/>
-  <p:tag name="OTLDATE" val="2018-09-20T23:59:00.0000000Z"/>
-  <p:tag name="OTLPOSITIONONTASK" val="None"/>
-  <p:tag name="OTLRELATEDTASKID" val="00000000-0000-0000-0000-000000000000"/>
-  <p:tag name="OTLWEEKNUMBERINGFORMAT" val="WNFormat1"/>
-  <p:tag name="OTLWEEKNUMBERINGISVISIBLE" val="False"/>
 </p:tagLst>
 </file>
 
@@ -14695,22 +15507,6 @@
 <file path=ppt/tags/tag39.xml><?xml version="1.0" encoding="utf-8"?>
 <p:tagLst xmlns:a="http://schemas.openxmlformats.org/drawingml/2006/main" xmlns:r="http://schemas.openxmlformats.org/officeDocument/2006/relationships" xmlns:p="http://schemas.openxmlformats.org/presentationml/2006/main">
   <p:tag name="OTLMARKERSHAPE" val="OTL"/>
-  <p:tag name="OTLDATEFORMATSTRING" val="MMM d"/>
-  <p:tag name="OTLDATEFORMATSEPARATOR" val="/"/>
-  <p:tag name="OTLDATEFORMATUSEUS" val="True"/>
-  <p:tag name="OTLDATEFORMATDATEISVISIBLE" val="True"/>
-  <p:tag name="OTLDATEFORMATTIMEISVISIBLE" val="False"/>
-  <p:tag name="OTLDATEFORMATAMPMDESIGNATOR" val="AmPmLowerCase"/>
-  <p:tag name="OTLDATEFORMATHOURDIGITS" val="H"/>
-  <p:tag name="OTLDATEFORMATTRIM00MINUTES" val="False"/>
-  <p:tag name="OTLSTARTDATE" val="2018-07-25T00:00:00.0000000Z"/>
-  <p:tag name="OTLENDDATE" val="2018-08-01T23:59:00.0000000Z"/>
-  <p:tag name="OTLPERCENTAGE" val="100"/>
-  <p:tag name="OTLDURATIONFORMAT" val="day"/>
-  <p:tag name="OTLSPACING" val="5"/>
-  <p:tag name="OTLSHAPETHICKNESSTYPE" val="Custom"/>
-  <p:tag name="OTLWEEKNUMBERINGFORMAT" val="WNFormat1"/>
-  <p:tag name="OTLWEEKNUMBERINGISVISIBLE" val="False"/>
 </p:tagLst>
 </file>
 
@@ -14747,22 +15543,6 @@
 <file path=ppt/tags/tag44.xml><?xml version="1.0" encoding="utf-8"?>
 <p:tagLst xmlns:a="http://schemas.openxmlformats.org/drawingml/2006/main" xmlns:r="http://schemas.openxmlformats.org/officeDocument/2006/relationships" xmlns:p="http://schemas.openxmlformats.org/presentationml/2006/main">
   <p:tag name="OTLMARKERSHAPE" val="OTL"/>
-  <p:tag name="OTLDATEFORMATSTRING" val="MMM d"/>
-  <p:tag name="OTLDATEFORMATSEPARATOR" val="/"/>
-  <p:tag name="OTLDATEFORMATUSEUS" val="True"/>
-  <p:tag name="OTLDATEFORMATDATEISVISIBLE" val="True"/>
-  <p:tag name="OTLDATEFORMATTIMEISVISIBLE" val="False"/>
-  <p:tag name="OTLDATEFORMATAMPMDESIGNATOR" val="AmPmLowerCase"/>
-  <p:tag name="OTLDATEFORMATHOURDIGITS" val="H"/>
-  <p:tag name="OTLDATEFORMATTRIM00MINUTES" val="False"/>
-  <p:tag name="OTLSTARTDATE" val="2018-08-15T00:00:00.0000000Z"/>
-  <p:tag name="OTLENDDATE" val="2018-09-07T23:59:00.0000000Z"/>
-  <p:tag name="OTLPERCENTAGE" val="100"/>
-  <p:tag name="OTLDURATIONFORMAT" val="day"/>
-  <p:tag name="OTLSPACING" val="5"/>
-  <p:tag name="OTLSHAPETHICKNESSTYPE" val="Custom"/>
-  <p:tag name="OTLWEEKNUMBERINGFORMAT" val="WNFormat1"/>
-  <p:tag name="OTLWEEKNUMBERINGISVISIBLE" val="False"/>
 </p:tagLst>
 </file>
 
@@ -14799,6 +15579,30 @@
 <file path=ppt/tags/tag5.xml><?xml version="1.0" encoding="utf-8"?>
 <p:tagLst xmlns:a="http://schemas.openxmlformats.org/drawingml/2006/main" xmlns:r="http://schemas.openxmlformats.org/officeDocument/2006/relationships" xmlns:p="http://schemas.openxmlformats.org/presentationml/2006/main">
   <p:tag name="OTLMARKERSHAPE" val="OTL"/>
+  <p:tag name="OTLTIMEBANDCULTUREINFO" val="en-US"/>
+  <p:tag name="OTLTIMEBANDQUICKPOSITION" val="Custom"/>
+  <p:tag name="OTLTIMEBANDTHREEDEFFECTS" val="Gel"/>
+  <p:tag name="OTLTIMEBANDAUTODATERANGE" val="True"/>
+  <p:tag name="OTLTIMEBANDSTARTDATE" val="2015-05-10T23:59:59.9990000Z"/>
+  <p:tag name="OTLTIMEBANDENDDATE" val="2019-01-30T23:59:00.0000000"/>
+  <p:tag name="OTLTIMEBANDWORKINGDAYS" val="All"/>
+  <p:tag name="OTLTIMEBANDELAPSEDTIMEEXTENSION" val="False"/>
+  <p:tag name="OTLTIMEBANDUSETIME" val="False"/>
+  <p:tag name="OTLTIMEBANDTIMECONFIGWORKDAYSTART" val="00:00:00"/>
+  <p:tag name="OTLTIMEBANDTIMECONFIGWORKDAYEND" val="23:59:00"/>
+  <p:tag name="OTLTIMEBANDAPPENDYEARONYEARCHANGE" val="True"/>
+  <p:tag name="OTLTIMEBANDSCALEMARKING" val="None"/>
+  <p:tag name="OTLRIGHTENDCAPSMARGINRIGHT" val="25"/>
+  <p:tag name="OTLLEFTENDCAPSMARGINLEFT" val="25"/>
+  <p:tag name="OTLTIMEBANDFYSTARTMONTH" val="January"/>
+  <p:tag name="OTLTIMEBANDSHOWFYLABEL" val="True"/>
+  <p:tag name="OTLTIMEBANDUSESTARTINGOFTHEYEARFORFYNUMBERING" val="True"/>
+  <p:tag name="OTLTIMEBANDRESERVEDLEFTAREAWIDTH" val="0"/>
+  <p:tag name="OTLTIMEBANDRESERVEDLEFTAREAISSET" val="False"/>
+  <p:tag name="OTLTIMEBANDSCALEFORMAT" val="MMM"/>
+  <p:tag name="OTLTIMEBANDSCALETYPE" val="Months"/>
+  <p:tag name="OTLTIMEBANDSHAPETYPE" val="RectangleTimeband"/>
+  <p:tag name="OTLTIMEBANDSHAPEHEIGHT" val="30"/>
 </p:tagLst>
 </file>
 
@@ -14817,22 +15621,6 @@
 <file path=ppt/tags/tag52.xml><?xml version="1.0" encoding="utf-8"?>
 <p:tagLst xmlns:a="http://schemas.openxmlformats.org/drawingml/2006/main" xmlns:r="http://schemas.openxmlformats.org/officeDocument/2006/relationships" xmlns:p="http://schemas.openxmlformats.org/presentationml/2006/main">
   <p:tag name="OTLMARKERSHAPE" val="OTL"/>
-  <p:tag name="OTLDATEFORMATSTRING" val="MMM d"/>
-  <p:tag name="OTLDATEFORMATSEPARATOR" val="/"/>
-  <p:tag name="OTLDATEFORMATUSEUS" val="True"/>
-  <p:tag name="OTLDATEFORMATDATEISVISIBLE" val="True"/>
-  <p:tag name="OTLDATEFORMATTIMEISVISIBLE" val="False"/>
-  <p:tag name="OTLDATEFORMATAMPMDESIGNATOR" val="AmPmLowerCase"/>
-  <p:tag name="OTLDATEFORMATHOURDIGITS" val="H"/>
-  <p:tag name="OTLDATEFORMATTRIM00MINUTES" val="False"/>
-  <p:tag name="OTLSTARTDATE" val="2018-08-15T00:00:00.0000000Z"/>
-  <p:tag name="OTLENDDATE" val="2018-09-17T23:59:00.0000000Z"/>
-  <p:tag name="OTLPERCENTAGE" val="80"/>
-  <p:tag name="OTLDURATIONFORMAT" val="day"/>
-  <p:tag name="OTLSPACING" val="5"/>
-  <p:tag name="OTLSHAPETHICKNESSTYPE" val="Custom"/>
-  <p:tag name="OTLWEEKNUMBERINGFORMAT" val="WNFormat1"/>
-  <p:tag name="OTLWEEKNUMBERINGISVISIBLE" val="False"/>
 </p:tagLst>
 </file>
 
@@ -14883,12 +15671,10 @@
   <p:tag name="OTLDATEFORMATAMPMDESIGNATOR" val="AmPmLowerCase"/>
   <p:tag name="OTLDATEFORMATHOURDIGITS" val="H"/>
   <p:tag name="OTLDATEFORMATTRIM00MINUTES" val="False"/>
-  <p:tag name="OTLSTARTDATE" val="2018-09-08T00:00:00.0000000Z"/>
-  <p:tag name="OTLENDDATE" val="2018-09-30T23:59:00.0000000Z"/>
-  <p:tag name="OTLPERCENTAGE" val="60"/>
-  <p:tag name="OTLDURATIONFORMAT" val="day"/>
-  <p:tag name="OTLSPACING" val="5"/>
-  <p:tag name="OTLSHAPETHICKNESSTYPE" val="Custom"/>
+  <p:tag name="OTLMTITLE" val="Kick Off"/>
+  <p:tag name="OTLDATE" val="2018-05-10T23:59:00.0000000Z"/>
+  <p:tag name="OTLPOSITIONONTASK" val="None"/>
+  <p:tag name="OTLRELATEDTASKID" val="00000000-0000-0000-0000-000000000000"/>
   <p:tag name="OTLWEEKNUMBERINGFORMAT" val="WNFormat1"/>
   <p:tag name="OTLWEEKNUMBERINGISVISIBLE" val="False"/>
 </p:tagLst>
@@ -14897,30 +15683,7 @@
 <file path=ppt/tags/tag6.xml><?xml version="1.0" encoding="utf-8"?>
 <p:tagLst xmlns:a="http://schemas.openxmlformats.org/drawingml/2006/main" xmlns:r="http://schemas.openxmlformats.org/officeDocument/2006/relationships" xmlns:p="http://schemas.openxmlformats.org/presentationml/2006/main">
   <p:tag name="OTLMARKERSHAPE" val="OTL"/>
-  <p:tag name="OTLTIMEBANDCULTUREINFO" val="en-US"/>
-  <p:tag name="OTLTIMEBANDQUICKPOSITION" val="Custom"/>
-  <p:tag name="OTLTIMEBANDTHREEDEFFECTS" val="Gel"/>
-  <p:tag name="OTLTIMEBANDAUTODATERANGE" val="True"/>
-  <p:tag name="OTLTIMEBANDSTARTDATE" val="2015-05-10T23:59:59.9990000Z"/>
-  <p:tag name="OTLTIMEBANDENDDATE" val="2019-01-30T23:59:00.0000000"/>
-  <p:tag name="OTLTIMEBANDWORKINGDAYS" val="All"/>
-  <p:tag name="OTLTIMEBANDELAPSEDTIMEEXTENSION" val="False"/>
-  <p:tag name="OTLTIMEBANDUSETIME" val="False"/>
-  <p:tag name="OTLTIMEBANDTIMECONFIGWORKDAYSTART" val="00:00:00"/>
-  <p:tag name="OTLTIMEBANDTIMECONFIGWORKDAYEND" val="23:59:00"/>
-  <p:tag name="OTLTIMEBANDAPPENDYEARONYEARCHANGE" val="True"/>
-  <p:tag name="OTLTIMEBANDSCALEMARKING" val="None"/>
-  <p:tag name="OTLRIGHTENDCAPSMARGINRIGHT" val="25"/>
-  <p:tag name="OTLLEFTENDCAPSMARGINLEFT" val="25"/>
-  <p:tag name="OTLTIMEBANDFYSTARTMONTH" val="January"/>
-  <p:tag name="OTLTIMEBANDSHOWFYLABEL" val="True"/>
-  <p:tag name="OTLTIMEBANDUSESTARTINGOFTHEYEARFORFYNUMBERING" val="True"/>
-  <p:tag name="OTLTIMEBANDRESERVEDLEFTAREAWIDTH" val="0"/>
-  <p:tag name="OTLTIMEBANDRESERVEDLEFTAREAISSET" val="False"/>
-  <p:tag name="OTLTIMEBANDSCALEFORMAT" val="MMM"/>
-  <p:tag name="OTLTIMEBANDSCALETYPE" val="Months"/>
-  <p:tag name="OTLTIMEBANDSHAPETYPE" val="RectangleTimeband"/>
-  <p:tag name="OTLTIMEBANDSHAPEHEIGHT" val="30"/>
+  <p:tag name="OTLELAPSEDSTYLE" val="Hide"/>
 </p:tagLst>
 </file>
 
@@ -14951,6 +15714,20 @@
 <file path=ppt/tags/tag64.xml><?xml version="1.0" encoding="utf-8"?>
 <p:tagLst xmlns:a="http://schemas.openxmlformats.org/drawingml/2006/main" xmlns:r="http://schemas.openxmlformats.org/officeDocument/2006/relationships" xmlns:p="http://schemas.openxmlformats.org/presentationml/2006/main">
   <p:tag name="OTLMARKERSHAPE" val="OTL"/>
+  <p:tag name="OTLDATEFORMATSTRING" val="MMM d"/>
+  <p:tag name="OTLDATEFORMATSEPARATOR" val="/"/>
+  <p:tag name="OTLDATEFORMATUSEUS" val="True"/>
+  <p:tag name="OTLDATEFORMATDATEISVISIBLE" val="True"/>
+  <p:tag name="OTLDATEFORMATTIMEISVISIBLE" val="False"/>
+  <p:tag name="OTLDATEFORMATAMPMDESIGNATOR" val="AmPmLowerCase"/>
+  <p:tag name="OTLDATEFORMATHOURDIGITS" val="H"/>
+  <p:tag name="OTLDATEFORMATTRIM00MINUTES" val="False"/>
+  <p:tag name="OTLMTITLE" val="Milestone #1"/>
+  <p:tag name="OTLDATE" val="2018-06-07T23:59:00.0000000Z"/>
+  <p:tag name="OTLPOSITIONONTASK" val="None"/>
+  <p:tag name="OTLRELATEDTASKID" val="00000000-0000-0000-0000-000000000000"/>
+  <p:tag name="OTLWEEKNUMBERINGFORMAT" val="WNFormat1"/>
+  <p:tag name="OTLWEEKNUMBERINGISVISIBLE" val="False"/>
 </p:tagLst>
 </file>
 
@@ -14971,11 +15748,10 @@
   <p:tag name="OTLDATEFORMATAMPMDESIGNATOR" val="AmPmLowerCase"/>
   <p:tag name="OTLDATEFORMATHOURDIGITS" val="H"/>
   <p:tag name="OTLDATEFORMATTRIM00MINUTES" val="False"/>
-  <p:tag name="OTLSTARTDATE" val="2018-10-04T00:00:00.0000000Z"/>
-  <p:tag name="OTLENDDATE" val="2018-11-07T23:59:00.0000000Z"/>
-  <p:tag name="OTLDURATIONFORMAT" val="day"/>
-  <p:tag name="OTLSPACING" val="5"/>
-  <p:tag name="OTLSHAPETHICKNESSTYPE" val="Custom"/>
+  <p:tag name="OTLMTITLE" val="Milestone #1"/>
+  <p:tag name="OTLDATE" val="2018-06-07T23:59:00.0000000Z"/>
+  <p:tag name="OTLPOSITIONONTASK" val="None"/>
+  <p:tag name="OTLRELATEDTASKID" val="00000000-0000-0000-0000-000000000000"/>
   <p:tag name="OTLWEEKNUMBERINGFORMAT" val="WNFormat1"/>
   <p:tag name="OTLWEEKNUMBERINGISVISIBLE" val="False"/>
 </p:tagLst>
@@ -14990,6 +15766,20 @@
 <file path=ppt/tags/tag68.xml><?xml version="1.0" encoding="utf-8"?>
 <p:tagLst xmlns:a="http://schemas.openxmlformats.org/drawingml/2006/main" xmlns:r="http://schemas.openxmlformats.org/officeDocument/2006/relationships" xmlns:p="http://schemas.openxmlformats.org/presentationml/2006/main">
   <p:tag name="OTLMARKERSHAPE" val="OTL"/>
+  <p:tag name="OTLDATEFORMATSTRING" val="MMM d"/>
+  <p:tag name="OTLDATEFORMATSEPARATOR" val="/"/>
+  <p:tag name="OTLDATEFORMATUSEUS" val="True"/>
+  <p:tag name="OTLDATEFORMATDATEISVISIBLE" val="True"/>
+  <p:tag name="OTLDATEFORMATTIMEISVISIBLE" val="False"/>
+  <p:tag name="OTLDATEFORMATAMPMDESIGNATOR" val="AmPmLowerCase"/>
+  <p:tag name="OTLDATEFORMATHOURDIGITS" val="H"/>
+  <p:tag name="OTLDATEFORMATTRIM00MINUTES" val="False"/>
+  <p:tag name="OTLMTITLE" val="Milestone #1"/>
+  <p:tag name="OTLDATE" val="2018-06-07T23:59:00.0000000Z"/>
+  <p:tag name="OTLPOSITIONONTASK" val="None"/>
+  <p:tag name="OTLRELATEDTASKID" val="00000000-0000-0000-0000-000000000000"/>
+  <p:tag name="OTLWEEKNUMBERINGFORMAT" val="WNFormat1"/>
+  <p:tag name="OTLWEEKNUMBERINGISVISIBLE" val="False"/>
 </p:tagLst>
 </file>
 
@@ -15002,7 +15792,7 @@
 <file path=ppt/tags/tag7.xml><?xml version="1.0" encoding="utf-8"?>
 <p:tagLst xmlns:a="http://schemas.openxmlformats.org/drawingml/2006/main" xmlns:r="http://schemas.openxmlformats.org/officeDocument/2006/relationships" xmlns:p="http://schemas.openxmlformats.org/presentationml/2006/main">
   <p:tag name="OTLMARKERSHAPE" val="OTL"/>
-  <p:tag name="OTLELAPSEDSTYLE" val="Hide"/>
+  <p:tag name="OTLTODAYPOSITION" val="Hide"/>
 </p:tagLst>
 </file>
 
@@ -15033,21 +15823,6 @@
 <file path=ppt/tags/tag74.xml><?xml version="1.0" encoding="utf-8"?>
 <p:tagLst xmlns:a="http://schemas.openxmlformats.org/drawingml/2006/main" xmlns:r="http://schemas.openxmlformats.org/officeDocument/2006/relationships" xmlns:p="http://schemas.openxmlformats.org/presentationml/2006/main">
   <p:tag name="OTLMARKERSHAPE" val="OTL"/>
-  <p:tag name="OTLDATEFORMATSTRING" val="MMM d"/>
-  <p:tag name="OTLDATEFORMATSEPARATOR" val="/"/>
-  <p:tag name="OTLDATEFORMATUSEUS" val="True"/>
-  <p:tag name="OTLDATEFORMATDATEISVISIBLE" val="True"/>
-  <p:tag name="OTLDATEFORMATTIMEISVISIBLE" val="False"/>
-  <p:tag name="OTLDATEFORMATAMPMDESIGNATOR" val="AmPmLowerCase"/>
-  <p:tag name="OTLDATEFORMATHOURDIGITS" val="H"/>
-  <p:tag name="OTLDATEFORMATTRIM00MINUTES" val="False"/>
-  <p:tag name="OTLSTARTDATE" val="2018-11-11T00:00:00.0000000Z"/>
-  <p:tag name="OTLENDDATE" val="2018-12-11T23:59:00.0000000Z"/>
-  <p:tag name="OTLDURATIONFORMAT" val="day"/>
-  <p:tag name="OTLSPACING" val="5"/>
-  <p:tag name="OTLSHAPETHICKNESSTYPE" val="Custom"/>
-  <p:tag name="OTLWEEKNUMBERINGFORMAT" val="WNFormat1"/>
-  <p:tag name="OTLWEEKNUMBERINGISVISIBLE" val="False"/>
 </p:tagLst>
 </file>
 
@@ -15082,37 +15857,6 @@
 </file>
 
 <file path=ppt/tags/tag8.xml><?xml version="1.0" encoding="utf-8"?>
-<p:tagLst xmlns:a="http://schemas.openxmlformats.org/drawingml/2006/main" xmlns:r="http://schemas.openxmlformats.org/officeDocument/2006/relationships" xmlns:p="http://schemas.openxmlformats.org/presentationml/2006/main">
-  <p:tag name="OTLMARKERSHAPE" val="OTL"/>
-  <p:tag name="OTLTODAYPOSITION" val="Hide"/>
-</p:tagLst>
-</file>
-
-<file path=ppt/tags/tag80.xml><?xml version="1.0" encoding="utf-8"?>
-<p:tagLst xmlns:a="http://schemas.openxmlformats.org/drawingml/2006/main" xmlns:r="http://schemas.openxmlformats.org/officeDocument/2006/relationships" xmlns:p="http://schemas.openxmlformats.org/presentationml/2006/main">
-  <p:tag name="OTLMARKERSHAPE" val="OTL"/>
-</p:tagLst>
-</file>
-
-<file path=ppt/tags/tag81.xml><?xml version="1.0" encoding="utf-8"?>
-<p:tagLst xmlns:a="http://schemas.openxmlformats.org/drawingml/2006/main" xmlns:r="http://schemas.openxmlformats.org/officeDocument/2006/relationships" xmlns:p="http://schemas.openxmlformats.org/presentationml/2006/main">
-  <p:tag name="OTLMARKERSHAPE" val="OTL"/>
-</p:tagLst>
-</file>
-
-<file path=ppt/tags/tag82.xml><?xml version="1.0" encoding="utf-8"?>
-<p:tagLst xmlns:a="http://schemas.openxmlformats.org/drawingml/2006/main" xmlns:r="http://schemas.openxmlformats.org/officeDocument/2006/relationships" xmlns:p="http://schemas.openxmlformats.org/presentationml/2006/main">
-  <p:tag name="OTLMARKERSHAPE" val="OTL"/>
-</p:tagLst>
-</file>
-
-<file path=ppt/tags/tag83.xml><?xml version="1.0" encoding="utf-8"?>
-<p:tagLst xmlns:a="http://schemas.openxmlformats.org/drawingml/2006/main" xmlns:r="http://schemas.openxmlformats.org/officeDocument/2006/relationships" xmlns:p="http://schemas.openxmlformats.org/presentationml/2006/main">
-  <p:tag name="OTLMARKERSHAPE" val="OTL"/>
-</p:tagLst>
-</file>
-
-<file path=ppt/tags/tag84.xml><?xml version="1.0" encoding="utf-8"?>
 <p:tagLst xmlns:a="http://schemas.openxmlformats.org/drawingml/2006/main" xmlns:r="http://schemas.openxmlformats.org/officeDocument/2006/relationships" xmlns:p="http://schemas.openxmlformats.org/presentationml/2006/main">
   <p:tag name="OTLMARKERSHAPE" val="OTL"/>
 </p:tagLst>
